--- a/Meeting/Presentation_1201.pptx
+++ b/Meeting/Presentation_1201.pptx
@@ -5,41 +5,43 @@
     <p:sldMasterId id="2147483648" r:id="rId1"/>
   </p:sldMasterIdLst>
   <p:notesMasterIdLst>
-    <p:notesMasterId r:id="rId34"/>
+    <p:notesMasterId r:id="rId36"/>
   </p:notesMasterIdLst>
   <p:sldIdLst>
     <p:sldId id="256" r:id="rId2"/>
     <p:sldId id="257" r:id="rId3"/>
     <p:sldId id="378" r:id="rId4"/>
-    <p:sldId id="403" r:id="rId5"/>
-    <p:sldId id="405" r:id="rId6"/>
-    <p:sldId id="406" r:id="rId7"/>
-    <p:sldId id="404" r:id="rId8"/>
-    <p:sldId id="409" r:id="rId9"/>
-    <p:sldId id="421" r:id="rId10"/>
-    <p:sldId id="411" r:id="rId11"/>
-    <p:sldId id="412" r:id="rId12"/>
-    <p:sldId id="415" r:id="rId13"/>
-    <p:sldId id="413" r:id="rId14"/>
-    <p:sldId id="416" r:id="rId15"/>
-    <p:sldId id="417" r:id="rId16"/>
-    <p:sldId id="414" r:id="rId17"/>
-    <p:sldId id="402" r:id="rId18"/>
-    <p:sldId id="420" r:id="rId19"/>
-    <p:sldId id="422" r:id="rId20"/>
-    <p:sldId id="419" r:id="rId21"/>
-    <p:sldId id="418" r:id="rId22"/>
-    <p:sldId id="356" r:id="rId23"/>
-    <p:sldId id="312" r:id="rId24"/>
-    <p:sldId id="320" r:id="rId25"/>
-    <p:sldId id="384" r:id="rId26"/>
-    <p:sldId id="391" r:id="rId27"/>
-    <p:sldId id="365" r:id="rId28"/>
-    <p:sldId id="374" r:id="rId29"/>
-    <p:sldId id="375" r:id="rId30"/>
-    <p:sldId id="395" r:id="rId31"/>
-    <p:sldId id="407" r:id="rId32"/>
-    <p:sldId id="410" r:id="rId33"/>
+    <p:sldId id="405" r:id="rId5"/>
+    <p:sldId id="406" r:id="rId6"/>
+    <p:sldId id="404" r:id="rId7"/>
+    <p:sldId id="409" r:id="rId8"/>
+    <p:sldId id="421" r:id="rId9"/>
+    <p:sldId id="411" r:id="rId10"/>
+    <p:sldId id="412" r:id="rId11"/>
+    <p:sldId id="415" r:id="rId12"/>
+    <p:sldId id="413" r:id="rId13"/>
+    <p:sldId id="416" r:id="rId14"/>
+    <p:sldId id="417" r:id="rId15"/>
+    <p:sldId id="414" r:id="rId16"/>
+    <p:sldId id="402" r:id="rId17"/>
+    <p:sldId id="420" r:id="rId18"/>
+    <p:sldId id="422" r:id="rId19"/>
+    <p:sldId id="424" r:id="rId20"/>
+    <p:sldId id="423" r:id="rId21"/>
+    <p:sldId id="356" r:id="rId22"/>
+    <p:sldId id="418" r:id="rId23"/>
+    <p:sldId id="320" r:id="rId24"/>
+    <p:sldId id="425" r:id="rId25"/>
+    <p:sldId id="426" r:id="rId26"/>
+    <p:sldId id="384" r:id="rId27"/>
+    <p:sldId id="403" r:id="rId28"/>
+    <p:sldId id="391" r:id="rId29"/>
+    <p:sldId id="365" r:id="rId30"/>
+    <p:sldId id="374" r:id="rId31"/>
+    <p:sldId id="375" r:id="rId32"/>
+    <p:sldId id="395" r:id="rId33"/>
+    <p:sldId id="407" r:id="rId34"/>
+    <p:sldId id="410" r:id="rId35"/>
   </p:sldIdLst>
   <p:sldSz cx="12192000" cy="6858000"/>
   <p:notesSz cx="6858000" cy="9144000"/>
@@ -228,7 +230,7 @@
           <a:p>
             <a:fld id="{FD5F46E7-AC74-B24A-8D7A-61E847F3340B}" type="datetimeFigureOut">
               <a:rPr lang="en-TW" smtClean="0"/>
-              <a:t>2023/11/30</a:t>
+              <a:t>2023/12/1</a:t>
             </a:fld>
             <a:endParaRPr lang="en-TW"/>
           </a:p>
@@ -654,7 +656,7 @@
     </p:spTree>
     <p:extLst>
       <p:ext uri="{BB962C8B-B14F-4D97-AF65-F5344CB8AC3E}">
-        <p14:creationId xmlns:p14="http://schemas.microsoft.com/office/powerpoint/2010/main" val="1506797648"/>
+        <p14:creationId xmlns:p14="http://schemas.microsoft.com/office/powerpoint/2010/main" val="4221623149"/>
       </p:ext>
     </p:extLst>
   </p:cSld>
@@ -738,7 +740,7 @@
     </p:spTree>
     <p:extLst>
       <p:ext uri="{BB962C8B-B14F-4D97-AF65-F5344CB8AC3E}">
-        <p14:creationId xmlns:p14="http://schemas.microsoft.com/office/powerpoint/2010/main" val="4221623149"/>
+        <p14:creationId xmlns:p14="http://schemas.microsoft.com/office/powerpoint/2010/main" val="2552422534"/>
       </p:ext>
     </p:extLst>
   </p:cSld>
@@ -822,7 +824,7 @@
     </p:spTree>
     <p:extLst>
       <p:ext uri="{BB962C8B-B14F-4D97-AF65-F5344CB8AC3E}">
-        <p14:creationId xmlns:p14="http://schemas.microsoft.com/office/powerpoint/2010/main" val="2552422534"/>
+        <p14:creationId xmlns:p14="http://schemas.microsoft.com/office/powerpoint/2010/main" val="3231661719"/>
       </p:ext>
     </p:extLst>
   </p:cSld>
@@ -897,7 +899,7 @@
           <a:p>
             <a:fld id="{50B9CB7D-C514-3544-A72A-E200086B53CC}" type="slidenum">
               <a:rPr lang="en-TW" smtClean="0"/>
-              <a:t>16</a:t>
+              <a:t>17</a:t>
             </a:fld>
             <a:endParaRPr lang="en-TW"/>
           </a:p>
@@ -906,7 +908,7 @@
     </p:spTree>
     <p:extLst>
       <p:ext uri="{BB962C8B-B14F-4D97-AF65-F5344CB8AC3E}">
-        <p14:creationId xmlns:p14="http://schemas.microsoft.com/office/powerpoint/2010/main" val="3231661719"/>
+        <p14:creationId xmlns:p14="http://schemas.microsoft.com/office/powerpoint/2010/main" val="2657691040"/>
       </p:ext>
     </p:extLst>
   </p:cSld>
@@ -990,7 +992,7 @@
     </p:spTree>
     <p:extLst>
       <p:ext uri="{BB962C8B-B14F-4D97-AF65-F5344CB8AC3E}">
-        <p14:creationId xmlns:p14="http://schemas.microsoft.com/office/powerpoint/2010/main" val="2657691040"/>
+        <p14:creationId xmlns:p14="http://schemas.microsoft.com/office/powerpoint/2010/main" val="143784437"/>
       </p:ext>
     </p:extLst>
   </p:cSld>
@@ -1065,7 +1067,7 @@
           <a:p>
             <a:fld id="{50B9CB7D-C514-3544-A72A-E200086B53CC}" type="slidenum">
               <a:rPr lang="en-TW" smtClean="0"/>
-              <a:t>19</a:t>
+              <a:t>20</a:t>
             </a:fld>
             <a:endParaRPr lang="en-TW"/>
           </a:p>
@@ -1074,7 +1076,7 @@
     </p:spTree>
     <p:extLst>
       <p:ext uri="{BB962C8B-B14F-4D97-AF65-F5344CB8AC3E}">
-        <p14:creationId xmlns:p14="http://schemas.microsoft.com/office/powerpoint/2010/main" val="143784437"/>
+        <p14:creationId xmlns:p14="http://schemas.microsoft.com/office/powerpoint/2010/main" val="2745630706"/>
       </p:ext>
     </p:extLst>
   </p:cSld>
@@ -1149,7 +1151,7 @@
           <a:p>
             <a:fld id="{50B9CB7D-C514-3544-A72A-E200086B53CC}" type="slidenum">
               <a:rPr lang="en-TW" smtClean="0"/>
-              <a:t>21</a:t>
+              <a:t>22</a:t>
             </a:fld>
             <a:endParaRPr lang="en-TW"/>
           </a:p>
@@ -1212,7 +1214,7 @@
           <a:bodyPr/>
           <a:lstStyle/>
           <a:p>
-            <a:endParaRPr lang="en-US" altLang="zh-TW" dirty="0"/>
+            <a:endParaRPr lang="en-TW" dirty="0"/>
           </a:p>
         </p:txBody>
       </p:sp>
@@ -1231,7 +1233,7 @@
           <a:bodyPr/>
           <a:lstStyle/>
           <a:p>
-            <a:fld id="{50B9CB7D-C514-3544-A72A-E200086B53CC}" type="slidenum">
+            <a:fld id="{53C6F491-1A87-C04E-B10B-064C4551D64B}" type="slidenum">
               <a:rPr lang="en-TW" smtClean="0"/>
               <a:t>23</a:t>
             </a:fld>
@@ -1242,7 +1244,7 @@
     </p:spTree>
     <p:extLst>
       <p:ext uri="{BB962C8B-B14F-4D97-AF65-F5344CB8AC3E}">
-        <p14:creationId xmlns:p14="http://schemas.microsoft.com/office/powerpoint/2010/main" val="905481662"/>
+        <p14:creationId xmlns:p14="http://schemas.microsoft.com/office/powerpoint/2010/main" val="4246987434"/>
       </p:ext>
     </p:extLst>
   </p:cSld>
@@ -1326,7 +1328,7 @@
     </p:spTree>
     <p:extLst>
       <p:ext uri="{BB962C8B-B14F-4D97-AF65-F5344CB8AC3E}">
-        <p14:creationId xmlns:p14="http://schemas.microsoft.com/office/powerpoint/2010/main" val="4246987434"/>
+        <p14:creationId xmlns:p14="http://schemas.microsoft.com/office/powerpoint/2010/main" val="1374131983"/>
       </p:ext>
     </p:extLst>
   </p:cSld>
@@ -1401,7 +1403,7 @@
           <a:p>
             <a:fld id="{50B9CB7D-C514-3544-A72A-E200086B53CC}" type="slidenum">
               <a:rPr lang="en-TW" smtClean="0"/>
-              <a:t>26</a:t>
+              <a:t>25</a:t>
             </a:fld>
             <a:endParaRPr lang="en-TW"/>
           </a:p>
@@ -1410,7 +1412,7 @@
     </p:spTree>
     <p:extLst>
       <p:ext uri="{BB962C8B-B14F-4D97-AF65-F5344CB8AC3E}">
-        <p14:creationId xmlns:p14="http://schemas.microsoft.com/office/powerpoint/2010/main" val="437439172"/>
+        <p14:creationId xmlns:p14="http://schemas.microsoft.com/office/powerpoint/2010/main" val="2900932273"/>
       </p:ext>
     </p:extLst>
   </p:cSld>
@@ -1494,7 +1496,7 @@
     </p:spTree>
     <p:extLst>
       <p:ext uri="{BB962C8B-B14F-4D97-AF65-F5344CB8AC3E}">
-        <p14:creationId xmlns:p14="http://schemas.microsoft.com/office/powerpoint/2010/main" val="1964580525"/>
+        <p14:creationId xmlns:p14="http://schemas.microsoft.com/office/powerpoint/2010/main" val="2147098355"/>
       </p:ext>
     </p:extLst>
   </p:cSld>
@@ -1578,7 +1580,7 @@
     </p:spTree>
     <p:extLst>
       <p:ext uri="{BB962C8B-B14F-4D97-AF65-F5344CB8AC3E}">
-        <p14:creationId xmlns:p14="http://schemas.microsoft.com/office/powerpoint/2010/main" val="4286714723"/>
+        <p14:creationId xmlns:p14="http://schemas.microsoft.com/office/powerpoint/2010/main" val="2924447087"/>
       </p:ext>
     </p:extLst>
   </p:cSld>
@@ -1662,7 +1664,7 @@
     </p:spTree>
     <p:extLst>
       <p:ext uri="{BB962C8B-B14F-4D97-AF65-F5344CB8AC3E}">
-        <p14:creationId xmlns:p14="http://schemas.microsoft.com/office/powerpoint/2010/main" val="3805032158"/>
+        <p14:creationId xmlns:p14="http://schemas.microsoft.com/office/powerpoint/2010/main" val="437439172"/>
       </p:ext>
     </p:extLst>
   </p:cSld>
@@ -1716,448 +1718,6 @@
           <a:bodyPr/>
           <a:lstStyle/>
           <a:p>
-            <a:r>
-              <a:rPr lang="zh-TW" altLang="en-US" dirty="0"/>
-              <a:t>這個</a:t>
-            </a:r>
-            <a:r>
-              <a:rPr lang="en-US" altLang="zh-TW" dirty="0"/>
-              <a:t>`</a:t>
-            </a:r>
-            <a:r>
-              <a:rPr lang="en-US" altLang="zh-TW" dirty="0" err="1"/>
-              <a:t>MLPPredictor</a:t>
-            </a:r>
-            <a:r>
-              <a:rPr lang="en-US" altLang="zh-TW" dirty="0"/>
-              <a:t>`</a:t>
-            </a:r>
-            <a:r>
-              <a:rPr lang="zh-TW" altLang="en-US" dirty="0"/>
-              <a:t>模型是用於邊預測或稱為鏈接預測的。鏈接預測的目的是預測兩個節點之間是否存在邊。這是圖學習中的一個重要任務，被應用於許多領域，例如社交網絡中的好友推薦或蛋白質互作網絡的互作預測。</a:t>
-            </a:r>
-          </a:p>
-          <a:p>
-            <a:endParaRPr lang="zh-TW" altLang="en-US" dirty="0"/>
-          </a:p>
-          <a:p>
-            <a:r>
-              <a:rPr lang="en-US" altLang="zh-TW" dirty="0"/>
-              <a:t>1. **</a:t>
-            </a:r>
-            <a:r>
-              <a:rPr lang="zh-TW" altLang="en-US" dirty="0"/>
-              <a:t>初始化 </a:t>
-            </a:r>
-            <a:r>
-              <a:rPr lang="en-US" altLang="zh-TW" dirty="0"/>
-              <a:t>(`__</a:t>
-            </a:r>
-            <a:r>
-              <a:rPr lang="en-US" altLang="zh-TW" dirty="0" err="1"/>
-              <a:t>init</a:t>
-            </a:r>
-            <a:r>
-              <a:rPr lang="en-US" altLang="zh-TW" dirty="0"/>
-              <a:t>__` </a:t>
-            </a:r>
-            <a:r>
-              <a:rPr lang="zh-TW" altLang="en-US" dirty="0"/>
-              <a:t>方法</a:t>
-            </a:r>
-            <a:r>
-              <a:rPr lang="en-US" altLang="zh-TW" dirty="0"/>
-              <a:t>)**:</a:t>
-            </a:r>
-          </a:p>
-          <a:p>
-            <a:r>
-              <a:rPr lang="en-US" altLang="zh-TW" dirty="0"/>
-              <a:t>    - </a:t>
-            </a:r>
-            <a:r>
-              <a:rPr lang="zh-TW" altLang="en-US" dirty="0"/>
-              <a:t>定義一個全連接線性層</a:t>
-            </a:r>
-            <a:r>
-              <a:rPr lang="en-US" altLang="zh-TW" dirty="0"/>
-              <a:t>`</a:t>
-            </a:r>
-            <a:r>
-              <a:rPr lang="en-US" altLang="zh-TW" dirty="0" err="1"/>
-              <a:t>self.W</a:t>
-            </a:r>
-            <a:r>
-              <a:rPr lang="en-US" altLang="zh-TW" dirty="0"/>
-              <a:t>`</a:t>
-            </a:r>
-            <a:r>
-              <a:rPr lang="zh-TW" altLang="en-US" dirty="0"/>
-              <a:t>，其輸入特徵的大小是 </a:t>
-            </a:r>
-            <a:r>
-              <a:rPr lang="en-US" altLang="zh-TW" dirty="0"/>
-              <a:t>`</a:t>
-            </a:r>
-            <a:r>
-              <a:rPr lang="en-US" altLang="zh-TW" dirty="0" err="1"/>
-              <a:t>in_features</a:t>
-            </a:r>
-            <a:r>
-              <a:rPr lang="en-US" altLang="zh-TW" dirty="0"/>
-              <a:t> * 2`</a:t>
-            </a:r>
-            <a:r>
-              <a:rPr lang="zh-TW" altLang="en-US" dirty="0"/>
-              <a:t>。這是因為我們將來源節點</a:t>
-            </a:r>
-            <a:r>
-              <a:rPr lang="en-US" altLang="zh-TW" dirty="0"/>
-              <a:t>`</a:t>
-            </a:r>
-            <a:r>
-              <a:rPr lang="en-US" altLang="zh-TW" dirty="0" err="1"/>
-              <a:t>h_u</a:t>
-            </a:r>
-            <a:r>
-              <a:rPr lang="en-US" altLang="zh-TW" dirty="0"/>
-              <a:t>`</a:t>
-            </a:r>
-            <a:r>
-              <a:rPr lang="zh-TW" altLang="en-US" dirty="0"/>
-              <a:t>和目標節點</a:t>
-            </a:r>
-            <a:r>
-              <a:rPr lang="en-US" altLang="zh-TW" dirty="0"/>
-              <a:t>`</a:t>
-            </a:r>
-            <a:r>
-              <a:rPr lang="en-US" altLang="zh-TW" dirty="0" err="1"/>
-              <a:t>h_v</a:t>
-            </a:r>
-            <a:r>
-              <a:rPr lang="en-US" altLang="zh-TW" dirty="0"/>
-              <a:t>`</a:t>
-            </a:r>
-            <a:r>
-              <a:rPr lang="zh-TW" altLang="en-US" dirty="0"/>
-              <a:t>的表示向量拼接起來，所以尺寸變為雙倍。</a:t>
-            </a:r>
-          </a:p>
-          <a:p>
-            <a:r>
-              <a:rPr lang="zh-TW" altLang="en-US" dirty="0"/>
-              <a:t>    </a:t>
-            </a:r>
-            <a:r>
-              <a:rPr lang="en-US" altLang="zh-TW" dirty="0"/>
-              <a:t>- </a:t>
-            </a:r>
-            <a:r>
-              <a:rPr lang="zh-TW" altLang="en-US" dirty="0"/>
-              <a:t>輸出的尺寸是 </a:t>
-            </a:r>
-            <a:r>
-              <a:rPr lang="en-US" altLang="zh-TW" dirty="0"/>
-              <a:t>`</a:t>
-            </a:r>
-            <a:r>
-              <a:rPr lang="en-US" altLang="zh-TW" dirty="0" err="1"/>
-              <a:t>out_classes</a:t>
-            </a:r>
-            <a:r>
-              <a:rPr lang="en-US" altLang="zh-TW" dirty="0"/>
-              <a:t>`</a:t>
-            </a:r>
-            <a:r>
-              <a:rPr lang="zh-TW" altLang="en-US" dirty="0"/>
-              <a:t>，這對應於邊的類別數量。</a:t>
-            </a:r>
-          </a:p>
-          <a:p>
-            <a:endParaRPr lang="zh-TW" altLang="en-US" dirty="0"/>
-          </a:p>
-          <a:p>
-            <a:r>
-              <a:rPr lang="en-US" altLang="zh-TW" dirty="0"/>
-              <a:t>2. **</a:t>
-            </a:r>
-            <a:r>
-              <a:rPr lang="en-US" altLang="zh-TW" dirty="0" err="1"/>
-              <a:t>apply_edges</a:t>
-            </a:r>
-            <a:r>
-              <a:rPr lang="en-US" altLang="zh-TW" dirty="0"/>
-              <a:t> </a:t>
-            </a:r>
-            <a:r>
-              <a:rPr lang="zh-TW" altLang="en-US" dirty="0"/>
-              <a:t>方法**</a:t>
-            </a:r>
-            <a:r>
-              <a:rPr lang="en-US" altLang="zh-TW" dirty="0"/>
-              <a:t>:</a:t>
-            </a:r>
-          </a:p>
-          <a:p>
-            <a:r>
-              <a:rPr lang="en-US" altLang="zh-TW" dirty="0"/>
-              <a:t>    - </a:t>
-            </a:r>
-            <a:r>
-              <a:rPr lang="zh-TW" altLang="en-US" dirty="0"/>
-              <a:t>這個方法的作用是為圖中的每一條邊計算一個</a:t>
-            </a:r>
-            <a:r>
-              <a:rPr lang="en-US" altLang="zh-TW" dirty="0"/>
-              <a:t>'score'</a:t>
-            </a:r>
-            <a:r>
-              <a:rPr lang="zh-TW" altLang="en-US" dirty="0"/>
-              <a:t>。這個</a:t>
-            </a:r>
-            <a:r>
-              <a:rPr lang="en-US" altLang="zh-TW" dirty="0"/>
-              <a:t>'score'</a:t>
-            </a:r>
-            <a:r>
-              <a:rPr lang="zh-TW" altLang="en-US" dirty="0"/>
-              <a:t>可以被解釋為邊的類別。</a:t>
-            </a:r>
-          </a:p>
-          <a:p>
-            <a:r>
-              <a:rPr lang="zh-TW" altLang="en-US" dirty="0"/>
-              <a:t>    </a:t>
-            </a:r>
-            <a:r>
-              <a:rPr lang="en-US" altLang="zh-TW" dirty="0"/>
-              <a:t>- </a:t>
-            </a:r>
-            <a:r>
-              <a:rPr lang="zh-TW" altLang="en-US" dirty="0"/>
-              <a:t>它首先從圖中提取來源節點</a:t>
-            </a:r>
-            <a:r>
-              <a:rPr lang="en-US" altLang="zh-TW" dirty="0"/>
-              <a:t>`</a:t>
-            </a:r>
-            <a:r>
-              <a:rPr lang="en-US" altLang="zh-TW" dirty="0" err="1"/>
-              <a:t>h_u</a:t>
-            </a:r>
-            <a:r>
-              <a:rPr lang="en-US" altLang="zh-TW" dirty="0"/>
-              <a:t>`</a:t>
-            </a:r>
-            <a:r>
-              <a:rPr lang="zh-TW" altLang="en-US" dirty="0"/>
-              <a:t>和目標節點</a:t>
-            </a:r>
-            <a:r>
-              <a:rPr lang="en-US" altLang="zh-TW" dirty="0"/>
-              <a:t>`</a:t>
-            </a:r>
-            <a:r>
-              <a:rPr lang="en-US" altLang="zh-TW" dirty="0" err="1"/>
-              <a:t>h_v</a:t>
-            </a:r>
-            <a:r>
-              <a:rPr lang="en-US" altLang="zh-TW" dirty="0"/>
-              <a:t>`</a:t>
-            </a:r>
-            <a:r>
-              <a:rPr lang="zh-TW" altLang="en-US" dirty="0"/>
-              <a:t>的表示向量。</a:t>
-            </a:r>
-          </a:p>
-          <a:p>
-            <a:r>
-              <a:rPr lang="zh-TW" altLang="en-US" dirty="0"/>
-              <a:t>    </a:t>
-            </a:r>
-            <a:r>
-              <a:rPr lang="en-US" altLang="zh-TW" dirty="0"/>
-              <a:t>- </a:t>
-            </a:r>
-            <a:r>
-              <a:rPr lang="zh-TW" altLang="en-US" dirty="0"/>
-              <a:t>接著，它將這兩個表示向量拼接起來，並通過</a:t>
-            </a:r>
-            <a:r>
-              <a:rPr lang="en-US" altLang="zh-TW" dirty="0"/>
-              <a:t>`</a:t>
-            </a:r>
-            <a:r>
-              <a:rPr lang="en-US" altLang="zh-TW" dirty="0" err="1"/>
-              <a:t>self.W</a:t>
-            </a:r>
-            <a:r>
-              <a:rPr lang="en-US" altLang="zh-TW" dirty="0"/>
-              <a:t>`</a:t>
-            </a:r>
-            <a:r>
-              <a:rPr lang="zh-TW" altLang="en-US" dirty="0"/>
-              <a:t>線性層計算</a:t>
-            </a:r>
-            <a:r>
-              <a:rPr lang="en-US" altLang="zh-TW" dirty="0"/>
-              <a:t>'score'</a:t>
-            </a:r>
-            <a:r>
-              <a:rPr lang="zh-TW" altLang="en-US" dirty="0"/>
-              <a:t>。</a:t>
-            </a:r>
-          </a:p>
-          <a:p>
-            <a:endParaRPr lang="zh-TW" altLang="en-US" dirty="0"/>
-          </a:p>
-          <a:p>
-            <a:r>
-              <a:rPr lang="en-US" altLang="zh-TW" dirty="0"/>
-              <a:t>3. **</a:t>
-            </a:r>
-            <a:r>
-              <a:rPr lang="zh-TW" altLang="en-US" dirty="0"/>
-              <a:t>前向方法 </a:t>
-            </a:r>
-            <a:r>
-              <a:rPr lang="en-US" altLang="zh-TW" dirty="0"/>
-              <a:t>(`forward`)**:</a:t>
-            </a:r>
-          </a:p>
-          <a:p>
-            <a:r>
-              <a:rPr lang="en-US" altLang="zh-TW" dirty="0"/>
-              <a:t>    - </a:t>
-            </a:r>
-            <a:r>
-              <a:rPr lang="zh-TW" altLang="en-US" dirty="0"/>
-              <a:t>接收一個圖和它的節點表示</a:t>
-            </a:r>
-            <a:r>
-              <a:rPr lang="en-US" altLang="zh-TW" dirty="0"/>
-              <a:t>`h`</a:t>
-            </a:r>
-            <a:r>
-              <a:rPr lang="zh-TW" altLang="en-US" dirty="0"/>
-              <a:t>。</a:t>
-            </a:r>
-          </a:p>
-          <a:p>
-            <a:r>
-              <a:rPr lang="zh-TW" altLang="en-US" dirty="0"/>
-              <a:t>    </a:t>
-            </a:r>
-            <a:r>
-              <a:rPr lang="en-US" altLang="zh-TW" dirty="0"/>
-              <a:t>- </a:t>
-            </a:r>
-            <a:r>
-              <a:rPr lang="zh-TW" altLang="en-US" dirty="0"/>
-              <a:t>它將這些節點表示設定為圖的節點數據。</a:t>
-            </a:r>
-          </a:p>
-          <a:p>
-            <a:r>
-              <a:rPr lang="zh-TW" altLang="en-US" dirty="0"/>
-              <a:t>    </a:t>
-            </a:r>
-            <a:r>
-              <a:rPr lang="en-US" altLang="zh-TW" dirty="0"/>
-              <a:t>- </a:t>
-            </a:r>
-            <a:r>
-              <a:rPr lang="zh-TW" altLang="en-US" dirty="0"/>
-              <a:t>使用</a:t>
-            </a:r>
-            <a:r>
-              <a:rPr lang="en-US" altLang="zh-TW" dirty="0"/>
-              <a:t>`</a:t>
-            </a:r>
-            <a:r>
-              <a:rPr lang="en-US" altLang="zh-TW" dirty="0" err="1"/>
-              <a:t>apply_edges</a:t>
-            </a:r>
-            <a:r>
-              <a:rPr lang="en-US" altLang="zh-TW" dirty="0"/>
-              <a:t>`</a:t>
-            </a:r>
-            <a:r>
-              <a:rPr lang="zh-TW" altLang="en-US" dirty="0"/>
-              <a:t>方法為圖中的每一條邊計算一個</a:t>
-            </a:r>
-            <a:r>
-              <a:rPr lang="en-US" altLang="zh-TW" dirty="0"/>
-              <a:t>'score'</a:t>
-            </a:r>
-            <a:r>
-              <a:rPr lang="zh-TW" altLang="en-US" dirty="0"/>
-              <a:t>。</a:t>
-            </a:r>
-          </a:p>
-          <a:p>
-            <a:r>
-              <a:rPr lang="zh-TW" altLang="en-US" dirty="0"/>
-              <a:t>    </a:t>
-            </a:r>
-            <a:r>
-              <a:rPr lang="en-US" altLang="zh-TW" dirty="0"/>
-              <a:t>- </a:t>
-            </a:r>
-            <a:r>
-              <a:rPr lang="zh-TW" altLang="en-US" dirty="0"/>
-              <a:t>返回邊的</a:t>
-            </a:r>
-            <a:r>
-              <a:rPr lang="en-US" altLang="zh-TW" dirty="0"/>
-              <a:t>'score'</a:t>
-            </a:r>
-            <a:r>
-              <a:rPr lang="zh-TW" altLang="en-US" dirty="0"/>
-              <a:t>。</a:t>
-            </a:r>
-          </a:p>
-          <a:p>
-            <a:endParaRPr lang="zh-TW" altLang="en-US" dirty="0"/>
-          </a:p>
-          <a:p>
-            <a:r>
-              <a:rPr lang="zh-TW" altLang="en-US" dirty="0"/>
-              <a:t>總之，</a:t>
-            </a:r>
-            <a:r>
-              <a:rPr lang="en-US" altLang="zh-TW" dirty="0"/>
-              <a:t>`</a:t>
-            </a:r>
-            <a:r>
-              <a:rPr lang="en-US" altLang="zh-TW" dirty="0" err="1"/>
-              <a:t>MLPPredictor</a:t>
-            </a:r>
-            <a:r>
-              <a:rPr lang="en-US" altLang="zh-TW" dirty="0"/>
-              <a:t>`</a:t>
-            </a:r>
-            <a:r>
-              <a:rPr lang="zh-TW" altLang="en-US" dirty="0"/>
-              <a:t>使用來源和目標節點的表示計算圖中每一條邊的</a:t>
-            </a:r>
-            <a:r>
-              <a:rPr lang="en-US" altLang="zh-TW" dirty="0"/>
-              <a:t>'score'</a:t>
-            </a:r>
-            <a:r>
-              <a:rPr lang="zh-TW" altLang="en-US" dirty="0"/>
-              <a:t>，這些</a:t>
-            </a:r>
-            <a:r>
-              <a:rPr lang="en-US" altLang="zh-TW" dirty="0"/>
-              <a:t>'score'</a:t>
-            </a:r>
-            <a:r>
-              <a:rPr lang="zh-TW" altLang="en-US" dirty="0"/>
-              <a:t>可以用於邊的預測任務。</a:t>
-            </a:r>
             <a:endParaRPr lang="en-US" altLang="zh-TW" dirty="0"/>
           </a:p>
         </p:txBody>
@@ -2188,7 +1748,7 @@
     </p:spTree>
     <p:extLst>
       <p:ext uri="{BB962C8B-B14F-4D97-AF65-F5344CB8AC3E}">
-        <p14:creationId xmlns:p14="http://schemas.microsoft.com/office/powerpoint/2010/main" val="3672188344"/>
+        <p14:creationId xmlns:p14="http://schemas.microsoft.com/office/powerpoint/2010/main" val="4286714723"/>
       </p:ext>
     </p:extLst>
   </p:cSld>
@@ -2242,142 +1802,6 @@
           <a:bodyPr/>
           <a:lstStyle/>
           <a:p>
-            <a:pPr algn="l">
-              <a:buFont typeface="+mj-lt"/>
-              <a:buAutoNum type="arabicPeriod"/>
-            </a:pPr>
-            <a:r>
-              <a:rPr lang="en-US" altLang="zh-TW" b="0" i="0" dirty="0">
-                <a:solidFill>
-                  <a:srgbClr val="242424"/>
-                </a:solidFill>
-                <a:effectLst/>
-                <a:latin typeface="source-serif-pro"/>
-              </a:rPr>
-              <a:t> </a:t>
-            </a:r>
-            <a:r>
-              <a:rPr lang="en-US" altLang="zh-TW" b="0" i="0" dirty="0" err="1">
-                <a:solidFill>
-                  <a:srgbClr val="242424"/>
-                </a:solidFill>
-                <a:effectLst/>
-                <a:latin typeface="source-serif-pro"/>
-              </a:rPr>
-              <a:t>Arxiv</a:t>
-            </a:r>
-            <a:r>
-              <a:rPr lang="en-US" altLang="zh-TW" b="0" i="0" dirty="0">
-                <a:solidFill>
-                  <a:srgbClr val="242424"/>
-                </a:solidFill>
-                <a:effectLst/>
-                <a:latin typeface="source-serif-pro"/>
-              </a:rPr>
-              <a:t> </a:t>
-            </a:r>
-            <a:r>
-              <a:rPr lang="zh-TW" altLang="en-US" b="0" i="0" dirty="0">
-                <a:solidFill>
-                  <a:srgbClr val="242424"/>
-                </a:solidFill>
-                <a:effectLst/>
-                <a:latin typeface="source-serif-pro"/>
-              </a:rPr>
-              <a:t>引用</a:t>
-            </a:r>
-            <a:r>
-              <a:rPr lang="en-US" altLang="zh-TW" b="0" i="0" dirty="0">
-                <a:solidFill>
-                  <a:srgbClr val="242424"/>
-                </a:solidFill>
-                <a:effectLst/>
-                <a:latin typeface="source-serif-pro"/>
-              </a:rPr>
-              <a:t> 190</a:t>
-            </a:r>
-          </a:p>
-          <a:p>
-            <a:pPr algn="l">
-              <a:buFont typeface="+mj-lt"/>
-              <a:buAutoNum type="arabicPeriod"/>
-            </a:pPr>
-            <a:r>
-              <a:rPr lang="en-US" altLang="zh-TW" dirty="0"/>
-              <a:t> WSDM </a:t>
-            </a:r>
-            <a:r>
-              <a:rPr lang="zh-TW" altLang="en-US" dirty="0"/>
-              <a:t>引用</a:t>
-            </a:r>
-            <a:r>
-              <a:rPr lang="en-US" altLang="zh-TW" dirty="0"/>
-              <a:t>193</a:t>
-            </a:r>
-          </a:p>
-          <a:p>
-            <a:pPr algn="l">
-              <a:buFont typeface="+mj-lt"/>
-              <a:buAutoNum type="arabicPeriod"/>
-            </a:pPr>
-            <a:r>
-              <a:rPr lang="en-US" altLang="zh-TW" dirty="0"/>
-              <a:t> https://</a:t>
-            </a:r>
-            <a:r>
-              <a:rPr lang="en-US" altLang="zh-TW" dirty="0" err="1"/>
-              <a:t>scholar.google.com.tw</a:t>
-            </a:r>
-            <a:r>
-              <a:rPr lang="en-US" altLang="zh-TW" dirty="0"/>
-              <a:t>/</a:t>
-            </a:r>
-            <a:r>
-              <a:rPr lang="en-US" altLang="zh-TW" dirty="0" err="1"/>
-              <a:t>scholar?q</a:t>
-            </a:r>
-            <a:r>
-              <a:rPr lang="en-US" altLang="zh-TW" dirty="0"/>
-              <a:t>=</a:t>
-            </a:r>
-            <a:r>
-              <a:rPr lang="en-US" altLang="zh-TW" dirty="0" err="1"/>
-              <a:t>Tianxiang+Zhao</a:t>
-            </a:r>
-            <a:r>
-              <a:rPr lang="en-US" altLang="zh-TW" dirty="0"/>
-              <a:t>,+</a:t>
-            </a:r>
-            <a:r>
-              <a:rPr lang="en-US" altLang="zh-TW" dirty="0" err="1"/>
-              <a:t>Xiang+Zhang</a:t>
-            </a:r>
-            <a:r>
-              <a:rPr lang="en-US" altLang="zh-TW" dirty="0"/>
-              <a:t>,+</a:t>
-            </a:r>
-            <a:r>
-              <a:rPr lang="en-US" altLang="zh-TW" dirty="0" err="1"/>
-              <a:t>Suhang+Wang&amp;hl</a:t>
-            </a:r>
-            <a:r>
-              <a:rPr lang="en-US" altLang="zh-TW" dirty="0"/>
-              <a:t>=</a:t>
-            </a:r>
-            <a:r>
-              <a:rPr lang="en-US" altLang="zh-TW" dirty="0" err="1"/>
-              <a:t>zh-TW&amp;as_sdt</a:t>
-            </a:r>
-            <a:r>
-              <a:rPr lang="en-US" altLang="zh-TW" dirty="0"/>
-              <a:t>=0&amp;as_vis=1&amp;oi=scholar </a:t>
-            </a:r>
-          </a:p>
-          <a:p>
-            <a:pPr algn="l">
-              <a:buFont typeface="+mj-lt"/>
-              <a:buAutoNum type="arabicPeriod"/>
-            </a:pPr>
             <a:endParaRPr lang="en-US" altLang="zh-TW" dirty="0"/>
           </a:p>
         </p:txBody>
@@ -2408,7 +1832,7 @@
     </p:spTree>
     <p:extLst>
       <p:ext uri="{BB962C8B-B14F-4D97-AF65-F5344CB8AC3E}">
-        <p14:creationId xmlns:p14="http://schemas.microsoft.com/office/powerpoint/2010/main" val="2476651686"/>
+        <p14:creationId xmlns:p14="http://schemas.microsoft.com/office/powerpoint/2010/main" val="3805032158"/>
       </p:ext>
     </p:extLst>
   </p:cSld>
@@ -2462,134 +1886,448 @@
           <a:bodyPr/>
           <a:lstStyle/>
           <a:p>
-            <a:pPr algn="l">
-              <a:buFont typeface="+mj-lt"/>
-              <a:buAutoNum type="arabicPeriod"/>
-            </a:pPr>
-            <a:r>
-              <a:rPr lang="zh-TW" altLang="en-US" b="0" i="0" dirty="0">
-                <a:solidFill>
-                  <a:srgbClr val="242424"/>
-                </a:solidFill>
-                <a:effectLst/>
-                <a:latin typeface="source-serif-pro"/>
-              </a:rPr>
-              <a:t>設定一個採樣倍率 </a:t>
-            </a:r>
-            <a:r>
-              <a:rPr lang="en-US" b="0" i="0" dirty="0">
-                <a:solidFill>
-                  <a:srgbClr val="242424"/>
-                </a:solidFill>
-                <a:effectLst/>
-                <a:latin typeface="source-serif-pro"/>
-              </a:rPr>
-              <a:t>N，</a:t>
-            </a:r>
-            <a:r>
-              <a:rPr lang="zh-TW" altLang="en-US" b="0" i="0" dirty="0">
-                <a:solidFill>
-                  <a:srgbClr val="242424"/>
-                </a:solidFill>
-                <a:effectLst/>
-                <a:latin typeface="source-serif-pro"/>
-              </a:rPr>
-              <a:t>也就是對每個樣本需要生成幾個合成樣本</a:t>
-            </a:r>
-          </a:p>
-          <a:p>
-            <a:pPr algn="l">
-              <a:buFont typeface="+mj-lt"/>
-              <a:buAutoNum type="arabicPeriod"/>
-            </a:pPr>
-            <a:r>
-              <a:rPr lang="zh-TW" altLang="en-US" b="0" i="0" dirty="0">
-                <a:solidFill>
-                  <a:srgbClr val="242424"/>
-                </a:solidFill>
-                <a:effectLst/>
-                <a:latin typeface="source-serif-pro"/>
-              </a:rPr>
-              <a:t>設定一個近鄰值 </a:t>
-            </a:r>
-            <a:r>
-              <a:rPr lang="en-US" b="0" i="0" dirty="0">
-                <a:solidFill>
-                  <a:srgbClr val="242424"/>
-                </a:solidFill>
-                <a:effectLst/>
-                <a:latin typeface="source-serif-pro"/>
-              </a:rPr>
-              <a:t>K ，</a:t>
-            </a:r>
-            <a:r>
-              <a:rPr lang="zh-TW" altLang="en-US" b="0" i="0" dirty="0">
-                <a:solidFill>
-                  <a:srgbClr val="242424"/>
-                </a:solidFill>
-                <a:effectLst/>
-                <a:latin typeface="source-serif-pro"/>
-              </a:rPr>
-              <a:t>針對該樣本找出 </a:t>
-            </a:r>
-            <a:r>
-              <a:rPr lang="en-US" b="0" i="0" dirty="0">
-                <a:solidFill>
-                  <a:srgbClr val="242424"/>
-                </a:solidFill>
-                <a:effectLst/>
-                <a:latin typeface="source-serif-pro"/>
-              </a:rPr>
-              <a:t>K </a:t>
-            </a:r>
-            <a:r>
-              <a:rPr lang="zh-TW" altLang="en-US" b="0" i="0" dirty="0">
-                <a:solidFill>
-                  <a:srgbClr val="242424"/>
-                </a:solidFill>
-                <a:effectLst/>
-                <a:latin typeface="source-serif-pro"/>
-              </a:rPr>
-              <a:t>個最近鄰樣本並從中隨機選一個</a:t>
-            </a:r>
-          </a:p>
-          <a:p>
-            <a:pPr algn="l">
-              <a:buFont typeface="+mj-lt"/>
-              <a:buAutoNum type="arabicPeriod"/>
-            </a:pPr>
-            <a:r>
-              <a:rPr lang="zh-TW" altLang="en-US" b="0" i="0" dirty="0">
-                <a:solidFill>
-                  <a:srgbClr val="242424"/>
-                </a:solidFill>
-                <a:effectLst/>
-                <a:latin typeface="source-serif-pro"/>
-              </a:rPr>
-              <a:t>根據以下公式來創造 </a:t>
-            </a:r>
-            <a:r>
-              <a:rPr lang="en-US" b="0" i="0" dirty="0">
-                <a:solidFill>
-                  <a:srgbClr val="242424"/>
-                </a:solidFill>
-                <a:effectLst/>
-                <a:latin typeface="source-serif-pro"/>
-              </a:rPr>
-              <a:t>N </a:t>
-            </a:r>
-            <a:r>
-              <a:rPr lang="zh-TW" altLang="en-US" b="0" i="0" dirty="0">
-                <a:solidFill>
-                  <a:srgbClr val="242424"/>
-                </a:solidFill>
-                <a:effectLst/>
-                <a:latin typeface="source-serif-pro"/>
-              </a:rPr>
-              <a:t>個樣本</a:t>
-            </a:r>
-          </a:p>
-          <a:p>
+            <a:r>
+              <a:rPr lang="zh-TW" altLang="en-US" dirty="0"/>
+              <a:t>這個</a:t>
+            </a:r>
+            <a:r>
+              <a:rPr lang="en-US" altLang="zh-TW" dirty="0"/>
+              <a:t>`</a:t>
+            </a:r>
+            <a:r>
+              <a:rPr lang="en-US" altLang="zh-TW" dirty="0" err="1"/>
+              <a:t>MLPPredictor</a:t>
+            </a:r>
+            <a:r>
+              <a:rPr lang="en-US" altLang="zh-TW" dirty="0"/>
+              <a:t>`</a:t>
+            </a:r>
+            <a:r>
+              <a:rPr lang="zh-TW" altLang="en-US" dirty="0"/>
+              <a:t>模型是用於邊預測或稱為鏈接預測的。鏈接預測的目的是預測兩個節點之間是否存在邊。這是圖學習中的一個重要任務，被應用於許多領域，例如社交網絡中的好友推薦或蛋白質互作網絡的互作預測。</a:t>
+            </a:r>
+          </a:p>
+          <a:p>
+            <a:endParaRPr lang="zh-TW" altLang="en-US" dirty="0"/>
+          </a:p>
+          <a:p>
+            <a:r>
+              <a:rPr lang="en-US" altLang="zh-TW" dirty="0"/>
+              <a:t>1. **</a:t>
+            </a:r>
+            <a:r>
+              <a:rPr lang="zh-TW" altLang="en-US" dirty="0"/>
+              <a:t>初始化 </a:t>
+            </a:r>
+            <a:r>
+              <a:rPr lang="en-US" altLang="zh-TW" dirty="0"/>
+              <a:t>(`__</a:t>
+            </a:r>
+            <a:r>
+              <a:rPr lang="en-US" altLang="zh-TW" dirty="0" err="1"/>
+              <a:t>init</a:t>
+            </a:r>
+            <a:r>
+              <a:rPr lang="en-US" altLang="zh-TW" dirty="0"/>
+              <a:t>__` </a:t>
+            </a:r>
+            <a:r>
+              <a:rPr lang="zh-TW" altLang="en-US" dirty="0"/>
+              <a:t>方法</a:t>
+            </a:r>
+            <a:r>
+              <a:rPr lang="en-US" altLang="zh-TW" dirty="0"/>
+              <a:t>)**:</a:t>
+            </a:r>
+          </a:p>
+          <a:p>
+            <a:r>
+              <a:rPr lang="en-US" altLang="zh-TW" dirty="0"/>
+              <a:t>    - </a:t>
+            </a:r>
+            <a:r>
+              <a:rPr lang="zh-TW" altLang="en-US" dirty="0"/>
+              <a:t>定義一個全連接線性層</a:t>
+            </a:r>
+            <a:r>
+              <a:rPr lang="en-US" altLang="zh-TW" dirty="0"/>
+              <a:t>`</a:t>
+            </a:r>
+            <a:r>
+              <a:rPr lang="en-US" altLang="zh-TW" dirty="0" err="1"/>
+              <a:t>self.W</a:t>
+            </a:r>
+            <a:r>
+              <a:rPr lang="en-US" altLang="zh-TW" dirty="0"/>
+              <a:t>`</a:t>
+            </a:r>
+            <a:r>
+              <a:rPr lang="zh-TW" altLang="en-US" dirty="0"/>
+              <a:t>，其輸入特徵的大小是 </a:t>
+            </a:r>
+            <a:r>
+              <a:rPr lang="en-US" altLang="zh-TW" dirty="0"/>
+              <a:t>`</a:t>
+            </a:r>
+            <a:r>
+              <a:rPr lang="en-US" altLang="zh-TW" dirty="0" err="1"/>
+              <a:t>in_features</a:t>
+            </a:r>
+            <a:r>
+              <a:rPr lang="en-US" altLang="zh-TW" dirty="0"/>
+              <a:t> * 2`</a:t>
+            </a:r>
+            <a:r>
+              <a:rPr lang="zh-TW" altLang="en-US" dirty="0"/>
+              <a:t>。這是因為我們將來源節點</a:t>
+            </a:r>
+            <a:r>
+              <a:rPr lang="en-US" altLang="zh-TW" dirty="0"/>
+              <a:t>`</a:t>
+            </a:r>
+            <a:r>
+              <a:rPr lang="en-US" altLang="zh-TW" dirty="0" err="1"/>
+              <a:t>h_u</a:t>
+            </a:r>
+            <a:r>
+              <a:rPr lang="en-US" altLang="zh-TW" dirty="0"/>
+              <a:t>`</a:t>
+            </a:r>
+            <a:r>
+              <a:rPr lang="zh-TW" altLang="en-US" dirty="0"/>
+              <a:t>和目標節點</a:t>
+            </a:r>
+            <a:r>
+              <a:rPr lang="en-US" altLang="zh-TW" dirty="0"/>
+              <a:t>`</a:t>
+            </a:r>
+            <a:r>
+              <a:rPr lang="en-US" altLang="zh-TW" dirty="0" err="1"/>
+              <a:t>h_v</a:t>
+            </a:r>
+            <a:r>
+              <a:rPr lang="en-US" altLang="zh-TW" dirty="0"/>
+              <a:t>`</a:t>
+            </a:r>
+            <a:r>
+              <a:rPr lang="zh-TW" altLang="en-US" dirty="0"/>
+              <a:t>的表示向量拼接起來，所以尺寸變為雙倍。</a:t>
+            </a:r>
+          </a:p>
+          <a:p>
+            <a:r>
+              <a:rPr lang="zh-TW" altLang="en-US" dirty="0"/>
+              <a:t>    </a:t>
+            </a:r>
+            <a:r>
+              <a:rPr lang="en-US" altLang="zh-TW" dirty="0"/>
+              <a:t>- </a:t>
+            </a:r>
+            <a:r>
+              <a:rPr lang="zh-TW" altLang="en-US" dirty="0"/>
+              <a:t>輸出的尺寸是 </a:t>
+            </a:r>
+            <a:r>
+              <a:rPr lang="en-US" altLang="zh-TW" dirty="0"/>
+              <a:t>`</a:t>
+            </a:r>
+            <a:r>
+              <a:rPr lang="en-US" altLang="zh-TW" dirty="0" err="1"/>
+              <a:t>out_classes</a:t>
+            </a:r>
+            <a:r>
+              <a:rPr lang="en-US" altLang="zh-TW" dirty="0"/>
+              <a:t>`</a:t>
+            </a:r>
+            <a:r>
+              <a:rPr lang="zh-TW" altLang="en-US" dirty="0"/>
+              <a:t>，這對應於邊的類別數量。</a:t>
+            </a:r>
+          </a:p>
+          <a:p>
+            <a:endParaRPr lang="zh-TW" altLang="en-US" dirty="0"/>
+          </a:p>
+          <a:p>
+            <a:r>
+              <a:rPr lang="en-US" altLang="zh-TW" dirty="0"/>
+              <a:t>2. **</a:t>
+            </a:r>
+            <a:r>
+              <a:rPr lang="en-US" altLang="zh-TW" dirty="0" err="1"/>
+              <a:t>apply_edges</a:t>
+            </a:r>
+            <a:r>
+              <a:rPr lang="en-US" altLang="zh-TW" dirty="0"/>
+              <a:t> </a:t>
+            </a:r>
+            <a:r>
+              <a:rPr lang="zh-TW" altLang="en-US" dirty="0"/>
+              <a:t>方法**</a:t>
+            </a:r>
+            <a:r>
+              <a:rPr lang="en-US" altLang="zh-TW" dirty="0"/>
+              <a:t>:</a:t>
+            </a:r>
+          </a:p>
+          <a:p>
+            <a:r>
+              <a:rPr lang="en-US" altLang="zh-TW" dirty="0"/>
+              <a:t>    - </a:t>
+            </a:r>
+            <a:r>
+              <a:rPr lang="zh-TW" altLang="en-US" dirty="0"/>
+              <a:t>這個方法的作用是為圖中的每一條邊計算一個</a:t>
+            </a:r>
+            <a:r>
+              <a:rPr lang="en-US" altLang="zh-TW" dirty="0"/>
+              <a:t>'score'</a:t>
+            </a:r>
+            <a:r>
+              <a:rPr lang="zh-TW" altLang="en-US" dirty="0"/>
+              <a:t>。這個</a:t>
+            </a:r>
+            <a:r>
+              <a:rPr lang="en-US" altLang="zh-TW" dirty="0"/>
+              <a:t>'score'</a:t>
+            </a:r>
+            <a:r>
+              <a:rPr lang="zh-TW" altLang="en-US" dirty="0"/>
+              <a:t>可以被解釋為邊的類別。</a:t>
+            </a:r>
+          </a:p>
+          <a:p>
+            <a:r>
+              <a:rPr lang="zh-TW" altLang="en-US" dirty="0"/>
+              <a:t>    </a:t>
+            </a:r>
+            <a:r>
+              <a:rPr lang="en-US" altLang="zh-TW" dirty="0"/>
+              <a:t>- </a:t>
+            </a:r>
+            <a:r>
+              <a:rPr lang="zh-TW" altLang="en-US" dirty="0"/>
+              <a:t>它首先從圖中提取來源節點</a:t>
+            </a:r>
+            <a:r>
+              <a:rPr lang="en-US" altLang="zh-TW" dirty="0"/>
+              <a:t>`</a:t>
+            </a:r>
+            <a:r>
+              <a:rPr lang="en-US" altLang="zh-TW" dirty="0" err="1"/>
+              <a:t>h_u</a:t>
+            </a:r>
+            <a:r>
+              <a:rPr lang="en-US" altLang="zh-TW" dirty="0"/>
+              <a:t>`</a:t>
+            </a:r>
+            <a:r>
+              <a:rPr lang="zh-TW" altLang="en-US" dirty="0"/>
+              <a:t>和目標節點</a:t>
+            </a:r>
+            <a:r>
+              <a:rPr lang="en-US" altLang="zh-TW" dirty="0"/>
+              <a:t>`</a:t>
+            </a:r>
+            <a:r>
+              <a:rPr lang="en-US" altLang="zh-TW" dirty="0" err="1"/>
+              <a:t>h_v</a:t>
+            </a:r>
+            <a:r>
+              <a:rPr lang="en-US" altLang="zh-TW" dirty="0"/>
+              <a:t>`</a:t>
+            </a:r>
+            <a:r>
+              <a:rPr lang="zh-TW" altLang="en-US" dirty="0"/>
+              <a:t>的表示向量。</a:t>
+            </a:r>
+          </a:p>
+          <a:p>
+            <a:r>
+              <a:rPr lang="zh-TW" altLang="en-US" dirty="0"/>
+              <a:t>    </a:t>
+            </a:r>
+            <a:r>
+              <a:rPr lang="en-US" altLang="zh-TW" dirty="0"/>
+              <a:t>- </a:t>
+            </a:r>
+            <a:r>
+              <a:rPr lang="zh-TW" altLang="en-US" dirty="0"/>
+              <a:t>接著，它將這兩個表示向量拼接起來，並通過</a:t>
+            </a:r>
+            <a:r>
+              <a:rPr lang="en-US" altLang="zh-TW" dirty="0"/>
+              <a:t>`</a:t>
+            </a:r>
+            <a:r>
+              <a:rPr lang="en-US" altLang="zh-TW" dirty="0" err="1"/>
+              <a:t>self.W</a:t>
+            </a:r>
+            <a:r>
+              <a:rPr lang="en-US" altLang="zh-TW" dirty="0"/>
+              <a:t>`</a:t>
+            </a:r>
+            <a:r>
+              <a:rPr lang="zh-TW" altLang="en-US" dirty="0"/>
+              <a:t>線性層計算</a:t>
+            </a:r>
+            <a:r>
+              <a:rPr lang="en-US" altLang="zh-TW" dirty="0"/>
+              <a:t>'score'</a:t>
+            </a:r>
+            <a:r>
+              <a:rPr lang="zh-TW" altLang="en-US" dirty="0"/>
+              <a:t>。</a:t>
+            </a:r>
+          </a:p>
+          <a:p>
+            <a:endParaRPr lang="zh-TW" altLang="en-US" dirty="0"/>
+          </a:p>
+          <a:p>
+            <a:r>
+              <a:rPr lang="en-US" altLang="zh-TW" dirty="0"/>
+              <a:t>3. **</a:t>
+            </a:r>
+            <a:r>
+              <a:rPr lang="zh-TW" altLang="en-US" dirty="0"/>
+              <a:t>前向方法 </a:t>
+            </a:r>
+            <a:r>
+              <a:rPr lang="en-US" altLang="zh-TW" dirty="0"/>
+              <a:t>(`forward`)**:</a:t>
+            </a:r>
+          </a:p>
+          <a:p>
+            <a:r>
+              <a:rPr lang="en-US" altLang="zh-TW" dirty="0"/>
+              <a:t>    - </a:t>
+            </a:r>
+            <a:r>
+              <a:rPr lang="zh-TW" altLang="en-US" dirty="0"/>
+              <a:t>接收一個圖和它的節點表示</a:t>
+            </a:r>
+            <a:r>
+              <a:rPr lang="en-US" altLang="zh-TW" dirty="0"/>
+              <a:t>`h`</a:t>
+            </a:r>
+            <a:r>
+              <a:rPr lang="zh-TW" altLang="en-US" dirty="0"/>
+              <a:t>。</a:t>
+            </a:r>
+          </a:p>
+          <a:p>
+            <a:r>
+              <a:rPr lang="zh-TW" altLang="en-US" dirty="0"/>
+              <a:t>    </a:t>
+            </a:r>
+            <a:r>
+              <a:rPr lang="en-US" altLang="zh-TW" dirty="0"/>
+              <a:t>- </a:t>
+            </a:r>
+            <a:r>
+              <a:rPr lang="zh-TW" altLang="en-US" dirty="0"/>
+              <a:t>它將這些節點表示設定為圖的節點數據。</a:t>
+            </a:r>
+          </a:p>
+          <a:p>
+            <a:r>
+              <a:rPr lang="zh-TW" altLang="en-US" dirty="0"/>
+              <a:t>    </a:t>
+            </a:r>
+            <a:r>
+              <a:rPr lang="en-US" altLang="zh-TW" dirty="0"/>
+              <a:t>- </a:t>
+            </a:r>
+            <a:r>
+              <a:rPr lang="zh-TW" altLang="en-US" dirty="0"/>
+              <a:t>使用</a:t>
+            </a:r>
+            <a:r>
+              <a:rPr lang="en-US" altLang="zh-TW" dirty="0"/>
+              <a:t>`</a:t>
+            </a:r>
+            <a:r>
+              <a:rPr lang="en-US" altLang="zh-TW" dirty="0" err="1"/>
+              <a:t>apply_edges</a:t>
+            </a:r>
+            <a:r>
+              <a:rPr lang="en-US" altLang="zh-TW" dirty="0"/>
+              <a:t>`</a:t>
+            </a:r>
+            <a:r>
+              <a:rPr lang="zh-TW" altLang="en-US" dirty="0"/>
+              <a:t>方法為圖中的每一條邊計算一個</a:t>
+            </a:r>
+            <a:r>
+              <a:rPr lang="en-US" altLang="zh-TW" dirty="0"/>
+              <a:t>'score'</a:t>
+            </a:r>
+            <a:r>
+              <a:rPr lang="zh-TW" altLang="en-US" dirty="0"/>
+              <a:t>。</a:t>
+            </a:r>
+          </a:p>
+          <a:p>
+            <a:r>
+              <a:rPr lang="zh-TW" altLang="en-US" dirty="0"/>
+              <a:t>    </a:t>
+            </a:r>
+            <a:r>
+              <a:rPr lang="en-US" altLang="zh-TW" dirty="0"/>
+              <a:t>- </a:t>
+            </a:r>
+            <a:r>
+              <a:rPr lang="zh-TW" altLang="en-US" dirty="0"/>
+              <a:t>返回邊的</a:t>
+            </a:r>
+            <a:r>
+              <a:rPr lang="en-US" altLang="zh-TW" dirty="0"/>
+              <a:t>'score'</a:t>
+            </a:r>
+            <a:r>
+              <a:rPr lang="zh-TW" altLang="en-US" dirty="0"/>
+              <a:t>。</a:t>
+            </a:r>
+          </a:p>
+          <a:p>
+            <a:endParaRPr lang="zh-TW" altLang="en-US" dirty="0"/>
+          </a:p>
+          <a:p>
+            <a:r>
+              <a:rPr lang="zh-TW" altLang="en-US" dirty="0"/>
+              <a:t>總之，</a:t>
+            </a:r>
+            <a:r>
+              <a:rPr lang="en-US" altLang="zh-TW" dirty="0"/>
+              <a:t>`</a:t>
+            </a:r>
+            <a:r>
+              <a:rPr lang="en-US" altLang="zh-TW" dirty="0" err="1"/>
+              <a:t>MLPPredictor</a:t>
+            </a:r>
+            <a:r>
+              <a:rPr lang="en-US" altLang="zh-TW" dirty="0"/>
+              <a:t>`</a:t>
+            </a:r>
+            <a:r>
+              <a:rPr lang="zh-TW" altLang="en-US" dirty="0"/>
+              <a:t>使用來源和目標節點的表示計算圖中每一條邊的</a:t>
+            </a:r>
+            <a:r>
+              <a:rPr lang="en-US" altLang="zh-TW" dirty="0"/>
+              <a:t>'score'</a:t>
+            </a:r>
+            <a:r>
+              <a:rPr lang="zh-TW" altLang="en-US" dirty="0"/>
+              <a:t>，這些</a:t>
+            </a:r>
+            <a:r>
+              <a:rPr lang="en-US" altLang="zh-TW" dirty="0"/>
+              <a:t>'score'</a:t>
+            </a:r>
+            <a:r>
+              <a:rPr lang="zh-TW" altLang="en-US" dirty="0"/>
+              <a:t>可以用於邊的預測任務。</a:t>
+            </a:r>
             <a:endParaRPr lang="en-US" altLang="zh-TW" dirty="0"/>
           </a:p>
         </p:txBody>
@@ -2620,7 +2358,7 @@
     </p:spTree>
     <p:extLst>
       <p:ext uri="{BB962C8B-B14F-4D97-AF65-F5344CB8AC3E}">
-        <p14:creationId xmlns:p14="http://schemas.microsoft.com/office/powerpoint/2010/main" val="2819292469"/>
+        <p14:creationId xmlns:p14="http://schemas.microsoft.com/office/powerpoint/2010/main" val="3672188344"/>
       </p:ext>
     </p:extLst>
   </p:cSld>
@@ -2679,6 +2417,226 @@
               <a:buAutoNum type="arabicPeriod"/>
             </a:pPr>
             <a:r>
+              <a:rPr lang="en-US" altLang="zh-TW" b="0" i="0" dirty="0">
+                <a:solidFill>
+                  <a:srgbClr val="242424"/>
+                </a:solidFill>
+                <a:effectLst/>
+                <a:latin typeface="source-serif-pro"/>
+              </a:rPr>
+              <a:t> </a:t>
+            </a:r>
+            <a:r>
+              <a:rPr lang="en-US" altLang="zh-TW" b="0" i="0" dirty="0" err="1">
+                <a:solidFill>
+                  <a:srgbClr val="242424"/>
+                </a:solidFill>
+                <a:effectLst/>
+                <a:latin typeface="source-serif-pro"/>
+              </a:rPr>
+              <a:t>Arxiv</a:t>
+            </a:r>
+            <a:r>
+              <a:rPr lang="en-US" altLang="zh-TW" b="0" i="0" dirty="0">
+                <a:solidFill>
+                  <a:srgbClr val="242424"/>
+                </a:solidFill>
+                <a:effectLst/>
+                <a:latin typeface="source-serif-pro"/>
+              </a:rPr>
+              <a:t> </a:t>
+            </a:r>
+            <a:r>
+              <a:rPr lang="zh-TW" altLang="en-US" b="0" i="0" dirty="0">
+                <a:solidFill>
+                  <a:srgbClr val="242424"/>
+                </a:solidFill>
+                <a:effectLst/>
+                <a:latin typeface="source-serif-pro"/>
+              </a:rPr>
+              <a:t>引用</a:t>
+            </a:r>
+            <a:r>
+              <a:rPr lang="en-US" altLang="zh-TW" b="0" i="0" dirty="0">
+                <a:solidFill>
+                  <a:srgbClr val="242424"/>
+                </a:solidFill>
+                <a:effectLst/>
+                <a:latin typeface="source-serif-pro"/>
+              </a:rPr>
+              <a:t> 190</a:t>
+            </a:r>
+          </a:p>
+          <a:p>
+            <a:pPr algn="l">
+              <a:buFont typeface="+mj-lt"/>
+              <a:buAutoNum type="arabicPeriod"/>
+            </a:pPr>
+            <a:r>
+              <a:rPr lang="en-US" altLang="zh-TW" dirty="0"/>
+              <a:t> WSDM </a:t>
+            </a:r>
+            <a:r>
+              <a:rPr lang="zh-TW" altLang="en-US" dirty="0"/>
+              <a:t>引用</a:t>
+            </a:r>
+            <a:r>
+              <a:rPr lang="en-US" altLang="zh-TW" dirty="0"/>
+              <a:t>193</a:t>
+            </a:r>
+          </a:p>
+          <a:p>
+            <a:pPr algn="l">
+              <a:buFont typeface="+mj-lt"/>
+              <a:buAutoNum type="arabicPeriod"/>
+            </a:pPr>
+            <a:r>
+              <a:rPr lang="en-US" altLang="zh-TW" dirty="0"/>
+              <a:t> https://</a:t>
+            </a:r>
+            <a:r>
+              <a:rPr lang="en-US" altLang="zh-TW" dirty="0" err="1"/>
+              <a:t>scholar.google.com.tw</a:t>
+            </a:r>
+            <a:r>
+              <a:rPr lang="en-US" altLang="zh-TW" dirty="0"/>
+              <a:t>/</a:t>
+            </a:r>
+            <a:r>
+              <a:rPr lang="en-US" altLang="zh-TW" dirty="0" err="1"/>
+              <a:t>scholar?q</a:t>
+            </a:r>
+            <a:r>
+              <a:rPr lang="en-US" altLang="zh-TW" dirty="0"/>
+              <a:t>=</a:t>
+            </a:r>
+            <a:r>
+              <a:rPr lang="en-US" altLang="zh-TW" dirty="0" err="1"/>
+              <a:t>Tianxiang+Zhao</a:t>
+            </a:r>
+            <a:r>
+              <a:rPr lang="en-US" altLang="zh-TW" dirty="0"/>
+              <a:t>,+</a:t>
+            </a:r>
+            <a:r>
+              <a:rPr lang="en-US" altLang="zh-TW" dirty="0" err="1"/>
+              <a:t>Xiang+Zhang</a:t>
+            </a:r>
+            <a:r>
+              <a:rPr lang="en-US" altLang="zh-TW" dirty="0"/>
+              <a:t>,+</a:t>
+            </a:r>
+            <a:r>
+              <a:rPr lang="en-US" altLang="zh-TW" dirty="0" err="1"/>
+              <a:t>Suhang+Wang&amp;hl</a:t>
+            </a:r>
+            <a:r>
+              <a:rPr lang="en-US" altLang="zh-TW" dirty="0"/>
+              <a:t>=</a:t>
+            </a:r>
+            <a:r>
+              <a:rPr lang="en-US" altLang="zh-TW" dirty="0" err="1"/>
+              <a:t>zh-TW&amp;as_sdt</a:t>
+            </a:r>
+            <a:r>
+              <a:rPr lang="en-US" altLang="zh-TW" dirty="0"/>
+              <a:t>=0&amp;as_vis=1&amp;oi=scholar </a:t>
+            </a:r>
+          </a:p>
+          <a:p>
+            <a:pPr algn="l">
+              <a:buFont typeface="+mj-lt"/>
+              <a:buAutoNum type="arabicPeriod"/>
+            </a:pPr>
+            <a:endParaRPr lang="en-US" altLang="zh-TW" dirty="0"/>
+          </a:p>
+        </p:txBody>
+      </p:sp>
+      <p:sp>
+        <p:nvSpPr>
+          <p:cNvPr id="4" name="Slide Number Placeholder 3"/>
+          <p:cNvSpPr>
+            <a:spLocks noGrp="1"/>
+          </p:cNvSpPr>
+          <p:nvPr>
+            <p:ph type="sldNum" sz="quarter" idx="5"/>
+          </p:nvPr>
+        </p:nvSpPr>
+        <p:spPr/>
+        <p:txBody>
+          <a:bodyPr/>
+          <a:lstStyle/>
+          <a:p>
+            <a:fld id="{50B9CB7D-C514-3544-A72A-E200086B53CC}" type="slidenum">
+              <a:rPr lang="en-TW" smtClean="0"/>
+              <a:t>32</a:t>
+            </a:fld>
+            <a:endParaRPr lang="en-TW"/>
+          </a:p>
+        </p:txBody>
+      </p:sp>
+    </p:spTree>
+    <p:extLst>
+      <p:ext uri="{BB962C8B-B14F-4D97-AF65-F5344CB8AC3E}">
+        <p14:creationId xmlns:p14="http://schemas.microsoft.com/office/powerpoint/2010/main" val="2476651686"/>
+      </p:ext>
+    </p:extLst>
+  </p:cSld>
+  <p:clrMapOvr>
+    <a:masterClrMapping/>
+  </p:clrMapOvr>
+</p:notes>
+</file>
+
+<file path=ppt/notesSlides/notesSlide26.xml><?xml version="1.0" encoding="utf-8"?>
+<p:notes xmlns:a="http://schemas.openxmlformats.org/drawingml/2006/main" xmlns:r="http://schemas.openxmlformats.org/officeDocument/2006/relationships" xmlns:p="http://schemas.openxmlformats.org/presentationml/2006/main">
+  <p:cSld>
+    <p:spTree>
+      <p:nvGrpSpPr>
+        <p:cNvPr id="1" name=""/>
+        <p:cNvGrpSpPr/>
+        <p:nvPr/>
+      </p:nvGrpSpPr>
+      <p:grpSpPr>
+        <a:xfrm>
+          <a:off x="0" y="0"/>
+          <a:ext cx="0" cy="0"/>
+          <a:chOff x="0" y="0"/>
+          <a:chExt cx="0" cy="0"/>
+        </a:xfrm>
+      </p:grpSpPr>
+      <p:sp>
+        <p:nvSpPr>
+          <p:cNvPr id="2" name="Slide Image Placeholder 1"/>
+          <p:cNvSpPr>
+            <a:spLocks noGrp="1" noRot="1" noChangeAspect="1"/>
+          </p:cNvSpPr>
+          <p:nvPr>
+            <p:ph type="sldImg"/>
+          </p:nvPr>
+        </p:nvSpPr>
+        <p:spPr/>
+      </p:sp>
+      <p:sp>
+        <p:nvSpPr>
+          <p:cNvPr id="3" name="Notes Placeholder 2"/>
+          <p:cNvSpPr>
+            <a:spLocks noGrp="1"/>
+          </p:cNvSpPr>
+          <p:nvPr>
+            <p:ph type="body" idx="1"/>
+          </p:nvPr>
+        </p:nvSpPr>
+        <p:spPr/>
+        <p:txBody>
+          <a:bodyPr/>
+          <a:lstStyle/>
+          <a:p>
+            <a:pPr algn="l">
+              <a:buFont typeface="+mj-lt"/>
+              <a:buAutoNum type="arabicPeriod"/>
+            </a:pPr>
+            <a:r>
               <a:rPr lang="zh-TW" altLang="en-US" b="0" i="0" dirty="0">
                 <a:solidFill>
                   <a:srgbClr val="242424"/>
@@ -2823,7 +2781,219 @@
           <a:p>
             <a:fld id="{50B9CB7D-C514-3544-A72A-E200086B53CC}" type="slidenum">
               <a:rPr lang="en-TW" smtClean="0"/>
-              <a:t>32</a:t>
+              <a:t>33</a:t>
+            </a:fld>
+            <a:endParaRPr lang="en-TW"/>
+          </a:p>
+        </p:txBody>
+      </p:sp>
+    </p:spTree>
+    <p:extLst>
+      <p:ext uri="{BB962C8B-B14F-4D97-AF65-F5344CB8AC3E}">
+        <p14:creationId xmlns:p14="http://schemas.microsoft.com/office/powerpoint/2010/main" val="2819292469"/>
+      </p:ext>
+    </p:extLst>
+  </p:cSld>
+  <p:clrMapOvr>
+    <a:masterClrMapping/>
+  </p:clrMapOvr>
+</p:notes>
+</file>
+
+<file path=ppt/notesSlides/notesSlide27.xml><?xml version="1.0" encoding="utf-8"?>
+<p:notes xmlns:a="http://schemas.openxmlformats.org/drawingml/2006/main" xmlns:r="http://schemas.openxmlformats.org/officeDocument/2006/relationships" xmlns:p="http://schemas.openxmlformats.org/presentationml/2006/main">
+  <p:cSld>
+    <p:spTree>
+      <p:nvGrpSpPr>
+        <p:cNvPr id="1" name=""/>
+        <p:cNvGrpSpPr/>
+        <p:nvPr/>
+      </p:nvGrpSpPr>
+      <p:grpSpPr>
+        <a:xfrm>
+          <a:off x="0" y="0"/>
+          <a:ext cx="0" cy="0"/>
+          <a:chOff x="0" y="0"/>
+          <a:chExt cx="0" cy="0"/>
+        </a:xfrm>
+      </p:grpSpPr>
+      <p:sp>
+        <p:nvSpPr>
+          <p:cNvPr id="2" name="Slide Image Placeholder 1"/>
+          <p:cNvSpPr>
+            <a:spLocks noGrp="1" noRot="1" noChangeAspect="1"/>
+          </p:cNvSpPr>
+          <p:nvPr>
+            <p:ph type="sldImg"/>
+          </p:nvPr>
+        </p:nvSpPr>
+        <p:spPr/>
+      </p:sp>
+      <p:sp>
+        <p:nvSpPr>
+          <p:cNvPr id="3" name="Notes Placeholder 2"/>
+          <p:cNvSpPr>
+            <a:spLocks noGrp="1"/>
+          </p:cNvSpPr>
+          <p:nvPr>
+            <p:ph type="body" idx="1"/>
+          </p:nvPr>
+        </p:nvSpPr>
+        <p:spPr/>
+        <p:txBody>
+          <a:bodyPr/>
+          <a:lstStyle/>
+          <a:p>
+            <a:pPr algn="l">
+              <a:buFont typeface="+mj-lt"/>
+              <a:buAutoNum type="arabicPeriod"/>
+            </a:pPr>
+            <a:r>
+              <a:rPr lang="zh-TW" altLang="en-US" b="0" i="0" dirty="0">
+                <a:solidFill>
+                  <a:srgbClr val="242424"/>
+                </a:solidFill>
+                <a:effectLst/>
+                <a:latin typeface="source-serif-pro"/>
+              </a:rPr>
+              <a:t>設定一個採樣倍率 </a:t>
+            </a:r>
+            <a:r>
+              <a:rPr lang="en-US" b="0" i="0" dirty="0">
+                <a:solidFill>
+                  <a:srgbClr val="242424"/>
+                </a:solidFill>
+                <a:effectLst/>
+                <a:latin typeface="source-serif-pro"/>
+              </a:rPr>
+              <a:t>N，</a:t>
+            </a:r>
+            <a:r>
+              <a:rPr lang="zh-TW" altLang="en-US" b="0" i="0" dirty="0">
+                <a:solidFill>
+                  <a:srgbClr val="242424"/>
+                </a:solidFill>
+                <a:effectLst/>
+                <a:latin typeface="source-serif-pro"/>
+              </a:rPr>
+              <a:t>也就是對每個樣本需要生成幾個合成樣本</a:t>
+            </a:r>
+          </a:p>
+          <a:p>
+            <a:pPr algn="l">
+              <a:buFont typeface="+mj-lt"/>
+              <a:buAutoNum type="arabicPeriod"/>
+            </a:pPr>
+            <a:r>
+              <a:rPr lang="zh-TW" altLang="en-US" b="0" i="0" dirty="0">
+                <a:solidFill>
+                  <a:srgbClr val="242424"/>
+                </a:solidFill>
+                <a:effectLst/>
+                <a:latin typeface="source-serif-pro"/>
+              </a:rPr>
+              <a:t>設定一個近鄰值 </a:t>
+            </a:r>
+            <a:r>
+              <a:rPr lang="en-US" b="0" i="0" dirty="0">
+                <a:solidFill>
+                  <a:srgbClr val="242424"/>
+                </a:solidFill>
+                <a:effectLst/>
+                <a:latin typeface="source-serif-pro"/>
+              </a:rPr>
+              <a:t>K ，</a:t>
+            </a:r>
+            <a:r>
+              <a:rPr lang="zh-TW" altLang="en-US" b="0" i="0" dirty="0">
+                <a:solidFill>
+                  <a:srgbClr val="242424"/>
+                </a:solidFill>
+                <a:effectLst/>
+                <a:latin typeface="source-serif-pro"/>
+              </a:rPr>
+              <a:t>針對該樣本找出 </a:t>
+            </a:r>
+            <a:r>
+              <a:rPr lang="en-US" b="0" i="0" dirty="0">
+                <a:solidFill>
+                  <a:srgbClr val="242424"/>
+                </a:solidFill>
+                <a:effectLst/>
+                <a:latin typeface="source-serif-pro"/>
+              </a:rPr>
+              <a:t>K </a:t>
+            </a:r>
+            <a:r>
+              <a:rPr lang="zh-TW" altLang="en-US" b="0" i="0" dirty="0">
+                <a:solidFill>
+                  <a:srgbClr val="242424"/>
+                </a:solidFill>
+                <a:effectLst/>
+                <a:latin typeface="source-serif-pro"/>
+              </a:rPr>
+              <a:t>個最近鄰樣本並從中隨機選一個</a:t>
+            </a:r>
+          </a:p>
+          <a:p>
+            <a:pPr algn="l">
+              <a:buFont typeface="+mj-lt"/>
+              <a:buAutoNum type="arabicPeriod"/>
+            </a:pPr>
+            <a:r>
+              <a:rPr lang="zh-TW" altLang="en-US" b="0" i="0" dirty="0">
+                <a:solidFill>
+                  <a:srgbClr val="242424"/>
+                </a:solidFill>
+                <a:effectLst/>
+                <a:latin typeface="source-serif-pro"/>
+              </a:rPr>
+              <a:t>根據以下公式來創造 </a:t>
+            </a:r>
+            <a:r>
+              <a:rPr lang="en-US" b="0" i="0" dirty="0">
+                <a:solidFill>
+                  <a:srgbClr val="242424"/>
+                </a:solidFill>
+                <a:effectLst/>
+                <a:latin typeface="source-serif-pro"/>
+              </a:rPr>
+              <a:t>N </a:t>
+            </a:r>
+            <a:r>
+              <a:rPr lang="zh-TW" altLang="en-US" b="0" i="0" dirty="0">
+                <a:solidFill>
+                  <a:srgbClr val="242424"/>
+                </a:solidFill>
+                <a:effectLst/>
+                <a:latin typeface="source-serif-pro"/>
+              </a:rPr>
+              <a:t>個樣本</a:t>
+            </a:r>
+          </a:p>
+          <a:p>
+            <a:endParaRPr lang="en-US" altLang="zh-TW" dirty="0"/>
+          </a:p>
+        </p:txBody>
+      </p:sp>
+      <p:sp>
+        <p:nvSpPr>
+          <p:cNvPr id="4" name="Slide Number Placeholder 3"/>
+          <p:cNvSpPr>
+            <a:spLocks noGrp="1"/>
+          </p:cNvSpPr>
+          <p:nvPr>
+            <p:ph type="sldNum" sz="quarter" idx="5"/>
+          </p:nvPr>
+        </p:nvSpPr>
+        <p:spPr/>
+        <p:txBody>
+          <a:bodyPr/>
+          <a:lstStyle/>
+          <a:p>
+            <a:fld id="{50B9CB7D-C514-3544-A72A-E200086B53CC}" type="slidenum">
+              <a:rPr lang="en-TW" smtClean="0"/>
+              <a:t>34</a:t>
             </a:fld>
             <a:endParaRPr lang="en-TW"/>
           </a:p>
@@ -2916,7 +3086,7 @@
     </p:spTree>
     <p:extLst>
       <p:ext uri="{BB962C8B-B14F-4D97-AF65-F5344CB8AC3E}">
-        <p14:creationId xmlns:p14="http://schemas.microsoft.com/office/powerpoint/2010/main" val="2147098355"/>
+        <p14:creationId xmlns:p14="http://schemas.microsoft.com/office/powerpoint/2010/main" val="2025423463"/>
       </p:ext>
     </p:extLst>
   </p:cSld>
@@ -3000,7 +3170,7 @@
     </p:spTree>
     <p:extLst>
       <p:ext uri="{BB962C8B-B14F-4D97-AF65-F5344CB8AC3E}">
-        <p14:creationId xmlns:p14="http://schemas.microsoft.com/office/powerpoint/2010/main" val="2025423463"/>
+        <p14:creationId xmlns:p14="http://schemas.microsoft.com/office/powerpoint/2010/main" val="2860432894"/>
       </p:ext>
     </p:extLst>
   </p:cSld>
@@ -3084,7 +3254,7 @@
     </p:spTree>
     <p:extLst>
       <p:ext uri="{BB962C8B-B14F-4D97-AF65-F5344CB8AC3E}">
-        <p14:creationId xmlns:p14="http://schemas.microsoft.com/office/powerpoint/2010/main" val="2860432894"/>
+        <p14:creationId xmlns:p14="http://schemas.microsoft.com/office/powerpoint/2010/main" val="3587858205"/>
       </p:ext>
     </p:extLst>
   </p:cSld>
@@ -3159,7 +3329,7 @@
           <a:p>
             <a:fld id="{50B9CB7D-C514-3544-A72A-E200086B53CC}" type="slidenum">
               <a:rPr lang="en-TW" smtClean="0"/>
-              <a:t>8</a:t>
+              <a:t>9</a:t>
             </a:fld>
             <a:endParaRPr lang="en-TW"/>
           </a:p>
@@ -3168,7 +3338,7 @@
     </p:spTree>
     <p:extLst>
       <p:ext uri="{BB962C8B-B14F-4D97-AF65-F5344CB8AC3E}">
-        <p14:creationId xmlns:p14="http://schemas.microsoft.com/office/powerpoint/2010/main" val="3587858205"/>
+        <p14:creationId xmlns:p14="http://schemas.microsoft.com/office/powerpoint/2010/main" val="1291554550"/>
       </p:ext>
     </p:extLst>
   </p:cSld>
@@ -3252,7 +3422,7 @@
     </p:spTree>
     <p:extLst>
       <p:ext uri="{BB962C8B-B14F-4D97-AF65-F5344CB8AC3E}">
-        <p14:creationId xmlns:p14="http://schemas.microsoft.com/office/powerpoint/2010/main" val="1291554550"/>
+        <p14:creationId xmlns:p14="http://schemas.microsoft.com/office/powerpoint/2010/main" val="2662074525"/>
       </p:ext>
     </p:extLst>
   </p:cSld>
@@ -3336,7 +3506,7 @@
     </p:spTree>
     <p:extLst>
       <p:ext uri="{BB962C8B-B14F-4D97-AF65-F5344CB8AC3E}">
-        <p14:creationId xmlns:p14="http://schemas.microsoft.com/office/powerpoint/2010/main" val="2662074525"/>
+        <p14:creationId xmlns:p14="http://schemas.microsoft.com/office/powerpoint/2010/main" val="633109398"/>
       </p:ext>
     </p:extLst>
   </p:cSld>
@@ -3420,7 +3590,7 @@
     </p:spTree>
     <p:extLst>
       <p:ext uri="{BB962C8B-B14F-4D97-AF65-F5344CB8AC3E}">
-        <p14:creationId xmlns:p14="http://schemas.microsoft.com/office/powerpoint/2010/main" val="633109398"/>
+        <p14:creationId xmlns:p14="http://schemas.microsoft.com/office/powerpoint/2010/main" val="1506797648"/>
       </p:ext>
     </p:extLst>
   </p:cSld>
@@ -3579,7 +3749,7 @@
           <a:p>
             <a:fld id="{A3414EF8-F8EE-1948-B7F8-CDE2BA55EBA3}" type="datetime1">
               <a:rPr lang="en-US" smtClean="0"/>
-              <a:t>11/30/23</a:t>
+              <a:t>12/1/23</a:t>
             </a:fld>
             <a:endParaRPr lang="en-TW"/>
           </a:p>
@@ -3779,7 +3949,7 @@
           <a:p>
             <a:fld id="{A73D7AD7-2116-5A41-8EDE-6BB6E81970E0}" type="datetime1">
               <a:rPr lang="en-US" smtClean="0"/>
-              <a:t>11/30/23</a:t>
+              <a:t>12/1/23</a:t>
             </a:fld>
             <a:endParaRPr lang="en-TW"/>
           </a:p>
@@ -3989,7 +4159,7 @@
           <a:p>
             <a:fld id="{F8B54AFA-ACA5-D643-AFA2-7E457DD24DF7}" type="datetime1">
               <a:rPr lang="en-US" smtClean="0"/>
-              <a:t>11/30/23</a:t>
+              <a:t>12/1/23</a:t>
             </a:fld>
             <a:endParaRPr lang="en-TW"/>
           </a:p>
@@ -4189,7 +4359,7 @@
           <a:p>
             <a:fld id="{9D5A1D64-0D43-8343-8F3E-0CF7D359B229}" type="datetime1">
               <a:rPr lang="en-US" smtClean="0"/>
-              <a:t>11/30/23</a:t>
+              <a:t>12/1/23</a:t>
             </a:fld>
             <a:endParaRPr lang="en-TW"/>
           </a:p>
@@ -4465,7 +4635,7 @@
           <a:p>
             <a:fld id="{7AADA2B9-C19E-4847-96A2-4C98048AC6CB}" type="datetime1">
               <a:rPr lang="en-US" smtClean="0"/>
-              <a:t>11/30/23</a:t>
+              <a:t>12/1/23</a:t>
             </a:fld>
             <a:endParaRPr lang="en-TW"/>
           </a:p>
@@ -4733,7 +4903,7 @@
           <a:p>
             <a:fld id="{6B0934B1-02FE-FD4D-9B2E-AB7942E9D2EE}" type="datetime1">
               <a:rPr lang="en-US" smtClean="0"/>
-              <a:t>11/30/23</a:t>
+              <a:t>12/1/23</a:t>
             </a:fld>
             <a:endParaRPr lang="en-TW"/>
           </a:p>
@@ -5148,7 +5318,7 @@
           <a:p>
             <a:fld id="{3ECB55BE-0370-354B-B7DC-74287DCA0691}" type="datetime1">
               <a:rPr lang="en-US" smtClean="0"/>
-              <a:t>11/30/23</a:t>
+              <a:t>12/1/23</a:t>
             </a:fld>
             <a:endParaRPr lang="en-TW"/>
           </a:p>
@@ -5290,7 +5460,7 @@
           <a:p>
             <a:fld id="{39E9E947-CD42-C640-AA68-FF39D56394B9}" type="datetime1">
               <a:rPr lang="en-US" smtClean="0"/>
-              <a:t>11/30/23</a:t>
+              <a:t>12/1/23</a:t>
             </a:fld>
             <a:endParaRPr lang="en-TW"/>
           </a:p>
@@ -5403,7 +5573,7 @@
           <a:p>
             <a:fld id="{B3588767-BFAB-074B-897C-98257EF1C28A}" type="datetime1">
               <a:rPr lang="en-US" smtClean="0"/>
-              <a:t>11/30/23</a:t>
+              <a:t>12/1/23</a:t>
             </a:fld>
             <a:endParaRPr lang="en-TW"/>
           </a:p>
@@ -5716,7 +5886,7 @@
           <a:p>
             <a:fld id="{B6DC1063-3940-FF48-A04A-958D086D794C}" type="datetime1">
               <a:rPr lang="en-US" smtClean="0"/>
-              <a:t>11/30/23</a:t>
+              <a:t>12/1/23</a:t>
             </a:fld>
             <a:endParaRPr lang="en-TW"/>
           </a:p>
@@ -6005,7 +6175,7 @@
           <a:p>
             <a:fld id="{DDCCE3AD-49F2-434D-BD1B-37AEE374DAF5}" type="datetime1">
               <a:rPr lang="en-US" smtClean="0"/>
-              <a:t>11/30/23</a:t>
+              <a:t>12/1/23</a:t>
             </a:fld>
             <a:endParaRPr lang="en-TW"/>
           </a:p>
@@ -6248,7 +6418,7 @@
           <a:p>
             <a:fld id="{C44A6C80-6E0D-374C-9F82-A170BB459CEA}" type="datetime1">
               <a:rPr lang="en-US" smtClean="0"/>
-              <a:t>11/30/23</a:t>
+              <a:t>12/1/23</a:t>
             </a:fld>
             <a:endParaRPr lang="en-TW"/>
           </a:p>
@@ -6864,287 +7034,6 @@
       </p:sp>
       <p:sp>
         <p:nvSpPr>
-          <p:cNvPr id="6" name="TextBox 5">
-            <a:extLst>
-              <a:ext uri="{FF2B5EF4-FFF2-40B4-BE49-F238E27FC236}">
-                <a16:creationId xmlns:a16="http://schemas.microsoft.com/office/drawing/2014/main" id="{E0C82C37-8905-6420-2C9B-A5F50295CDC0}"/>
-              </a:ext>
-            </a:extLst>
-          </p:cNvPr>
-          <p:cNvSpPr txBox="1"/>
-          <p:nvPr/>
-        </p:nvSpPr>
-        <p:spPr>
-          <a:xfrm>
-            <a:off x="602489" y="1409341"/>
-            <a:ext cx="11268761" cy="830997"/>
-          </a:xfrm>
-          <a:prstGeom prst="rect">
-            <a:avLst/>
-          </a:prstGeom>
-          <a:noFill/>
-        </p:spPr>
-        <p:txBody>
-          <a:bodyPr wrap="square" rtlCol="0">
-            <a:spAutoFit/>
-          </a:bodyPr>
-          <a:lstStyle/>
-          <a:p>
-            <a:pPr marL="342900" indent="-342900">
-              <a:buFont typeface="Arial" panose="020B0604020202020204" pitchFamily="34" charset="0"/>
-              <a:buChar char="•"/>
-            </a:pPr>
-            <a:r>
-              <a:rPr lang="en-US" sz="2400" dirty="0"/>
-              <a:t>Remove the </a:t>
-            </a:r>
-            <a:r>
-              <a:rPr lang="en-US" sz="2400" b="1" dirty="0"/>
-              <a:t>TTPs with support &gt; 1000 </a:t>
-            </a:r>
-            <a:r>
-              <a:rPr lang="en-US" sz="2400" dirty="0"/>
-              <a:t>(Removed 32 TTPs)</a:t>
-            </a:r>
-          </a:p>
-          <a:p>
-            <a:pPr marL="800100" lvl="1" indent="-342900">
-              <a:buFont typeface="Arial" panose="020B0604020202020204" pitchFamily="34" charset="0"/>
-              <a:buChar char="•"/>
-            </a:pPr>
-            <a:r>
-              <a:rPr lang="en-US" sz="2400" dirty="0"/>
-              <a:t>The predictions on the single triplet cases are still a mess</a:t>
-            </a:r>
-          </a:p>
-        </p:txBody>
-      </p:sp>
-      <p:pic>
-        <p:nvPicPr>
-          <p:cNvPr id="11" name="Picture 10">
-            <a:extLst>
-              <a:ext uri="{FF2B5EF4-FFF2-40B4-BE49-F238E27FC236}">
-                <a16:creationId xmlns:a16="http://schemas.microsoft.com/office/drawing/2014/main" id="{CB61316A-B2E7-18BE-0E89-9076A184D4DF}"/>
-              </a:ext>
-            </a:extLst>
-          </p:cNvPr>
-          <p:cNvPicPr>
-            <a:picLocks noChangeAspect="1"/>
-          </p:cNvPicPr>
-          <p:nvPr/>
-        </p:nvPicPr>
-        <p:blipFill>
-          <a:blip r:embed="rId3"/>
-          <a:stretch>
-            <a:fillRect/>
-          </a:stretch>
-        </p:blipFill>
-        <p:spPr>
-          <a:xfrm>
-            <a:off x="369745" y="2530118"/>
-            <a:ext cx="11681028" cy="4191357"/>
-          </a:xfrm>
-          <a:prstGeom prst="rect">
-            <a:avLst/>
-          </a:prstGeom>
-        </p:spPr>
-      </p:pic>
-      <p:sp>
-        <p:nvSpPr>
-          <p:cNvPr id="12" name="TextBox 11">
-            <a:extLst>
-              <a:ext uri="{FF2B5EF4-FFF2-40B4-BE49-F238E27FC236}">
-                <a16:creationId xmlns:a16="http://schemas.microsoft.com/office/drawing/2014/main" id="{226AB780-1F90-2988-EF7F-CF98288D4327}"/>
-              </a:ext>
-            </a:extLst>
-          </p:cNvPr>
-          <p:cNvSpPr txBox="1"/>
-          <p:nvPr/>
-        </p:nvSpPr>
-        <p:spPr>
-          <a:xfrm>
-            <a:off x="849836" y="2880570"/>
-            <a:ext cx="2777555" cy="923330"/>
-          </a:xfrm>
-          <a:prstGeom prst="rect">
-            <a:avLst/>
-          </a:prstGeom>
-          <a:noFill/>
-        </p:spPr>
-        <p:txBody>
-          <a:bodyPr wrap="none" rtlCol="0">
-            <a:spAutoFit/>
-          </a:bodyPr>
-          <a:lstStyle/>
-          <a:p>
-            <a:r>
-              <a:rPr lang="en-TW" b="1" dirty="0"/>
-              <a:t>Red</a:t>
-            </a:r>
-            <a:r>
-              <a:rPr lang="en-TW" dirty="0"/>
-              <a:t>: non-single triplet edge</a:t>
-            </a:r>
-          </a:p>
-          <a:p>
-            <a:r>
-              <a:rPr lang="en-TW" b="1" dirty="0"/>
-              <a:t>Blue</a:t>
-            </a:r>
-            <a:r>
-              <a:rPr lang="en-TW" dirty="0"/>
-              <a:t>: single triplet edge</a:t>
-            </a:r>
-          </a:p>
-          <a:p>
-            <a:r>
-              <a:rPr lang="en-TW" b="1" dirty="0"/>
-              <a:t>Green</a:t>
-            </a:r>
-            <a:r>
-              <a:rPr lang="en-TW" dirty="0"/>
-              <a:t>: itself</a:t>
-            </a:r>
-          </a:p>
-        </p:txBody>
-      </p:sp>
-      <p:pic>
-        <p:nvPicPr>
-          <p:cNvPr id="14" name="Picture 13">
-            <a:extLst>
-              <a:ext uri="{FF2B5EF4-FFF2-40B4-BE49-F238E27FC236}">
-                <a16:creationId xmlns:a16="http://schemas.microsoft.com/office/drawing/2014/main" id="{78F19E92-FC4C-A893-F877-1526F69AFA6A}"/>
-              </a:ext>
-            </a:extLst>
-          </p:cNvPr>
-          <p:cNvPicPr>
-            <a:picLocks noChangeAspect="1"/>
-          </p:cNvPicPr>
-          <p:nvPr/>
-        </p:nvPicPr>
-        <p:blipFill>
-          <a:blip r:embed="rId4"/>
-          <a:stretch>
-            <a:fillRect/>
-          </a:stretch>
-        </p:blipFill>
-        <p:spPr>
-          <a:xfrm>
-            <a:off x="849836" y="4064164"/>
-            <a:ext cx="6362700" cy="749300"/>
-          </a:xfrm>
-          <a:prstGeom prst="rect">
-            <a:avLst/>
-          </a:prstGeom>
-        </p:spPr>
-      </p:pic>
-    </p:spTree>
-    <p:extLst>
-      <p:ext uri="{BB962C8B-B14F-4D97-AF65-F5344CB8AC3E}">
-        <p14:creationId xmlns:p14="http://schemas.microsoft.com/office/powerpoint/2010/main" val="1262439618"/>
-      </p:ext>
-    </p:extLst>
-  </p:cSld>
-  <p:clrMapOvr>
-    <a:masterClrMapping/>
-  </p:clrMapOvr>
-  <mc:AlternateContent xmlns:mc="http://schemas.openxmlformats.org/markup-compatibility/2006" xmlns:p159="http://schemas.microsoft.com/office/powerpoint/2015/09/main">
-    <mc:Choice Requires="p159">
-      <p:transition xmlns:p14="http://schemas.microsoft.com/office/powerpoint/2010/main" spd="slow" p14:dur="2000">
-        <p159:morph option="byObject"/>
-      </p:transition>
-    </mc:Choice>
-    <mc:Fallback xmlns="">
-      <p:transition spd="slow">
-        <p:fade/>
-      </p:transition>
-    </mc:Fallback>
-  </mc:AlternateContent>
-</p:sld>
-</file>
-
-<file path=ppt/slides/slide11.xml><?xml version="1.0" encoding="utf-8"?>
-<p:sld xmlns:a="http://schemas.openxmlformats.org/drawingml/2006/main" xmlns:r="http://schemas.openxmlformats.org/officeDocument/2006/relationships" xmlns:p="http://schemas.openxmlformats.org/presentationml/2006/main">
-  <p:cSld>
-    <p:spTree>
-      <p:nvGrpSpPr>
-        <p:cNvPr id="1" name=""/>
-        <p:cNvGrpSpPr/>
-        <p:nvPr/>
-      </p:nvGrpSpPr>
-      <p:grpSpPr>
-        <a:xfrm>
-          <a:off x="0" y="0"/>
-          <a:ext cx="0" cy="0"/>
-          <a:chOff x="0" y="0"/>
-          <a:chExt cx="0" cy="0"/>
-        </a:xfrm>
-      </p:grpSpPr>
-      <p:sp>
-        <p:nvSpPr>
-          <p:cNvPr id="2" name="Title 1">
-            <a:extLst>
-              <a:ext uri="{FF2B5EF4-FFF2-40B4-BE49-F238E27FC236}">
-                <a16:creationId xmlns:a16="http://schemas.microsoft.com/office/drawing/2014/main" id="{2B533BED-E48C-5E7F-2273-C55CCE98516B}"/>
-              </a:ext>
-            </a:extLst>
-          </p:cNvPr>
-          <p:cNvSpPr>
-            <a:spLocks noGrp="1"/>
-          </p:cNvSpPr>
-          <p:nvPr>
-            <p:ph type="title"/>
-          </p:nvPr>
-        </p:nvSpPr>
-        <p:spPr>
-          <a:xfrm>
-            <a:off x="432987" y="194991"/>
-            <a:ext cx="10515600" cy="1325563"/>
-          </a:xfrm>
-        </p:spPr>
-        <p:txBody>
-          <a:bodyPr/>
-          <a:lstStyle/>
-          <a:p>
-            <a:r>
-              <a:rPr lang="en-US" b="1" dirty="0"/>
-              <a:t>Observation of the Prediction</a:t>
-            </a:r>
-            <a:endParaRPr lang="en-TW" b="1" dirty="0"/>
-          </a:p>
-        </p:txBody>
-      </p:sp>
-      <p:sp>
-        <p:nvSpPr>
-          <p:cNvPr id="4" name="Slide Number Placeholder 3">
-            <a:extLst>
-              <a:ext uri="{FF2B5EF4-FFF2-40B4-BE49-F238E27FC236}">
-                <a16:creationId xmlns:a16="http://schemas.microsoft.com/office/drawing/2014/main" id="{5CD44B9F-7DE8-0932-BD70-B0BA453E653B}"/>
-              </a:ext>
-            </a:extLst>
-          </p:cNvPr>
-          <p:cNvSpPr>
-            <a:spLocks noGrp="1"/>
-          </p:cNvSpPr>
-          <p:nvPr>
-            <p:ph type="sldNum" sz="quarter" idx="12"/>
-          </p:nvPr>
-        </p:nvSpPr>
-        <p:spPr/>
-        <p:txBody>
-          <a:bodyPr/>
-          <a:lstStyle/>
-          <a:p>
-            <a:fld id="{DB156E10-B3DB-CB42-894C-E44038C8B0C4}" type="slidenum">
-              <a:rPr lang="en-TW" smtClean="0"/>
-              <a:t>11</a:t>
-            </a:fld>
-            <a:endParaRPr lang="en-TW" dirty="0"/>
-          </a:p>
-        </p:txBody>
-      </p:sp>
-      <p:sp>
-        <p:nvSpPr>
           <p:cNvPr id="3" name="TextBox 2">
             <a:extLst>
               <a:ext uri="{FF2B5EF4-FFF2-40B4-BE49-F238E27FC236}">
@@ -7315,7 +7204,7 @@
 </p:sld>
 </file>
 
-<file path=ppt/slides/slide12.xml><?xml version="1.0" encoding="utf-8"?>
+<file path=ppt/slides/slide11.xml><?xml version="1.0" encoding="utf-8"?>
 <p:sld xmlns:a="http://schemas.openxmlformats.org/drawingml/2006/main" xmlns:r="http://schemas.openxmlformats.org/officeDocument/2006/relationships" xmlns:p="http://schemas.openxmlformats.org/presentationml/2006/main">
   <p:cSld>
     <p:spTree>
@@ -7389,7 +7278,7 @@
           <a:p>
             <a:fld id="{DB156E10-B3DB-CB42-894C-E44038C8B0C4}" type="slidenum">
               <a:rPr lang="en-TW" smtClean="0"/>
-              <a:t>12</a:t>
+              <a:t>11</a:t>
             </a:fld>
             <a:endParaRPr lang="en-TW" dirty="0"/>
           </a:p>
@@ -7537,7 +7426,7 @@
 </p:sld>
 </file>
 
-<file path=ppt/slides/slide13.xml><?xml version="1.0" encoding="utf-8"?>
+<file path=ppt/slides/slide12.xml><?xml version="1.0" encoding="utf-8"?>
 <p:sld xmlns:a="http://schemas.openxmlformats.org/drawingml/2006/main" xmlns:r="http://schemas.openxmlformats.org/officeDocument/2006/relationships" xmlns:p="http://schemas.openxmlformats.org/presentationml/2006/main">
   <p:cSld>
     <p:spTree>
@@ -7611,7 +7500,7 @@
           <a:p>
             <a:fld id="{DB156E10-B3DB-CB42-894C-E44038C8B0C4}" type="slidenum">
               <a:rPr lang="en-TW" smtClean="0"/>
-              <a:t>13</a:t>
+              <a:t>12</a:t>
             </a:fld>
             <a:endParaRPr lang="en-TW" dirty="0"/>
           </a:p>
@@ -7789,7 +7678,7 @@
 </p:sld>
 </file>
 
-<file path=ppt/slides/slide14.xml><?xml version="1.0" encoding="utf-8"?>
+<file path=ppt/slides/slide13.xml><?xml version="1.0" encoding="utf-8"?>
 <p:sld xmlns:a="http://schemas.openxmlformats.org/drawingml/2006/main" xmlns:r="http://schemas.openxmlformats.org/officeDocument/2006/relationships" xmlns:p="http://schemas.openxmlformats.org/presentationml/2006/main">
   <p:cSld>
     <p:spTree>
@@ -7863,7 +7752,7 @@
           <a:p>
             <a:fld id="{DB156E10-B3DB-CB42-894C-E44038C8B0C4}" type="slidenum">
               <a:rPr lang="en-TW" smtClean="0"/>
-              <a:t>14</a:t>
+              <a:t>13</a:t>
             </a:fld>
             <a:endParaRPr lang="en-TW" dirty="0"/>
           </a:p>
@@ -7997,7 +7886,7 @@
 </p:sld>
 </file>
 
-<file path=ppt/slides/slide15.xml><?xml version="1.0" encoding="utf-8"?>
+<file path=ppt/slides/slide14.xml><?xml version="1.0" encoding="utf-8"?>
 <p:sld xmlns:a="http://schemas.openxmlformats.org/drawingml/2006/main" xmlns:r="http://schemas.openxmlformats.org/officeDocument/2006/relationships" xmlns:p="http://schemas.openxmlformats.org/presentationml/2006/main">
   <p:cSld>
     <p:spTree>
@@ -8071,7 +7960,7 @@
           <a:p>
             <a:fld id="{DB156E10-B3DB-CB42-894C-E44038C8B0C4}" type="slidenum">
               <a:rPr lang="en-TW" smtClean="0"/>
-              <a:t>15</a:t>
+              <a:t>14</a:t>
             </a:fld>
             <a:endParaRPr lang="en-TW" dirty="0"/>
           </a:p>
@@ -8132,7 +8021,7 @@
 </p:sld>
 </file>
 
-<file path=ppt/slides/slide16.xml><?xml version="1.0" encoding="utf-8"?>
+<file path=ppt/slides/slide15.xml><?xml version="1.0" encoding="utf-8"?>
 <p:sld xmlns:a="http://schemas.openxmlformats.org/drawingml/2006/main" xmlns:r="http://schemas.openxmlformats.org/officeDocument/2006/relationships" xmlns:p="http://schemas.openxmlformats.org/presentationml/2006/main">
   <p:cSld>
     <p:spTree>
@@ -8206,7 +8095,7 @@
           <a:p>
             <a:fld id="{DB156E10-B3DB-CB42-894C-E44038C8B0C4}" type="slidenum">
               <a:rPr lang="en-TW" smtClean="0"/>
-              <a:t>16</a:t>
+              <a:t>15</a:t>
             </a:fld>
             <a:endParaRPr lang="en-TW" dirty="0"/>
           </a:p>
@@ -8246,7 +8135,15 @@
             </a:pPr>
             <a:r>
               <a:rPr lang="en-US" sz="2400" dirty="0"/>
-              <a:t>GraphSAGE really have a bad performance on the single triplet case</a:t>
+              <a:t>GraphSAGE really have a bad performance on the </a:t>
+            </a:r>
+            <a:r>
+              <a:rPr lang="en-US" altLang="zh-TW" sz="2400" b="1" dirty="0"/>
+              <a:t>isolated</a:t>
+            </a:r>
+            <a:r>
+              <a:rPr lang="en-US" sz="2400" dirty="0"/>
+              <a:t> triplet case</a:t>
             </a:r>
           </a:p>
           <a:p>
@@ -8260,9 +8157,6 @@
             </a:r>
             <a:r>
               <a:rPr lang="en-US" sz="2400" b="0" i="0" dirty="0">
-                <a:solidFill>
-                  <a:srgbClr val="374151"/>
-                </a:solidFill>
                 <a:effectLst/>
               </a:rPr>
               <a:t>isolated</a:t>
@@ -8283,9 +8177,6 @@
             </a:r>
             <a:r>
               <a:rPr lang="en-US" sz="2400" b="0" i="0" dirty="0">
-                <a:solidFill>
-                  <a:srgbClr val="374151"/>
-                </a:solidFill>
                 <a:effectLst/>
               </a:rPr>
               <a:t>isolated</a:t>
@@ -8332,7 +8223,14 @@
                 <a:effectLst/>
                 <a:latin typeface="Söhne"/>
               </a:rPr>
-              <a:t>: GraphSAGE aggregates features from a node's local neighborhood to learn its representation. In the case of isolated triplets, each node has very limited neighborhood information (only one neighbor), which restricts the model's ability to learn complex or rich representations</a:t>
+              <a:t>: </a:t>
+            </a:r>
+            <a:r>
+              <a:rPr lang="en-US" sz="2000" b="0" i="0" dirty="0">
+                <a:effectLst/>
+                <a:latin typeface="Söhne"/>
+              </a:rPr>
+              <a:t>GraphSAGE aggregates features from a node's local neighborhood to learn its representation. In the case of isolated triplets, each node has very limited neighborhood information (only one neighbor), which restricts the model's ability to learn complex or rich representations</a:t>
             </a:r>
             <a:endParaRPr lang="en-US" sz="2400" dirty="0"/>
           </a:p>
@@ -8398,7 +8296,7 @@
         </p:nvSpPr>
         <p:spPr>
           <a:xfrm>
-            <a:off x="10630953" y="1781108"/>
+            <a:off x="10680139" y="1781108"/>
             <a:ext cx="317634" cy="308246"/>
           </a:xfrm>
           <a:prstGeom prst="ellipse">
@@ -8441,13 +8339,12 @@
           </p:cNvPr>
           <p:cNvCxnSpPr>
             <a:cxnSpLocks/>
-            <a:stCxn id="5" idx="6"/>
           </p:cNvCxnSpPr>
           <p:nvPr/>
         </p:nvCxnSpPr>
         <p:spPr>
           <a:xfrm>
-            <a:off x="9928459" y="1935231"/>
+            <a:off x="9977645" y="1935231"/>
             <a:ext cx="702494" cy="0"/>
           </a:xfrm>
           <a:prstGeom prst="straightConnector1">
@@ -8559,6 +8456,117 @@
     <p:extLst>
       <p:ext uri="{BB962C8B-B14F-4D97-AF65-F5344CB8AC3E}">
         <p14:creationId xmlns:p14="http://schemas.microsoft.com/office/powerpoint/2010/main" val="1995958886"/>
+      </p:ext>
+    </p:extLst>
+  </p:cSld>
+  <p:clrMapOvr>
+    <a:masterClrMapping/>
+  </p:clrMapOvr>
+  <mc:AlternateContent xmlns:mc="http://schemas.openxmlformats.org/markup-compatibility/2006" xmlns:p159="http://schemas.microsoft.com/office/powerpoint/2015/09/main">
+    <mc:Choice Requires="p159">
+      <p:transition xmlns:p14="http://schemas.microsoft.com/office/powerpoint/2010/main" spd="slow" p14:dur="2000">
+        <p159:morph option="byObject"/>
+      </p:transition>
+    </mc:Choice>
+    <mc:Fallback xmlns="">
+      <p:transition spd="slow">
+        <p:fade/>
+      </p:transition>
+    </mc:Fallback>
+  </mc:AlternateContent>
+</p:sld>
+</file>
+
+<file path=ppt/slides/slide16.xml><?xml version="1.0" encoding="utf-8"?>
+<p:sld xmlns:a="http://schemas.openxmlformats.org/drawingml/2006/main" xmlns:r="http://schemas.openxmlformats.org/officeDocument/2006/relationships" xmlns:p="http://schemas.openxmlformats.org/presentationml/2006/main">
+  <p:cSld>
+    <p:spTree>
+      <p:nvGrpSpPr>
+        <p:cNvPr id="1" name=""/>
+        <p:cNvGrpSpPr/>
+        <p:nvPr/>
+      </p:nvGrpSpPr>
+      <p:grpSpPr>
+        <a:xfrm>
+          <a:off x="0" y="0"/>
+          <a:ext cx="0" cy="0"/>
+          <a:chOff x="0" y="0"/>
+          <a:chExt cx="0" cy="0"/>
+        </a:xfrm>
+      </p:grpSpPr>
+      <p:sp>
+        <p:nvSpPr>
+          <p:cNvPr id="2" name="Title 1">
+            <a:extLst>
+              <a:ext uri="{FF2B5EF4-FFF2-40B4-BE49-F238E27FC236}">
+                <a16:creationId xmlns:a16="http://schemas.microsoft.com/office/drawing/2014/main" id="{2D1F1D5D-BC21-FE6C-199A-114DD8A93B70}"/>
+              </a:ext>
+            </a:extLst>
+          </p:cNvPr>
+          <p:cNvSpPr>
+            <a:spLocks noGrp="1"/>
+          </p:cNvSpPr>
+          <p:nvPr>
+            <p:ph type="ctrTitle"/>
+          </p:nvPr>
+        </p:nvSpPr>
+        <p:spPr>
+          <a:xfrm>
+            <a:off x="1056289" y="1500931"/>
+            <a:ext cx="10079421" cy="2387600"/>
+          </a:xfrm>
+        </p:spPr>
+        <p:txBody>
+          <a:bodyPr>
+            <a:normAutofit/>
+          </a:bodyPr>
+          <a:lstStyle/>
+          <a:p>
+            <a:pPr>
+              <a:lnSpc>
+                <a:spcPct val="110000"/>
+              </a:lnSpc>
+            </a:pPr>
+            <a:r>
+              <a:rPr lang="en-TW" sz="4800" b="1" dirty="0"/>
+              <a:t>Experiment – Predict More Labels</a:t>
+            </a:r>
+          </a:p>
+        </p:txBody>
+      </p:sp>
+      <p:sp>
+        <p:nvSpPr>
+          <p:cNvPr id="4" name="Slide Number Placeholder 3">
+            <a:extLst>
+              <a:ext uri="{FF2B5EF4-FFF2-40B4-BE49-F238E27FC236}">
+                <a16:creationId xmlns:a16="http://schemas.microsoft.com/office/drawing/2014/main" id="{2BC4D631-FD05-0882-9331-7401BF92027E}"/>
+              </a:ext>
+            </a:extLst>
+          </p:cNvPr>
+          <p:cNvSpPr>
+            <a:spLocks noGrp="1"/>
+          </p:cNvSpPr>
+          <p:nvPr>
+            <p:ph type="sldNum" sz="quarter" idx="12"/>
+          </p:nvPr>
+        </p:nvSpPr>
+        <p:spPr/>
+        <p:txBody>
+          <a:bodyPr/>
+          <a:lstStyle/>
+          <a:p>
+            <a:fld id="{DB156E10-B3DB-CB42-894C-E44038C8B0C4}" type="slidenum">
+              <a:rPr lang="en-TW" smtClean="0"/>
+              <a:t>16</a:t>
+            </a:fld>
+            <a:endParaRPr lang="en-TW"/>
+          </a:p>
+        </p:txBody>
+      </p:sp>
+    </p:spTree>
+    <p:extLst>
+      <p:ext uri="{BB962C8B-B14F-4D97-AF65-F5344CB8AC3E}">
+        <p14:creationId xmlns:p14="http://schemas.microsoft.com/office/powerpoint/2010/main" val="1654795206"/>
       </p:ext>
     </p:extLst>
   </p:cSld>
@@ -8602,117 +8610,6 @@
           <p:cNvPr id="2" name="Title 1">
             <a:extLst>
               <a:ext uri="{FF2B5EF4-FFF2-40B4-BE49-F238E27FC236}">
-                <a16:creationId xmlns:a16="http://schemas.microsoft.com/office/drawing/2014/main" id="{2D1F1D5D-BC21-FE6C-199A-114DD8A93B70}"/>
-              </a:ext>
-            </a:extLst>
-          </p:cNvPr>
-          <p:cNvSpPr>
-            <a:spLocks noGrp="1"/>
-          </p:cNvSpPr>
-          <p:nvPr>
-            <p:ph type="ctrTitle"/>
-          </p:nvPr>
-        </p:nvSpPr>
-        <p:spPr>
-          <a:xfrm>
-            <a:off x="1056289" y="1500931"/>
-            <a:ext cx="10079421" cy="2387600"/>
-          </a:xfrm>
-        </p:spPr>
-        <p:txBody>
-          <a:bodyPr>
-            <a:normAutofit/>
-          </a:bodyPr>
-          <a:lstStyle/>
-          <a:p>
-            <a:pPr>
-              <a:lnSpc>
-                <a:spcPct val="110000"/>
-              </a:lnSpc>
-            </a:pPr>
-            <a:r>
-              <a:rPr lang="en-TW" sz="4800" b="1" dirty="0"/>
-              <a:t>Experiment – Predict More Labels</a:t>
-            </a:r>
-          </a:p>
-        </p:txBody>
-      </p:sp>
-      <p:sp>
-        <p:nvSpPr>
-          <p:cNvPr id="4" name="Slide Number Placeholder 3">
-            <a:extLst>
-              <a:ext uri="{FF2B5EF4-FFF2-40B4-BE49-F238E27FC236}">
-                <a16:creationId xmlns:a16="http://schemas.microsoft.com/office/drawing/2014/main" id="{2BC4D631-FD05-0882-9331-7401BF92027E}"/>
-              </a:ext>
-            </a:extLst>
-          </p:cNvPr>
-          <p:cNvSpPr>
-            <a:spLocks noGrp="1"/>
-          </p:cNvSpPr>
-          <p:nvPr>
-            <p:ph type="sldNum" sz="quarter" idx="12"/>
-          </p:nvPr>
-        </p:nvSpPr>
-        <p:spPr/>
-        <p:txBody>
-          <a:bodyPr/>
-          <a:lstStyle/>
-          <a:p>
-            <a:fld id="{DB156E10-B3DB-CB42-894C-E44038C8B0C4}" type="slidenum">
-              <a:rPr lang="en-TW" smtClean="0"/>
-              <a:t>17</a:t>
-            </a:fld>
-            <a:endParaRPr lang="en-TW"/>
-          </a:p>
-        </p:txBody>
-      </p:sp>
-    </p:spTree>
-    <p:extLst>
-      <p:ext uri="{BB962C8B-B14F-4D97-AF65-F5344CB8AC3E}">
-        <p14:creationId xmlns:p14="http://schemas.microsoft.com/office/powerpoint/2010/main" val="1654795206"/>
-      </p:ext>
-    </p:extLst>
-  </p:cSld>
-  <p:clrMapOvr>
-    <a:masterClrMapping/>
-  </p:clrMapOvr>
-  <mc:AlternateContent xmlns:mc="http://schemas.openxmlformats.org/markup-compatibility/2006" xmlns:p159="http://schemas.microsoft.com/office/powerpoint/2015/09/main">
-    <mc:Choice Requires="p159">
-      <p:transition xmlns:p14="http://schemas.microsoft.com/office/powerpoint/2010/main" spd="slow" p14:dur="2000">
-        <p159:morph option="byObject"/>
-      </p:transition>
-    </mc:Choice>
-    <mc:Fallback xmlns="">
-      <p:transition spd="slow">
-        <p:fade/>
-      </p:transition>
-    </mc:Fallback>
-  </mc:AlternateContent>
-</p:sld>
-</file>
-
-<file path=ppt/slides/slide18.xml><?xml version="1.0" encoding="utf-8"?>
-<p:sld xmlns:a="http://schemas.openxmlformats.org/drawingml/2006/main" xmlns:r="http://schemas.openxmlformats.org/officeDocument/2006/relationships" xmlns:p="http://schemas.openxmlformats.org/presentationml/2006/main">
-  <p:cSld>
-    <p:spTree>
-      <p:nvGrpSpPr>
-        <p:cNvPr id="1" name=""/>
-        <p:cNvGrpSpPr/>
-        <p:nvPr/>
-      </p:nvGrpSpPr>
-      <p:grpSpPr>
-        <a:xfrm>
-          <a:off x="0" y="0"/>
-          <a:ext cx="0" cy="0"/>
-          <a:chOff x="0" y="0"/>
-          <a:chExt cx="0" cy="0"/>
-        </a:xfrm>
-      </p:grpSpPr>
-      <p:sp>
-        <p:nvSpPr>
-          <p:cNvPr id="2" name="Title 1">
-            <a:extLst>
-              <a:ext uri="{FF2B5EF4-FFF2-40B4-BE49-F238E27FC236}">
                 <a16:creationId xmlns:a16="http://schemas.microsoft.com/office/drawing/2014/main" id="{2B533BED-E48C-5E7F-2273-C55CCE98516B}"/>
               </a:ext>
             </a:extLst>
@@ -8765,7 +8662,7 @@
           <a:p>
             <a:fld id="{DB156E10-B3DB-CB42-894C-E44038C8B0C4}" type="slidenum">
               <a:rPr lang="en-TW" smtClean="0"/>
-              <a:t>18</a:t>
+              <a:t>17</a:t>
             </a:fld>
             <a:endParaRPr lang="en-TW" dirty="0"/>
           </a:p>
@@ -9238,7 +9135,7 @@
 </p:sld>
 </file>
 
-<file path=ppt/slides/slide19.xml><?xml version="1.0" encoding="utf-8"?>
+<file path=ppt/slides/slide18.xml><?xml version="1.0" encoding="utf-8"?>
 <p:sld xmlns:a="http://schemas.openxmlformats.org/drawingml/2006/main" xmlns:r="http://schemas.openxmlformats.org/officeDocument/2006/relationships" xmlns:p="http://schemas.openxmlformats.org/presentationml/2006/main">
   <p:cSld>
     <p:spTree>
@@ -9312,7 +9209,7 @@
           <a:p>
             <a:fld id="{DB156E10-B3DB-CB42-894C-E44038C8B0C4}" type="slidenum">
               <a:rPr lang="en-TW" smtClean="0"/>
-              <a:t>19</a:t>
+              <a:t>18</a:t>
             </a:fld>
             <a:endParaRPr lang="en-TW" dirty="0"/>
           </a:p>
@@ -9934,6 +9831,117 @@
 </p:sld>
 </file>
 
+<file path=ppt/slides/slide19.xml><?xml version="1.0" encoding="utf-8"?>
+<p:sld xmlns:a="http://schemas.openxmlformats.org/drawingml/2006/main" xmlns:r="http://schemas.openxmlformats.org/officeDocument/2006/relationships" xmlns:p="http://schemas.openxmlformats.org/presentationml/2006/main">
+  <p:cSld>
+    <p:spTree>
+      <p:nvGrpSpPr>
+        <p:cNvPr id="1" name=""/>
+        <p:cNvGrpSpPr/>
+        <p:nvPr/>
+      </p:nvGrpSpPr>
+      <p:grpSpPr>
+        <a:xfrm>
+          <a:off x="0" y="0"/>
+          <a:ext cx="0" cy="0"/>
+          <a:chOff x="0" y="0"/>
+          <a:chExt cx="0" cy="0"/>
+        </a:xfrm>
+      </p:grpSpPr>
+      <p:sp>
+        <p:nvSpPr>
+          <p:cNvPr id="2" name="Title 1">
+            <a:extLst>
+              <a:ext uri="{FF2B5EF4-FFF2-40B4-BE49-F238E27FC236}">
+                <a16:creationId xmlns:a16="http://schemas.microsoft.com/office/drawing/2014/main" id="{2D1F1D5D-BC21-FE6C-199A-114DD8A93B70}"/>
+              </a:ext>
+            </a:extLst>
+          </p:cNvPr>
+          <p:cNvSpPr>
+            <a:spLocks noGrp="1"/>
+          </p:cNvSpPr>
+          <p:nvPr>
+            <p:ph type="ctrTitle"/>
+          </p:nvPr>
+        </p:nvSpPr>
+        <p:spPr>
+          <a:xfrm>
+            <a:off x="1056289" y="1500931"/>
+            <a:ext cx="10079421" cy="2387600"/>
+          </a:xfrm>
+        </p:spPr>
+        <p:txBody>
+          <a:bodyPr>
+            <a:normAutofit/>
+          </a:bodyPr>
+          <a:lstStyle/>
+          <a:p>
+            <a:pPr>
+              <a:lnSpc>
+                <a:spcPct val="110000"/>
+              </a:lnSpc>
+            </a:pPr>
+            <a:r>
+              <a:rPr lang="en-TW" sz="4800" b="1" dirty="0"/>
+              <a:t>Experiment – DAPRA Format</a:t>
+            </a:r>
+          </a:p>
+        </p:txBody>
+      </p:sp>
+      <p:sp>
+        <p:nvSpPr>
+          <p:cNvPr id="4" name="Slide Number Placeholder 3">
+            <a:extLst>
+              <a:ext uri="{FF2B5EF4-FFF2-40B4-BE49-F238E27FC236}">
+                <a16:creationId xmlns:a16="http://schemas.microsoft.com/office/drawing/2014/main" id="{2BC4D631-FD05-0882-9331-7401BF92027E}"/>
+              </a:ext>
+            </a:extLst>
+          </p:cNvPr>
+          <p:cNvSpPr>
+            <a:spLocks noGrp="1"/>
+          </p:cNvSpPr>
+          <p:nvPr>
+            <p:ph type="sldNum" sz="quarter" idx="12"/>
+          </p:nvPr>
+        </p:nvSpPr>
+        <p:spPr/>
+        <p:txBody>
+          <a:bodyPr/>
+          <a:lstStyle/>
+          <a:p>
+            <a:fld id="{DB156E10-B3DB-CB42-894C-E44038C8B0C4}" type="slidenum">
+              <a:rPr lang="en-TW" smtClean="0"/>
+              <a:t>19</a:t>
+            </a:fld>
+            <a:endParaRPr lang="en-TW"/>
+          </a:p>
+        </p:txBody>
+      </p:sp>
+    </p:spTree>
+    <p:extLst>
+      <p:ext uri="{BB962C8B-B14F-4D97-AF65-F5344CB8AC3E}">
+        <p14:creationId xmlns:p14="http://schemas.microsoft.com/office/powerpoint/2010/main" val="3642759105"/>
+      </p:ext>
+    </p:extLst>
+  </p:cSld>
+  <p:clrMapOvr>
+    <a:masterClrMapping/>
+  </p:clrMapOvr>
+  <mc:AlternateContent xmlns:mc="http://schemas.openxmlformats.org/markup-compatibility/2006" xmlns:p159="http://schemas.microsoft.com/office/powerpoint/2015/09/main">
+    <mc:Choice Requires="p159">
+      <p:transition xmlns:p14="http://schemas.microsoft.com/office/powerpoint/2010/main" spd="slow" p14:dur="2000">
+        <p159:morph option="byObject"/>
+      </p:transition>
+    </mc:Choice>
+    <mc:Fallback xmlns="">
+      <p:transition spd="slow">
+        <p:fade/>
+      </p:transition>
+    </mc:Fallback>
+  </mc:AlternateContent>
+</p:sld>
+</file>
+
 <file path=ppt/slides/slide2.xml><?xml version="1.0" encoding="utf-8"?>
 <p:sld xmlns:a="http://schemas.openxmlformats.org/drawingml/2006/main" xmlns:r="http://schemas.openxmlformats.org/officeDocument/2006/relationships" xmlns:p="http://schemas.openxmlformats.org/presentationml/2006/main">
   <p:cSld>
@@ -10080,7 +10088,7 @@
             </a:pPr>
             <a:r>
               <a:rPr lang="en-TW" b="1" dirty="0"/>
-              <a:t>Experiment – Observe the Unique Label</a:t>
+              <a:t>Experiment – DAPRA Format</a:t>
             </a:r>
           </a:p>
           <a:p>
@@ -10197,21 +10205,120 @@
           <p:cNvPr id="2" name="Title 1">
             <a:extLst>
               <a:ext uri="{FF2B5EF4-FFF2-40B4-BE49-F238E27FC236}">
-                <a16:creationId xmlns:a16="http://schemas.microsoft.com/office/drawing/2014/main" id="{2D1F1D5D-BC21-FE6C-199A-114DD8A93B70}"/>
-              </a:ext>
-            </a:extLst>
-          </p:cNvPr>
-          <p:cNvSpPr>
-            <a:spLocks noGrp="1"/>
-          </p:cNvSpPr>
-          <p:nvPr>
-            <p:ph type="ctrTitle"/>
+                <a16:creationId xmlns:a16="http://schemas.microsoft.com/office/drawing/2014/main" id="{2B533BED-E48C-5E7F-2273-C55CCE98516B}"/>
+              </a:ext>
+            </a:extLst>
+          </p:cNvPr>
+          <p:cNvSpPr>
+            <a:spLocks noGrp="1"/>
+          </p:cNvSpPr>
+          <p:nvPr>
+            <p:ph type="title"/>
           </p:nvPr>
         </p:nvSpPr>
         <p:spPr>
           <a:xfrm>
-            <a:off x="564382" y="1866055"/>
-            <a:ext cx="11063235" cy="2739473"/>
+            <a:off x="432987" y="194991"/>
+            <a:ext cx="10515600" cy="1325563"/>
+          </a:xfrm>
+        </p:spPr>
+        <p:txBody>
+          <a:bodyPr/>
+          <a:lstStyle/>
+          <a:p>
+            <a:r>
+              <a:rPr lang="en-US" b="1" dirty="0"/>
+              <a:t>Change the DARPA Format</a:t>
+            </a:r>
+            <a:endParaRPr lang="en-TW" b="1" dirty="0"/>
+          </a:p>
+        </p:txBody>
+      </p:sp>
+      <p:sp>
+        <p:nvSpPr>
+          <p:cNvPr id="4" name="Slide Number Placeholder 3">
+            <a:extLst>
+              <a:ext uri="{FF2B5EF4-FFF2-40B4-BE49-F238E27FC236}">
+                <a16:creationId xmlns:a16="http://schemas.microsoft.com/office/drawing/2014/main" id="{5CD44B9F-7DE8-0932-BD70-B0BA453E653B}"/>
+              </a:ext>
+            </a:extLst>
+          </p:cNvPr>
+          <p:cNvSpPr>
+            <a:spLocks noGrp="1"/>
+          </p:cNvSpPr>
+          <p:nvPr>
+            <p:ph type="sldNum" sz="quarter" idx="12"/>
+          </p:nvPr>
+        </p:nvSpPr>
+        <p:spPr/>
+        <p:txBody>
+          <a:bodyPr/>
+          <a:lstStyle/>
+          <a:p>
+            <a:fld id="{DB156E10-B3DB-CB42-894C-E44038C8B0C4}" type="slidenum">
+              <a:rPr lang="en-TW" smtClean="0"/>
+              <a:t>20</a:t>
+            </a:fld>
+            <a:endParaRPr lang="en-TW" dirty="0"/>
+          </a:p>
+        </p:txBody>
+      </p:sp>
+      <p:sp>
+        <p:nvSpPr>
+          <p:cNvPr id="3" name="TextBox 2">
+            <a:extLst>
+              <a:ext uri="{FF2B5EF4-FFF2-40B4-BE49-F238E27FC236}">
+                <a16:creationId xmlns:a16="http://schemas.microsoft.com/office/drawing/2014/main" id="{3D07C7E7-4466-87F5-62F2-A7C92A17C754}"/>
+              </a:ext>
+            </a:extLst>
+          </p:cNvPr>
+          <p:cNvSpPr txBox="1"/>
+          <p:nvPr/>
+        </p:nvSpPr>
+        <p:spPr>
+          <a:xfrm>
+            <a:off x="592215" y="1452242"/>
+            <a:ext cx="11268761" cy="461665"/>
+          </a:xfrm>
+          <a:prstGeom prst="rect">
+            <a:avLst/>
+          </a:prstGeom>
+          <a:noFill/>
+        </p:spPr>
+        <p:txBody>
+          <a:bodyPr wrap="square" rtlCol="0">
+            <a:spAutoFit/>
+          </a:bodyPr>
+          <a:lstStyle/>
+          <a:p>
+            <a:pPr marL="342900" indent="-342900">
+              <a:buFont typeface="Arial" panose="020B0604020202020204" pitchFamily="34" charset="0"/>
+              <a:buChar char="•"/>
+            </a:pPr>
+            <a:endParaRPr lang="en-US" sz="2400" dirty="0"/>
+          </a:p>
+        </p:txBody>
+      </p:sp>
+      <p:sp>
+        <p:nvSpPr>
+          <p:cNvPr id="5" name="Content Placeholder 2">
+            <a:extLst>
+              <a:ext uri="{FF2B5EF4-FFF2-40B4-BE49-F238E27FC236}">
+                <a16:creationId xmlns:a16="http://schemas.microsoft.com/office/drawing/2014/main" id="{84E53C02-6F93-0118-7A71-361D086DD9D9}"/>
+              </a:ext>
+            </a:extLst>
+          </p:cNvPr>
+          <p:cNvSpPr>
+            <a:spLocks noGrp="1"/>
+          </p:cNvSpPr>
+          <p:nvPr>
+            <p:ph idx="1"/>
+          </p:nvPr>
+        </p:nvSpPr>
+        <p:spPr>
+          <a:xfrm>
+            <a:off x="695678" y="1396244"/>
+            <a:ext cx="10800644" cy="4832880"/>
           </a:xfrm>
         </p:spPr>
         <p:txBody>
@@ -10226,49 +10333,423 @@
               </a:lnSpc>
             </a:pPr>
             <a:r>
-              <a:rPr lang="en-TW" sz="4800" b="1" dirty="0"/>
-              <a:t>Experiment – Observe the Unique Label</a:t>
-            </a:r>
-            <a:br>
-              <a:rPr lang="en-TW" sz="1800" b="1" dirty="0"/>
-            </a:br>
-            <a:endParaRPr lang="en-TW" sz="4800" b="1" dirty="0"/>
-          </a:p>
-        </p:txBody>
-      </p:sp>
-      <p:sp>
-        <p:nvSpPr>
-          <p:cNvPr id="4" name="Slide Number Placeholder 3">
-            <a:extLst>
-              <a:ext uri="{FF2B5EF4-FFF2-40B4-BE49-F238E27FC236}">
-                <a16:creationId xmlns:a16="http://schemas.microsoft.com/office/drawing/2014/main" id="{2BC4D631-FD05-0882-9331-7401BF92027E}"/>
-              </a:ext>
-            </a:extLst>
-          </p:cNvPr>
-          <p:cNvSpPr>
-            <a:spLocks noGrp="1"/>
-          </p:cNvSpPr>
-          <p:nvPr>
-            <p:ph type="sldNum" sz="quarter" idx="12"/>
-          </p:nvPr>
-        </p:nvSpPr>
-        <p:spPr/>
-        <p:txBody>
-          <a:bodyPr/>
-          <a:lstStyle/>
-          <a:p>
-            <a:fld id="{DB156E10-B3DB-CB42-894C-E44038C8B0C4}" type="slidenum">
-              <a:rPr lang="en-TW" smtClean="0"/>
-              <a:t>20</a:t>
-            </a:fld>
-            <a:endParaRPr lang="en-TW"/>
-          </a:p>
-        </p:txBody>
-      </p:sp>
+              <a:rPr lang="en-US" dirty="0"/>
+              <a:t>Original Format:</a:t>
+            </a:r>
+          </a:p>
+          <a:p>
+            <a:pPr lvl="1">
+              <a:lnSpc>
+                <a:spcPct val="110000"/>
+              </a:lnSpc>
+            </a:pPr>
+            <a:r>
+              <a:rPr lang="en-US" sz="1600" b="0" dirty="0">
+                <a:effectLst/>
+                <a:latin typeface="Menlo" panose="020B0609030804020204" pitchFamily="49" charset="0"/>
+              </a:rPr>
+              <a:t>{"subj": {</a:t>
+            </a:r>
+            <a:r>
+              <a:rPr lang="en-US" sz="1600" b="0" dirty="0">
+                <a:solidFill>
+                  <a:schemeClr val="accent1"/>
+                </a:solidFill>
+                <a:effectLst/>
+                <a:latin typeface="Menlo" panose="020B0609030804020204" pitchFamily="49" charset="0"/>
+              </a:rPr>
+              <a:t>"</a:t>
+            </a:r>
+            <a:r>
+              <a:rPr lang="en-US" sz="1600" b="0" dirty="0" err="1">
+                <a:solidFill>
+                  <a:schemeClr val="accent1"/>
+                </a:solidFill>
+                <a:effectLst/>
+                <a:latin typeface="Menlo" panose="020B0609030804020204" pitchFamily="49" charset="0"/>
+              </a:rPr>
+              <a:t>uuid</a:t>
+            </a:r>
+            <a:r>
+              <a:rPr lang="en-US" sz="1600" b="0" dirty="0">
+                <a:solidFill>
+                  <a:schemeClr val="accent1"/>
+                </a:solidFill>
+                <a:effectLst/>
+                <a:latin typeface="Menlo" panose="020B0609030804020204" pitchFamily="49" charset="0"/>
+              </a:rPr>
+              <a:t>": "F9F5DC58-9431-4519-82CF-2BBFF40796E9"</a:t>
+            </a:r>
+            <a:r>
+              <a:rPr lang="en-US" sz="1600" b="0" dirty="0">
+                <a:effectLst/>
+                <a:latin typeface="Menlo" panose="020B0609030804020204" pitchFamily="49" charset="0"/>
+              </a:rPr>
+              <a:t>, "type": "Subject", "</a:t>
+            </a:r>
+            <a:r>
+              <a:rPr lang="en-US" sz="1600" b="0" dirty="0" err="1">
+                <a:effectLst/>
+                <a:latin typeface="Menlo" panose="020B0609030804020204" pitchFamily="49" charset="0"/>
+              </a:rPr>
+              <a:t>n_attrbiute</a:t>
+            </a:r>
+            <a:r>
+              <a:rPr lang="en-US" sz="1600" b="0" dirty="0">
+                <a:effectLst/>
+                <a:latin typeface="Menlo" panose="020B0609030804020204" pitchFamily="49" charset="0"/>
+              </a:rPr>
+              <a:t>": {"</a:t>
+            </a:r>
+            <a:r>
+              <a:rPr lang="en-US" sz="1600" b="0" dirty="0" err="1">
+                <a:effectLst/>
+                <a:latin typeface="Menlo" panose="020B0609030804020204" pitchFamily="49" charset="0"/>
+              </a:rPr>
+              <a:t>cmdline</a:t>
+            </a:r>
+            <a:r>
+              <a:rPr lang="en-US" sz="1600" b="0" dirty="0">
+                <a:effectLst/>
+                <a:latin typeface="Menlo" panose="020B0609030804020204" pitchFamily="49" charset="0"/>
+              </a:rPr>
+              <a:t>": "None", "type": "SUBJECT_THREAD", "</a:t>
+            </a:r>
+            <a:r>
+              <a:rPr lang="en-US" sz="1600" b="0" dirty="0" err="1">
+                <a:effectLst/>
+                <a:latin typeface="Menlo" panose="020B0609030804020204" pitchFamily="49" charset="0"/>
+              </a:rPr>
+              <a:t>pid</a:t>
+            </a:r>
+            <a:r>
+              <a:rPr lang="en-US" sz="1600" b="0" dirty="0">
+                <a:effectLst/>
+                <a:latin typeface="Menlo" panose="020B0609030804020204" pitchFamily="49" charset="0"/>
+              </a:rPr>
+              <a:t>": 8920}}, </a:t>
+            </a:r>
+            <a:r>
+              <a:rPr lang="en-US" sz="1600" b="0" dirty="0">
+                <a:solidFill>
+                  <a:schemeClr val="accent1"/>
+                </a:solidFill>
+                <a:effectLst/>
+                <a:latin typeface="Menlo" panose="020B0609030804020204" pitchFamily="49" charset="0"/>
+              </a:rPr>
+              <a:t>"relation": "EVENT_WRITE"</a:t>
+            </a:r>
+            <a:r>
+              <a:rPr lang="en-US" sz="1600" b="0" dirty="0">
+                <a:effectLst/>
+                <a:latin typeface="Menlo" panose="020B0609030804020204" pitchFamily="49" charset="0"/>
+              </a:rPr>
+              <a:t>, "obj": {</a:t>
+            </a:r>
+            <a:r>
+              <a:rPr lang="en-US" sz="1600" b="0" dirty="0">
+                <a:solidFill>
+                  <a:schemeClr val="accent1"/>
+                </a:solidFill>
+                <a:effectLst/>
+                <a:latin typeface="Menlo" panose="020B0609030804020204" pitchFamily="49" charset="0"/>
+              </a:rPr>
+              <a:t>"</a:t>
+            </a:r>
+            <a:r>
+              <a:rPr lang="en-US" sz="1600" b="0" dirty="0" err="1">
+                <a:solidFill>
+                  <a:schemeClr val="accent1"/>
+                </a:solidFill>
+                <a:effectLst/>
+                <a:latin typeface="Menlo" panose="020B0609030804020204" pitchFamily="49" charset="0"/>
+              </a:rPr>
+              <a:t>uuid</a:t>
+            </a:r>
+            <a:r>
+              <a:rPr lang="en-US" sz="1600" b="0" dirty="0">
+                <a:solidFill>
+                  <a:schemeClr val="accent1"/>
+                </a:solidFill>
+                <a:effectLst/>
+                <a:latin typeface="Menlo" panose="020B0609030804020204" pitchFamily="49" charset="0"/>
+              </a:rPr>
+              <a:t>": "F5D43721-2AD3-487C-B3DA-0A5D551FAE0D"</a:t>
+            </a:r>
+            <a:r>
+              <a:rPr lang="en-US" sz="1600" b="0" dirty="0">
+                <a:effectLst/>
+                <a:latin typeface="Menlo" panose="020B0609030804020204" pitchFamily="49" charset="0"/>
+              </a:rPr>
+              <a:t>, "type": "</a:t>
+            </a:r>
+            <a:r>
+              <a:rPr lang="en-US" sz="1600" b="0" dirty="0" err="1">
+                <a:effectLst/>
+                <a:latin typeface="Menlo" panose="020B0609030804020204" pitchFamily="49" charset="0"/>
+              </a:rPr>
+              <a:t>FileObject</a:t>
+            </a:r>
+            <a:r>
+              <a:rPr lang="en-US" sz="1600" b="0" dirty="0">
+                <a:effectLst/>
+                <a:latin typeface="Menlo" panose="020B0609030804020204" pitchFamily="49" charset="0"/>
+              </a:rPr>
+              <a:t>", "</a:t>
+            </a:r>
+            <a:r>
+              <a:rPr lang="en-US" sz="1600" b="0" dirty="0" err="1">
+                <a:effectLst/>
+                <a:latin typeface="Menlo" panose="020B0609030804020204" pitchFamily="49" charset="0"/>
+              </a:rPr>
+              <a:t>n_attrbiute</a:t>
+            </a:r>
+            <a:r>
+              <a:rPr lang="en-US" sz="1600" b="0" dirty="0">
+                <a:effectLst/>
+                <a:latin typeface="Menlo" panose="020B0609030804020204" pitchFamily="49" charset="0"/>
+              </a:rPr>
+              <a:t>": {"</a:t>
+            </a:r>
+            <a:r>
+              <a:rPr lang="en-US" sz="1600" b="0" dirty="0" err="1">
+                <a:effectLst/>
+                <a:latin typeface="Menlo" panose="020B0609030804020204" pitchFamily="49" charset="0"/>
+              </a:rPr>
+              <a:t>filepath</a:t>
+            </a:r>
+            <a:r>
+              <a:rPr lang="en-US" sz="1600" b="0" dirty="0">
+                <a:effectLst/>
+                <a:latin typeface="Menlo" panose="020B0609030804020204" pitchFamily="49" charset="0"/>
+              </a:rPr>
+              <a:t>": "\\Device\\HarddiskVolume2\\</a:t>
+            </a:r>
+            <a:r>
+              <a:rPr lang="en-US" sz="1600" b="0" dirty="0" err="1">
+                <a:effectLst/>
+                <a:latin typeface="Menlo" panose="020B0609030804020204" pitchFamily="49" charset="0"/>
+              </a:rPr>
+              <a:t>ProgramData</a:t>
+            </a:r>
+            <a:r>
+              <a:rPr lang="en-US" sz="1600" b="0" dirty="0">
+                <a:effectLst/>
+                <a:latin typeface="Menlo" panose="020B0609030804020204" pitchFamily="49" charset="0"/>
+              </a:rPr>
+              <a:t>\\Microsoft\\Windows Defender\\Network Inspection System\\Support\\</a:t>
+            </a:r>
+            <a:r>
+              <a:rPr lang="en-US" sz="1600" b="0" dirty="0" err="1">
+                <a:effectLst/>
+                <a:latin typeface="Menlo" panose="020B0609030804020204" pitchFamily="49" charset="0"/>
+              </a:rPr>
+              <a:t>NisLog.txt</a:t>
+            </a:r>
+            <a:r>
+              <a:rPr lang="en-US" sz="1600" b="0" dirty="0">
+                <a:effectLst/>
+                <a:latin typeface="Menlo" panose="020B0609030804020204" pitchFamily="49" charset="0"/>
+              </a:rPr>
+              <a:t>"}}, "timestamp": 1523295276588000000, </a:t>
+            </a:r>
+            <a:r>
+              <a:rPr lang="en-US" sz="1600" b="0" dirty="0">
+                <a:solidFill>
+                  <a:schemeClr val="accent1"/>
+                </a:solidFill>
+                <a:effectLst/>
+                <a:latin typeface="Menlo" panose="020B0609030804020204" pitchFamily="49" charset="0"/>
+              </a:rPr>
+              <a:t>"label": "benign"</a:t>
+            </a:r>
+            <a:r>
+              <a:rPr lang="en-US" sz="1600" b="0" dirty="0">
+                <a:effectLst/>
+                <a:latin typeface="Menlo" panose="020B0609030804020204" pitchFamily="49" charset="0"/>
+              </a:rPr>
+              <a:t>}</a:t>
+            </a:r>
+          </a:p>
+          <a:p>
+            <a:pPr lvl="1">
+              <a:lnSpc>
+                <a:spcPct val="110000"/>
+              </a:lnSpc>
+            </a:pPr>
+            <a:endParaRPr lang="en-US" sz="1600" b="0" dirty="0">
+              <a:effectLst/>
+              <a:latin typeface="Menlo" panose="020B0609030804020204" pitchFamily="49" charset="0"/>
+            </a:endParaRPr>
+          </a:p>
+          <a:p>
+            <a:pPr>
+              <a:lnSpc>
+                <a:spcPct val="110000"/>
+              </a:lnSpc>
+            </a:pPr>
+            <a:r>
+              <a:rPr lang="en-US" sz="2000" dirty="0">
+                <a:latin typeface="Menlo" panose="020B0609030804020204" pitchFamily="49" charset="0"/>
+              </a:rPr>
+              <a:t>Final Format:</a:t>
+            </a:r>
+          </a:p>
+          <a:p>
+            <a:pPr lvl="1">
+              <a:lnSpc>
+                <a:spcPct val="110000"/>
+              </a:lnSpc>
+            </a:pPr>
+            <a:r>
+              <a:rPr lang="en-US" sz="1600" dirty="0">
+                <a:latin typeface="Menlo" panose="020B0609030804020204" pitchFamily="49" charset="0"/>
+              </a:rPr>
+              <a:t>Encode the </a:t>
+            </a:r>
+            <a:r>
+              <a:rPr lang="en-US" sz="1600" dirty="0">
+                <a:solidFill>
+                  <a:schemeClr val="accent1"/>
+                </a:solidFill>
+                <a:latin typeface="Menlo" panose="020B0609030804020204" pitchFamily="49" charset="0"/>
+              </a:rPr>
+              <a:t>subj </a:t>
+            </a:r>
+            <a:r>
+              <a:rPr lang="en-US" sz="1600" dirty="0" err="1">
+                <a:solidFill>
+                  <a:schemeClr val="accent1"/>
+                </a:solidFill>
+                <a:latin typeface="Menlo" panose="020B0609030804020204" pitchFamily="49" charset="0"/>
+              </a:rPr>
+              <a:t>uuid</a:t>
+            </a:r>
+            <a:r>
+              <a:rPr lang="en-US" sz="1600" dirty="0">
+                <a:solidFill>
+                  <a:schemeClr val="accent1"/>
+                </a:solidFill>
+                <a:latin typeface="Menlo" panose="020B0609030804020204" pitchFamily="49" charset="0"/>
+              </a:rPr>
+              <a:t>, relation, obj </a:t>
+            </a:r>
+            <a:r>
+              <a:rPr lang="en-US" sz="1600" dirty="0" err="1">
+                <a:solidFill>
+                  <a:schemeClr val="accent1"/>
+                </a:solidFill>
+                <a:latin typeface="Menlo" panose="020B0609030804020204" pitchFamily="49" charset="0"/>
+              </a:rPr>
+              <a:t>uuid</a:t>
+            </a:r>
+            <a:r>
+              <a:rPr lang="en-US" sz="1600" dirty="0">
+                <a:latin typeface="Menlo" panose="020B0609030804020204" pitchFamily="49" charset="0"/>
+              </a:rPr>
+              <a:t> and combine them with the </a:t>
+            </a:r>
+            <a:r>
+              <a:rPr lang="en-US" sz="1600" dirty="0">
+                <a:solidFill>
+                  <a:schemeClr val="accent1"/>
+                </a:solidFill>
+                <a:latin typeface="Menlo" panose="020B0609030804020204" pitchFamily="49" charset="0"/>
+              </a:rPr>
+              <a:t>label</a:t>
+            </a:r>
+          </a:p>
+          <a:p>
+            <a:pPr lvl="1">
+              <a:lnSpc>
+                <a:spcPct val="110000"/>
+              </a:lnSpc>
+            </a:pPr>
+            <a:r>
+              <a:rPr lang="en-US" sz="1600" dirty="0">
+                <a:latin typeface="Menlo" panose="020B0609030804020204" pitchFamily="49" charset="0"/>
+              </a:rPr>
+              <a:t>Keep the mapping information into 2 mapping file</a:t>
+            </a:r>
+          </a:p>
+          <a:p>
+            <a:pPr lvl="1">
+              <a:lnSpc>
+                <a:spcPct val="110000"/>
+              </a:lnSpc>
+            </a:pPr>
+            <a:r>
+              <a:rPr lang="en-US" sz="1600" dirty="0">
+                <a:latin typeface="Menlo" panose="020B0609030804020204" pitchFamily="49" charset="0"/>
+              </a:rPr>
+              <a:t>a is attack; b is benign</a:t>
+            </a:r>
+          </a:p>
+          <a:p>
+            <a:pPr lvl="1">
+              <a:lnSpc>
+                <a:spcPct val="110000"/>
+              </a:lnSpc>
+            </a:pPr>
+            <a:endParaRPr lang="en-US" sz="1600" dirty="0">
+              <a:latin typeface="Menlo" panose="020B0609030804020204" pitchFamily="49" charset="0"/>
+            </a:endParaRPr>
+          </a:p>
+          <a:p>
+            <a:pPr lvl="1">
+              <a:lnSpc>
+                <a:spcPct val="110000"/>
+              </a:lnSpc>
+            </a:pPr>
+            <a:endParaRPr lang="en-US" sz="1600" b="0" dirty="0">
+              <a:effectLst/>
+              <a:latin typeface="Menlo" panose="020B0609030804020204" pitchFamily="49" charset="0"/>
+            </a:endParaRPr>
+          </a:p>
+          <a:p>
+            <a:pPr lvl="1">
+              <a:lnSpc>
+                <a:spcPct val="110000"/>
+              </a:lnSpc>
+            </a:pPr>
+            <a:endParaRPr lang="en-TW" dirty="0"/>
+          </a:p>
+        </p:txBody>
+      </p:sp>
+      <p:pic>
+        <p:nvPicPr>
+          <p:cNvPr id="7" name="Picture 6">
+            <a:extLst>
+              <a:ext uri="{FF2B5EF4-FFF2-40B4-BE49-F238E27FC236}">
+                <a16:creationId xmlns:a16="http://schemas.microsoft.com/office/drawing/2014/main" id="{06157197-3844-95AE-AEA2-2BC7B4F830B3}"/>
+              </a:ext>
+            </a:extLst>
+          </p:cNvPr>
+          <p:cNvPicPr>
+            <a:picLocks noChangeAspect="1"/>
+          </p:cNvPicPr>
+          <p:nvPr/>
+        </p:nvPicPr>
+        <p:blipFill>
+          <a:blip r:embed="rId3"/>
+          <a:stretch>
+            <a:fillRect/>
+          </a:stretch>
+        </p:blipFill>
+        <p:spPr>
+          <a:xfrm>
+            <a:off x="8269015" y="5365524"/>
+            <a:ext cx="2133600" cy="863600"/>
+          </a:xfrm>
+          <a:prstGeom prst="rect">
+            <a:avLst/>
+          </a:prstGeom>
+        </p:spPr>
+      </p:pic>
     </p:spTree>
     <p:extLst>
       <p:ext uri="{BB962C8B-B14F-4D97-AF65-F5344CB8AC3E}">
-        <p14:creationId xmlns:p14="http://schemas.microsoft.com/office/powerpoint/2010/main" val="4002597979"/>
+        <p14:creationId xmlns:p14="http://schemas.microsoft.com/office/powerpoint/2010/main" val="2482734758"/>
       </p:ext>
     </p:extLst>
   </p:cSld>
@@ -10312,32 +10793,36 @@
           <p:cNvPr id="2" name="Title 1">
             <a:extLst>
               <a:ext uri="{FF2B5EF4-FFF2-40B4-BE49-F238E27FC236}">
-                <a16:creationId xmlns:a16="http://schemas.microsoft.com/office/drawing/2014/main" id="{2B533BED-E48C-5E7F-2273-C55CCE98516B}"/>
-              </a:ext>
-            </a:extLst>
-          </p:cNvPr>
-          <p:cNvSpPr>
-            <a:spLocks noGrp="1"/>
-          </p:cNvSpPr>
-          <p:nvPr>
-            <p:ph type="title"/>
+                <a16:creationId xmlns:a16="http://schemas.microsoft.com/office/drawing/2014/main" id="{2D1F1D5D-BC21-FE6C-199A-114DD8A93B70}"/>
+              </a:ext>
+            </a:extLst>
+          </p:cNvPr>
+          <p:cNvSpPr>
+            <a:spLocks noGrp="1"/>
+          </p:cNvSpPr>
+          <p:nvPr>
+            <p:ph type="ctrTitle"/>
           </p:nvPr>
         </p:nvSpPr>
         <p:spPr>
           <a:xfrm>
-            <a:off x="432987" y="194991"/>
-            <a:ext cx="10515600" cy="1325563"/>
+            <a:off x="1524000" y="1566037"/>
+            <a:ext cx="9144000" cy="2387600"/>
           </a:xfrm>
         </p:spPr>
         <p:txBody>
           <a:bodyPr/>
           <a:lstStyle/>
           <a:p>
-            <a:r>
-              <a:rPr lang="en-US" b="1" dirty="0"/>
-              <a:t>Conclusion</a:t>
-            </a:r>
-            <a:endParaRPr lang="en-TW" b="1" dirty="0"/>
+            <a:pPr>
+              <a:lnSpc>
+                <a:spcPct val="110000"/>
+              </a:lnSpc>
+            </a:pPr>
+            <a:r>
+              <a:rPr lang="en-TW" b="1" dirty="0"/>
+              <a:t>Future Work</a:t>
+            </a:r>
           </a:p>
         </p:txBody>
       </p:sp>
@@ -10346,7 +10831,7 @@
           <p:cNvPr id="4" name="Slide Number Placeholder 3">
             <a:extLst>
               <a:ext uri="{FF2B5EF4-FFF2-40B4-BE49-F238E27FC236}">
-                <a16:creationId xmlns:a16="http://schemas.microsoft.com/office/drawing/2014/main" id="{5CD44B9F-7DE8-0932-BD70-B0BA453E653B}"/>
+                <a16:creationId xmlns:a16="http://schemas.microsoft.com/office/drawing/2014/main" id="{2BC4D631-FD05-0882-9331-7401BF92027E}"/>
               </a:ext>
             </a:extLst>
           </p:cNvPr>
@@ -10366,50 +10851,14 @@
               <a:rPr lang="en-TW" smtClean="0"/>
               <a:t>21</a:t>
             </a:fld>
-            <a:endParaRPr lang="en-TW" dirty="0"/>
-          </a:p>
-        </p:txBody>
-      </p:sp>
-      <p:sp>
-        <p:nvSpPr>
-          <p:cNvPr id="3" name="TextBox 2">
-            <a:extLst>
-              <a:ext uri="{FF2B5EF4-FFF2-40B4-BE49-F238E27FC236}">
-                <a16:creationId xmlns:a16="http://schemas.microsoft.com/office/drawing/2014/main" id="{3D07C7E7-4466-87F5-62F2-A7C92A17C754}"/>
-              </a:ext>
-            </a:extLst>
-          </p:cNvPr>
-          <p:cNvSpPr txBox="1"/>
-          <p:nvPr/>
-        </p:nvSpPr>
-        <p:spPr>
-          <a:xfrm>
-            <a:off x="602489" y="1409341"/>
-            <a:ext cx="11268761" cy="461665"/>
-          </a:xfrm>
-          <a:prstGeom prst="rect">
-            <a:avLst/>
-          </a:prstGeom>
-          <a:noFill/>
-        </p:spPr>
-        <p:txBody>
-          <a:bodyPr wrap="square" rtlCol="0">
-            <a:spAutoFit/>
-          </a:bodyPr>
-          <a:lstStyle/>
-          <a:p>
-            <a:pPr marL="342900" indent="-342900">
-              <a:buFont typeface="Arial" panose="020B0604020202020204" pitchFamily="34" charset="0"/>
-              <a:buChar char="•"/>
-            </a:pPr>
-            <a:endParaRPr lang="en-US" sz="2400" dirty="0"/>
+            <a:endParaRPr lang="en-TW"/>
           </a:p>
         </p:txBody>
       </p:sp>
     </p:spTree>
     <p:extLst>
       <p:ext uri="{BB962C8B-B14F-4D97-AF65-F5344CB8AC3E}">
-        <p14:creationId xmlns:p14="http://schemas.microsoft.com/office/powerpoint/2010/main" val="2265771619"/>
+        <p14:creationId xmlns:p14="http://schemas.microsoft.com/office/powerpoint/2010/main" val="2403544732"/>
       </p:ext>
     </p:extLst>
   </p:cSld>
@@ -10453,25 +10902,126 @@
           <p:cNvPr id="2" name="Title 1">
             <a:extLst>
               <a:ext uri="{FF2B5EF4-FFF2-40B4-BE49-F238E27FC236}">
-                <a16:creationId xmlns:a16="http://schemas.microsoft.com/office/drawing/2014/main" id="{2D1F1D5D-BC21-FE6C-199A-114DD8A93B70}"/>
-              </a:ext>
-            </a:extLst>
-          </p:cNvPr>
-          <p:cNvSpPr>
-            <a:spLocks noGrp="1"/>
-          </p:cNvSpPr>
-          <p:nvPr>
-            <p:ph type="ctrTitle"/>
+                <a16:creationId xmlns:a16="http://schemas.microsoft.com/office/drawing/2014/main" id="{2B533BED-E48C-5E7F-2273-C55CCE98516B}"/>
+              </a:ext>
+            </a:extLst>
+          </p:cNvPr>
+          <p:cNvSpPr>
+            <a:spLocks noGrp="1"/>
+          </p:cNvSpPr>
+          <p:nvPr>
+            <p:ph type="title"/>
           </p:nvPr>
         </p:nvSpPr>
         <p:spPr>
           <a:xfrm>
-            <a:off x="1524000" y="1566037"/>
-            <a:ext cx="9144000" cy="2387600"/>
+            <a:off x="432987" y="194991"/>
+            <a:ext cx="10515600" cy="1325563"/>
           </a:xfrm>
         </p:spPr>
         <p:txBody>
           <a:bodyPr/>
+          <a:lstStyle/>
+          <a:p>
+            <a:r>
+              <a:rPr lang="en-US" b="1" dirty="0"/>
+              <a:t>Future Work</a:t>
+            </a:r>
+            <a:endParaRPr lang="en-TW" b="1" dirty="0"/>
+          </a:p>
+        </p:txBody>
+      </p:sp>
+      <p:sp>
+        <p:nvSpPr>
+          <p:cNvPr id="4" name="Slide Number Placeholder 3">
+            <a:extLst>
+              <a:ext uri="{FF2B5EF4-FFF2-40B4-BE49-F238E27FC236}">
+                <a16:creationId xmlns:a16="http://schemas.microsoft.com/office/drawing/2014/main" id="{5CD44B9F-7DE8-0932-BD70-B0BA453E653B}"/>
+              </a:ext>
+            </a:extLst>
+          </p:cNvPr>
+          <p:cNvSpPr>
+            <a:spLocks noGrp="1"/>
+          </p:cNvSpPr>
+          <p:nvPr>
+            <p:ph type="sldNum" sz="quarter" idx="12"/>
+          </p:nvPr>
+        </p:nvSpPr>
+        <p:spPr/>
+        <p:txBody>
+          <a:bodyPr/>
+          <a:lstStyle/>
+          <a:p>
+            <a:fld id="{DB156E10-B3DB-CB42-894C-E44038C8B0C4}" type="slidenum">
+              <a:rPr lang="en-TW" smtClean="0"/>
+              <a:t>22</a:t>
+            </a:fld>
+            <a:endParaRPr lang="en-TW" dirty="0"/>
+          </a:p>
+        </p:txBody>
+      </p:sp>
+      <p:sp>
+        <p:nvSpPr>
+          <p:cNvPr id="3" name="TextBox 2">
+            <a:extLst>
+              <a:ext uri="{FF2B5EF4-FFF2-40B4-BE49-F238E27FC236}">
+                <a16:creationId xmlns:a16="http://schemas.microsoft.com/office/drawing/2014/main" id="{3D07C7E7-4466-87F5-62F2-A7C92A17C754}"/>
+              </a:ext>
+            </a:extLst>
+          </p:cNvPr>
+          <p:cNvSpPr txBox="1"/>
+          <p:nvPr/>
+        </p:nvSpPr>
+        <p:spPr>
+          <a:xfrm>
+            <a:off x="592215" y="1452242"/>
+            <a:ext cx="11268761" cy="461665"/>
+          </a:xfrm>
+          <a:prstGeom prst="rect">
+            <a:avLst/>
+          </a:prstGeom>
+          <a:noFill/>
+        </p:spPr>
+        <p:txBody>
+          <a:bodyPr wrap="square" rtlCol="0">
+            <a:spAutoFit/>
+          </a:bodyPr>
+          <a:lstStyle/>
+          <a:p>
+            <a:pPr marL="342900" indent="-342900">
+              <a:buFont typeface="Arial" panose="020B0604020202020204" pitchFamily="34" charset="0"/>
+              <a:buChar char="•"/>
+            </a:pPr>
+            <a:endParaRPr lang="en-US" sz="2400" dirty="0"/>
+          </a:p>
+        </p:txBody>
+      </p:sp>
+      <p:sp>
+        <p:nvSpPr>
+          <p:cNvPr id="5" name="Content Placeholder 2">
+            <a:extLst>
+              <a:ext uri="{FF2B5EF4-FFF2-40B4-BE49-F238E27FC236}">
+                <a16:creationId xmlns:a16="http://schemas.microsoft.com/office/drawing/2014/main" id="{84E53C02-6F93-0118-7A71-361D086DD9D9}"/>
+              </a:ext>
+            </a:extLst>
+          </p:cNvPr>
+          <p:cNvSpPr>
+            <a:spLocks noGrp="1"/>
+          </p:cNvSpPr>
+          <p:nvPr>
+            <p:ph idx="1"/>
+          </p:nvPr>
+        </p:nvSpPr>
+        <p:spPr>
+          <a:xfrm>
+            <a:off x="695678" y="1584061"/>
+            <a:ext cx="10800644" cy="4832880"/>
+          </a:xfrm>
+        </p:spPr>
+        <p:txBody>
+          <a:bodyPr>
+            <a:normAutofit/>
+          </a:bodyPr>
           <a:lstStyle/>
           <a:p>
             <a:pPr>
@@ -10480,45 +11030,98 @@
               </a:lnSpc>
             </a:pPr>
             <a:r>
-              <a:rPr lang="en-TW" b="1" dirty="0"/>
-              <a:t>Future Work</a:t>
-            </a:r>
-          </a:p>
-        </p:txBody>
-      </p:sp>
-      <p:sp>
-        <p:nvSpPr>
-          <p:cNvPr id="4" name="Slide Number Placeholder 3">
-            <a:extLst>
-              <a:ext uri="{FF2B5EF4-FFF2-40B4-BE49-F238E27FC236}">
-                <a16:creationId xmlns:a16="http://schemas.microsoft.com/office/drawing/2014/main" id="{2BC4D631-FD05-0882-9331-7401BF92027E}"/>
-              </a:ext>
-            </a:extLst>
-          </p:cNvPr>
-          <p:cNvSpPr>
-            <a:spLocks noGrp="1"/>
-          </p:cNvSpPr>
-          <p:nvPr>
-            <p:ph type="sldNum" sz="quarter" idx="12"/>
-          </p:nvPr>
-        </p:nvSpPr>
-        <p:spPr/>
-        <p:txBody>
-          <a:bodyPr/>
-          <a:lstStyle/>
-          <a:p>
-            <a:fld id="{DB156E10-B3DB-CB42-894C-E44038C8B0C4}" type="slidenum">
-              <a:rPr lang="en-TW" smtClean="0"/>
-              <a:t>22</a:t>
-            </a:fld>
-            <a:endParaRPr lang="en-TW"/>
+              <a:rPr lang="en-US" dirty="0"/>
+              <a:t>Figure out why the model can detect the </a:t>
+            </a:r>
+            <a:r>
+              <a:rPr lang="en-US" b="1" dirty="0"/>
+              <a:t>T1518_c9b </a:t>
+            </a:r>
+            <a:r>
+              <a:rPr lang="en-US" dirty="0"/>
+              <a:t>(if available?)</a:t>
+            </a:r>
+            <a:endParaRPr lang="en-TW" dirty="0"/>
+          </a:p>
+          <a:p>
+            <a:pPr lvl="1">
+              <a:lnSpc>
+                <a:spcPct val="110000"/>
+              </a:lnSpc>
+            </a:pPr>
+            <a:r>
+              <a:rPr lang="en-US" dirty="0"/>
+              <a:t>I</a:t>
+            </a:r>
+            <a:r>
+              <a:rPr lang="en-TW" dirty="0"/>
+              <a:t>s the label overlap or not overlap at all with other labels</a:t>
+            </a:r>
+          </a:p>
+          <a:p>
+            <a:pPr>
+              <a:lnSpc>
+                <a:spcPct val="110000"/>
+              </a:lnSpc>
+            </a:pPr>
+            <a:r>
+              <a:rPr lang="en-TW" dirty="0"/>
+              <a:t>Figure out what the model really predict about</a:t>
+            </a:r>
+          </a:p>
+          <a:p>
+            <a:pPr lvl="1">
+              <a:lnSpc>
+                <a:spcPct val="110000"/>
+              </a:lnSpc>
+            </a:pPr>
+            <a:r>
+              <a:rPr lang="en-US" dirty="0"/>
+              <a:t>Observe the real data in the original form (</a:t>
+            </a:r>
+            <a:r>
+              <a:rPr lang="en-US" dirty="0">
+                <a:sym typeface="Wingdings" pitchFamily="2" charset="2"/>
+              </a:rPr>
+              <a:t>before embedding)</a:t>
+            </a:r>
+          </a:p>
+          <a:p>
+            <a:pPr lvl="1">
+              <a:lnSpc>
+                <a:spcPct val="110000"/>
+              </a:lnSpc>
+            </a:pPr>
+            <a:endParaRPr lang="en-US" dirty="0"/>
+          </a:p>
+          <a:p>
+            <a:pPr>
+              <a:lnSpc>
+                <a:spcPct val="110000"/>
+              </a:lnSpc>
+            </a:pPr>
+            <a:r>
+              <a:rPr lang="en-US" dirty="0"/>
+              <a:t>Run the training of the DAPRA dataset</a:t>
+            </a:r>
+          </a:p>
+          <a:p>
+            <a:pPr>
+              <a:lnSpc>
+                <a:spcPct val="110000"/>
+              </a:lnSpc>
+            </a:pPr>
+            <a:r>
+              <a:rPr lang="en-TW" dirty="0"/>
+              <a:t>GraphSMOTE</a:t>
+            </a:r>
           </a:p>
         </p:txBody>
       </p:sp>
     </p:spTree>
     <p:extLst>
       <p:ext uri="{BB962C8B-B14F-4D97-AF65-F5344CB8AC3E}">
-        <p14:creationId xmlns:p14="http://schemas.microsoft.com/office/powerpoint/2010/main" val="2403544732"/>
+        <p14:creationId xmlns:p14="http://schemas.microsoft.com/office/powerpoint/2010/main" val="2265771619"/>
       </p:ext>
     </p:extLst>
   </p:cSld>
@@ -10559,162 +11162,10 @@
       </p:grpSpPr>
       <p:sp>
         <p:nvSpPr>
-          <p:cNvPr id="2" name="Title 1">
-            <a:extLst>
-              <a:ext uri="{FF2B5EF4-FFF2-40B4-BE49-F238E27FC236}">
-                <a16:creationId xmlns:a16="http://schemas.microsoft.com/office/drawing/2014/main" id="{2B533BED-E48C-5E7F-2273-C55CCE98516B}"/>
-              </a:ext>
-            </a:extLst>
-          </p:cNvPr>
-          <p:cNvSpPr>
-            <a:spLocks noGrp="1"/>
-          </p:cNvSpPr>
-          <p:nvPr>
-            <p:ph type="title"/>
-          </p:nvPr>
-        </p:nvSpPr>
-        <p:spPr>
-          <a:xfrm>
-            <a:off x="374904" y="319088"/>
-            <a:ext cx="10515600" cy="1325563"/>
-          </a:xfrm>
-        </p:spPr>
-        <p:txBody>
-          <a:bodyPr/>
-          <a:lstStyle/>
-          <a:p>
-            <a:r>
-              <a:rPr lang="en-TW" b="1" dirty="0"/>
-              <a:t>Future Work</a:t>
-            </a:r>
-          </a:p>
-        </p:txBody>
-      </p:sp>
-      <p:sp>
-        <p:nvSpPr>
-          <p:cNvPr id="3" name="Content Placeholder 2">
-            <a:extLst>
-              <a:ext uri="{FF2B5EF4-FFF2-40B4-BE49-F238E27FC236}">
-                <a16:creationId xmlns:a16="http://schemas.microsoft.com/office/drawing/2014/main" id="{25B0A74B-6281-327F-44E6-1E41A778AF7E}"/>
-              </a:ext>
-            </a:extLst>
-          </p:cNvPr>
-          <p:cNvSpPr>
-            <a:spLocks noGrp="1"/>
-          </p:cNvSpPr>
-          <p:nvPr>
-            <p:ph idx="1"/>
-          </p:nvPr>
-        </p:nvSpPr>
-        <p:spPr>
-          <a:xfrm>
-            <a:off x="695678" y="1584061"/>
-            <a:ext cx="10800644" cy="4832880"/>
-          </a:xfrm>
-        </p:spPr>
-        <p:txBody>
-          <a:bodyPr>
-            <a:normAutofit/>
-          </a:bodyPr>
-          <a:lstStyle/>
-          <a:p>
-            <a:pPr>
-              <a:lnSpc>
-                <a:spcPct val="110000"/>
-              </a:lnSpc>
-            </a:pPr>
-            <a:r>
-              <a:rPr lang="en-TW" b="1" dirty="0"/>
-              <a:t>GNN</a:t>
-            </a:r>
-          </a:p>
-          <a:p>
-            <a:pPr lvl="1">
-              <a:lnSpc>
-                <a:spcPct val="110000"/>
-              </a:lnSpc>
-            </a:pPr>
-            <a:r>
-              <a:rPr lang="en-US" dirty="0"/>
-              <a:t>Try some other methods to improve the performance of single triplet issue</a:t>
-            </a:r>
-          </a:p>
-          <a:p>
-            <a:pPr lvl="2">
-              <a:lnSpc>
-                <a:spcPct val="110000"/>
-              </a:lnSpc>
-            </a:pPr>
-            <a:r>
-              <a:rPr lang="en-US" dirty="0"/>
-              <a:t>Figure out why the model can detect the </a:t>
-            </a:r>
-            <a:r>
-              <a:rPr lang="en-US" sz="2000" b="1" dirty="0"/>
-              <a:t>T1518_c9b </a:t>
-            </a:r>
-            <a:r>
-              <a:rPr lang="en-US" sz="2000" dirty="0"/>
-              <a:t>(if available?)</a:t>
-            </a:r>
-            <a:endParaRPr lang="en-TW" dirty="0"/>
-          </a:p>
-          <a:p>
-            <a:pPr lvl="2">
-              <a:lnSpc>
-                <a:spcPct val="110000"/>
-              </a:lnSpc>
-            </a:pPr>
-            <a:r>
-              <a:rPr lang="en-TW" dirty="0"/>
-              <a:t>Read the </a:t>
-            </a:r>
-            <a:r>
-              <a:rPr lang="en-TW" b="1" dirty="0"/>
-              <a:t>GraphSMOTE</a:t>
-            </a:r>
-            <a:r>
-              <a:rPr lang="en-TW" dirty="0"/>
-              <a:t> paper</a:t>
-            </a:r>
-            <a:endParaRPr lang="en-US" dirty="0"/>
-          </a:p>
-          <a:p>
-            <a:pPr lvl="2">
-              <a:lnSpc>
-                <a:spcPct val="110000"/>
-              </a:lnSpc>
-            </a:pPr>
-            <a:endParaRPr lang="en-US" dirty="0"/>
-          </a:p>
-          <a:p>
-            <a:pPr lvl="2">
-              <a:lnSpc>
-                <a:spcPct val="110000"/>
-              </a:lnSpc>
-            </a:pPr>
-            <a:endParaRPr lang="en-US" dirty="0"/>
-          </a:p>
-          <a:p>
-            <a:pPr>
-              <a:lnSpc>
-                <a:spcPct val="110000"/>
-              </a:lnSpc>
-            </a:pPr>
-            <a:r>
-              <a:rPr lang="en-US" dirty="0"/>
-              <a:t>Do the experiment of the DAPRA dataset</a:t>
-            </a:r>
-            <a:endParaRPr lang="en-TW" dirty="0"/>
-          </a:p>
-        </p:txBody>
-      </p:sp>
-      <p:sp>
-        <p:nvSpPr>
           <p:cNvPr id="4" name="Slide Number Placeholder 3">
             <a:extLst>
               <a:ext uri="{FF2B5EF4-FFF2-40B4-BE49-F238E27FC236}">
-                <a16:creationId xmlns:a16="http://schemas.microsoft.com/office/drawing/2014/main" id="{5CD44B9F-7DE8-0932-BD70-B0BA453E653B}"/>
+                <a16:creationId xmlns:a16="http://schemas.microsoft.com/office/drawing/2014/main" id="{2BC4D631-FD05-0882-9331-7401BF92027E}"/>
               </a:ext>
             </a:extLst>
           </p:cNvPr>
@@ -10738,10 +11189,43 @@
           </a:p>
         </p:txBody>
       </p:sp>
+      <p:sp>
+        <p:nvSpPr>
+          <p:cNvPr id="5" name="Title 4">
+            <a:extLst>
+              <a:ext uri="{FF2B5EF4-FFF2-40B4-BE49-F238E27FC236}">
+                <a16:creationId xmlns:a16="http://schemas.microsoft.com/office/drawing/2014/main" id="{FD89D94C-6796-FFAC-888D-5EC2B2407BC6}"/>
+              </a:ext>
+            </a:extLst>
+          </p:cNvPr>
+          <p:cNvSpPr>
+            <a:spLocks noGrp="1"/>
+          </p:cNvSpPr>
+          <p:nvPr>
+            <p:ph type="ctrTitle"/>
+          </p:nvPr>
+        </p:nvSpPr>
+        <p:spPr>
+          <a:xfrm>
+            <a:off x="1524000" y="1484970"/>
+            <a:ext cx="9144000" cy="2387600"/>
+          </a:xfrm>
+        </p:spPr>
+        <p:txBody>
+          <a:bodyPr/>
+          <a:lstStyle/>
+          <a:p>
+            <a:r>
+              <a:rPr lang="en-TW" b="1" dirty="0"/>
+              <a:t>Thanks!!</a:t>
+            </a:r>
+          </a:p>
+        </p:txBody>
+      </p:sp>
     </p:spTree>
     <p:extLst>
       <p:ext uri="{BB962C8B-B14F-4D97-AF65-F5344CB8AC3E}">
-        <p14:creationId xmlns:p14="http://schemas.microsoft.com/office/powerpoint/2010/main" val="2421199054"/>
+        <p14:creationId xmlns:p14="http://schemas.microsoft.com/office/powerpoint/2010/main" val="2872018066"/>
       </p:ext>
     </p:extLst>
   </p:cSld>
@@ -10837,7 +11321,7 @@
           <a:p>
             <a:r>
               <a:rPr lang="en-TW" b="1" dirty="0"/>
-              <a:t>Thanks!!</a:t>
+              <a:t>NOTE!!</a:t>
             </a:r>
           </a:p>
         </p:txBody>
@@ -10845,7 +11329,7 @@
     </p:spTree>
     <p:extLst>
       <p:ext uri="{BB962C8B-B14F-4D97-AF65-F5344CB8AC3E}">
-        <p14:creationId xmlns:p14="http://schemas.microsoft.com/office/powerpoint/2010/main" val="2872018066"/>
+        <p14:creationId xmlns:p14="http://schemas.microsoft.com/office/powerpoint/2010/main" val="3398430067"/>
       </p:ext>
     </p:extLst>
   </p:cSld>
@@ -10886,10 +11370,44 @@
       </p:grpSpPr>
       <p:sp>
         <p:nvSpPr>
+          <p:cNvPr id="2" name="Title 1">
+            <a:extLst>
+              <a:ext uri="{FF2B5EF4-FFF2-40B4-BE49-F238E27FC236}">
+                <a16:creationId xmlns:a16="http://schemas.microsoft.com/office/drawing/2014/main" id="{2B533BED-E48C-5E7F-2273-C55CCE98516B}"/>
+              </a:ext>
+            </a:extLst>
+          </p:cNvPr>
+          <p:cNvSpPr>
+            <a:spLocks noGrp="1"/>
+          </p:cNvSpPr>
+          <p:nvPr>
+            <p:ph type="title"/>
+          </p:nvPr>
+        </p:nvSpPr>
+        <p:spPr>
+          <a:xfrm>
+            <a:off x="432987" y="194991"/>
+            <a:ext cx="10515600" cy="1325563"/>
+          </a:xfrm>
+        </p:spPr>
+        <p:txBody>
+          <a:bodyPr/>
+          <a:lstStyle/>
+          <a:p>
+            <a:r>
+              <a:rPr lang="en-US" b="1" dirty="0"/>
+              <a:t>NOTE</a:t>
+            </a:r>
+            <a:endParaRPr lang="en-TW" b="1" dirty="0"/>
+          </a:p>
+        </p:txBody>
+      </p:sp>
+      <p:sp>
+        <p:nvSpPr>
           <p:cNvPr id="4" name="Slide Number Placeholder 3">
             <a:extLst>
               <a:ext uri="{FF2B5EF4-FFF2-40B4-BE49-F238E27FC236}">
-                <a16:creationId xmlns:a16="http://schemas.microsoft.com/office/drawing/2014/main" id="{2BC4D631-FD05-0882-9331-7401BF92027E}"/>
+                <a16:creationId xmlns:a16="http://schemas.microsoft.com/office/drawing/2014/main" id="{5CD44B9F-7DE8-0932-BD70-B0BA453E653B}"/>
               </a:ext>
             </a:extLst>
           </p:cNvPr>
@@ -10909,39 +11427,163 @@
               <a:rPr lang="en-TW" smtClean="0"/>
               <a:t>25</a:t>
             </a:fld>
-            <a:endParaRPr lang="en-TW"/>
-          </a:p>
-        </p:txBody>
-      </p:sp>
-      <p:sp>
-        <p:nvSpPr>
-          <p:cNvPr id="5" name="Title 4">
-            <a:extLst>
-              <a:ext uri="{FF2B5EF4-FFF2-40B4-BE49-F238E27FC236}">
-                <a16:creationId xmlns:a16="http://schemas.microsoft.com/office/drawing/2014/main" id="{FD89D94C-6796-FFAC-888D-5EC2B2407BC6}"/>
-              </a:ext>
-            </a:extLst>
-          </p:cNvPr>
-          <p:cNvSpPr>
-            <a:spLocks noGrp="1"/>
-          </p:cNvSpPr>
-          <p:nvPr>
-            <p:ph type="ctrTitle"/>
-          </p:nvPr>
+            <a:endParaRPr lang="en-TW" dirty="0"/>
+          </a:p>
+        </p:txBody>
+      </p:sp>
+      <p:sp>
+        <p:nvSpPr>
+          <p:cNvPr id="3" name="TextBox 2">
+            <a:extLst>
+              <a:ext uri="{FF2B5EF4-FFF2-40B4-BE49-F238E27FC236}">
+                <a16:creationId xmlns:a16="http://schemas.microsoft.com/office/drawing/2014/main" id="{3D07C7E7-4466-87F5-62F2-A7C92A17C754}"/>
+              </a:ext>
+            </a:extLst>
+          </p:cNvPr>
+          <p:cNvSpPr txBox="1"/>
+          <p:nvPr/>
         </p:nvSpPr>
         <p:spPr>
           <a:xfrm>
-            <a:off x="1524000" y="1484970"/>
-            <a:ext cx="9144000" cy="2387600"/>
+            <a:off x="592215" y="1452242"/>
+            <a:ext cx="11268761" cy="461665"/>
+          </a:xfrm>
+          <a:prstGeom prst="rect">
+            <a:avLst/>
+          </a:prstGeom>
+          <a:noFill/>
+        </p:spPr>
+        <p:txBody>
+          <a:bodyPr wrap="square" rtlCol="0">
+            <a:spAutoFit/>
+          </a:bodyPr>
+          <a:lstStyle/>
+          <a:p>
+            <a:pPr marL="342900" indent="-342900">
+              <a:buFont typeface="Arial" panose="020B0604020202020204" pitchFamily="34" charset="0"/>
+              <a:buChar char="•"/>
+            </a:pPr>
+            <a:endParaRPr lang="en-US" sz="2400" dirty="0"/>
+          </a:p>
+        </p:txBody>
+      </p:sp>
+      <p:sp>
+        <p:nvSpPr>
+          <p:cNvPr id="5" name="Content Placeholder 2">
+            <a:extLst>
+              <a:ext uri="{FF2B5EF4-FFF2-40B4-BE49-F238E27FC236}">
+                <a16:creationId xmlns:a16="http://schemas.microsoft.com/office/drawing/2014/main" id="{84E53C02-6F93-0118-7A71-361D086DD9D9}"/>
+              </a:ext>
+            </a:extLst>
+          </p:cNvPr>
+          <p:cNvSpPr>
+            <a:spLocks noGrp="1"/>
+          </p:cNvSpPr>
+          <p:nvPr>
+            <p:ph idx="1"/>
+          </p:nvPr>
+        </p:nvSpPr>
+        <p:spPr>
+          <a:xfrm>
+            <a:off x="695678" y="1584061"/>
+            <a:ext cx="10800644" cy="4832880"/>
           </a:xfrm>
         </p:spPr>
         <p:txBody>
-          <a:bodyPr/>
-          <a:lstStyle/>
-          <a:p>
-            <a:r>
-              <a:rPr lang="en-TW" b="1" dirty="0"/>
-              <a:t>Appendix</a:t>
+          <a:bodyPr>
+            <a:normAutofit/>
+          </a:bodyPr>
+          <a:lstStyle/>
+          <a:p>
+            <a:pPr>
+              <a:lnSpc>
+                <a:spcPct val="110000"/>
+              </a:lnSpc>
+            </a:pPr>
+            <a:r>
+              <a:rPr lang="en-TW" dirty="0"/>
+              <a:t>每次都要再複習一下問題點</a:t>
+            </a:r>
+          </a:p>
+          <a:p>
+            <a:pPr lvl="1">
+              <a:lnSpc>
+                <a:spcPct val="110000"/>
+              </a:lnSpc>
+            </a:pPr>
+            <a:r>
+              <a:rPr lang="en-US" dirty="0"/>
+              <a:t>Show </a:t>
+            </a:r>
+            <a:r>
+              <a:rPr lang="en-US" dirty="0" err="1"/>
+              <a:t>以前的數據等等</a:t>
+            </a:r>
+            <a:endParaRPr lang="en-US" dirty="0"/>
+          </a:p>
+          <a:p>
+            <a:pPr lvl="1">
+              <a:lnSpc>
+                <a:spcPct val="110000"/>
+              </a:lnSpc>
+            </a:pPr>
+            <a:r>
+              <a:rPr lang="en-US" dirty="0" err="1"/>
+              <a:t>為何要做現在這個實驗</a:t>
+            </a:r>
+            <a:endParaRPr lang="en-US" dirty="0"/>
+          </a:p>
+          <a:p>
+            <a:pPr lvl="1">
+              <a:lnSpc>
+                <a:spcPct val="110000"/>
+              </a:lnSpc>
+            </a:pPr>
+            <a:endParaRPr lang="en-US" dirty="0"/>
+          </a:p>
+          <a:p>
+            <a:pPr>
+              <a:lnSpc>
+                <a:spcPct val="110000"/>
+              </a:lnSpc>
+            </a:pPr>
+            <a:r>
+              <a:rPr lang="en-TW" dirty="0"/>
+              <a:t>圖表要清楚一點</a:t>
+            </a:r>
+          </a:p>
+          <a:p>
+            <a:pPr lvl="1">
+              <a:lnSpc>
+                <a:spcPct val="110000"/>
+              </a:lnSpc>
+            </a:pPr>
+            <a:r>
+              <a:rPr lang="en-US" dirty="0"/>
+              <a:t>X and</a:t>
+            </a:r>
+            <a:r>
+              <a:rPr lang="en-TW" dirty="0"/>
+              <a:t> Y-axis</a:t>
+            </a:r>
+          </a:p>
+          <a:p>
+            <a:pPr lvl="1">
+              <a:lnSpc>
+                <a:spcPct val="110000"/>
+              </a:lnSpc>
+            </a:pPr>
+            <a:endParaRPr lang="en-TW" dirty="0"/>
+          </a:p>
+          <a:p>
+            <a:pPr>
+              <a:lnSpc>
+                <a:spcPct val="110000"/>
+              </a:lnSpc>
+            </a:pPr>
+            <a:r>
+              <a:rPr lang="en-TW" dirty="0"/>
+              <a:t>給的example要是真的有解決那個問題的example</a:t>
             </a:r>
           </a:p>
         </p:txBody>
@@ -10949,7 +11591,7 @@
     </p:spTree>
     <p:extLst>
       <p:ext uri="{BB962C8B-B14F-4D97-AF65-F5344CB8AC3E}">
-        <p14:creationId xmlns:p14="http://schemas.microsoft.com/office/powerpoint/2010/main" val="854643436"/>
+        <p14:creationId xmlns:p14="http://schemas.microsoft.com/office/powerpoint/2010/main" val="576813697"/>
       </p:ext>
     </p:extLst>
   </p:cSld>
@@ -10990,43 +11632,10 @@
       </p:grpSpPr>
       <p:sp>
         <p:nvSpPr>
-          <p:cNvPr id="2" name="Title 1">
-            <a:extLst>
-              <a:ext uri="{FF2B5EF4-FFF2-40B4-BE49-F238E27FC236}">
-                <a16:creationId xmlns:a16="http://schemas.microsoft.com/office/drawing/2014/main" id="{2B533BED-E48C-5E7F-2273-C55CCE98516B}"/>
-              </a:ext>
-            </a:extLst>
-          </p:cNvPr>
-          <p:cNvSpPr>
-            <a:spLocks noGrp="1"/>
-          </p:cNvSpPr>
-          <p:nvPr>
-            <p:ph type="title"/>
-          </p:nvPr>
-        </p:nvSpPr>
-        <p:spPr>
-          <a:xfrm>
-            <a:off x="432987" y="194991"/>
-            <a:ext cx="10515600" cy="1325563"/>
-          </a:xfrm>
-        </p:spPr>
-        <p:txBody>
-          <a:bodyPr/>
-          <a:lstStyle/>
-          <a:p>
-            <a:r>
-              <a:rPr lang="en-TW" b="1" dirty="0"/>
-              <a:t>Observation on Different Dimension</a:t>
-            </a:r>
-          </a:p>
-        </p:txBody>
-      </p:sp>
-      <p:sp>
-        <p:nvSpPr>
           <p:cNvPr id="4" name="Slide Number Placeholder 3">
             <a:extLst>
               <a:ext uri="{FF2B5EF4-FFF2-40B4-BE49-F238E27FC236}">
-                <a16:creationId xmlns:a16="http://schemas.microsoft.com/office/drawing/2014/main" id="{5CD44B9F-7DE8-0932-BD70-B0BA453E653B}"/>
+                <a16:creationId xmlns:a16="http://schemas.microsoft.com/office/drawing/2014/main" id="{2BC4D631-FD05-0882-9331-7401BF92027E}"/>
               </a:ext>
             </a:extLst>
           </p:cNvPr>
@@ -11046,71 +11655,39 @@
               <a:rPr lang="en-TW" smtClean="0"/>
               <a:t>26</a:t>
             </a:fld>
-            <a:endParaRPr lang="en-TW" dirty="0"/>
-          </a:p>
-        </p:txBody>
-      </p:sp>
-      <p:pic>
-        <p:nvPicPr>
-          <p:cNvPr id="5" name="Picture 4">
-            <a:extLst>
-              <a:ext uri="{FF2B5EF4-FFF2-40B4-BE49-F238E27FC236}">
-                <a16:creationId xmlns:a16="http://schemas.microsoft.com/office/drawing/2014/main" id="{82DCE83B-3312-32DA-F01B-3A4513AC9007}"/>
-              </a:ext>
-            </a:extLst>
-          </p:cNvPr>
-          <p:cNvPicPr>
-            <a:picLocks noChangeAspect="1"/>
-          </p:cNvPicPr>
-          <p:nvPr/>
-        </p:nvPicPr>
-        <p:blipFill>
-          <a:blip r:embed="rId3"/>
-          <a:stretch>
-            <a:fillRect/>
-          </a:stretch>
-        </p:blipFill>
+            <a:endParaRPr lang="en-TW"/>
+          </a:p>
+        </p:txBody>
+      </p:sp>
+      <p:sp>
+        <p:nvSpPr>
+          <p:cNvPr id="5" name="Title 4">
+            <a:extLst>
+              <a:ext uri="{FF2B5EF4-FFF2-40B4-BE49-F238E27FC236}">
+                <a16:creationId xmlns:a16="http://schemas.microsoft.com/office/drawing/2014/main" id="{FD89D94C-6796-FFAC-888D-5EC2B2407BC6}"/>
+              </a:ext>
+            </a:extLst>
+          </p:cNvPr>
+          <p:cNvSpPr>
+            <a:spLocks noGrp="1"/>
+          </p:cNvSpPr>
+          <p:nvPr>
+            <p:ph type="ctrTitle"/>
+          </p:nvPr>
+        </p:nvSpPr>
         <p:spPr>
           <a:xfrm>
-            <a:off x="637477" y="1285051"/>
-            <a:ext cx="10515599" cy="5146956"/>
+            <a:off x="1524000" y="1484970"/>
+            <a:ext cx="9144000" cy="2387600"/>
           </a:xfrm>
-          <a:prstGeom prst="rect">
-            <a:avLst/>
-          </a:prstGeom>
         </p:spPr>
-      </p:pic>
-      <p:sp>
-        <p:nvSpPr>
-          <p:cNvPr id="3" name="TextBox 2">
-            <a:extLst>
-              <a:ext uri="{FF2B5EF4-FFF2-40B4-BE49-F238E27FC236}">
-                <a16:creationId xmlns:a16="http://schemas.microsoft.com/office/drawing/2014/main" id="{7C3D5A27-E373-0B29-D0D8-F53D8BAA0B2B}"/>
-              </a:ext>
-            </a:extLst>
-          </p:cNvPr>
-          <p:cNvSpPr txBox="1"/>
-          <p:nvPr/>
-        </p:nvSpPr>
-        <p:spPr>
-          <a:xfrm>
-            <a:off x="9287138" y="1295956"/>
-            <a:ext cx="1390124" cy="369332"/>
-          </a:xfrm>
-          <a:prstGeom prst="rect">
-            <a:avLst/>
-          </a:prstGeom>
-          <a:noFill/>
-        </p:spPr>
-        <p:txBody>
-          <a:bodyPr wrap="none" rtlCol="0">
-            <a:spAutoFit/>
-          </a:bodyPr>
+        <p:txBody>
+          <a:bodyPr/>
           <a:lstStyle/>
           <a:p>
             <a:r>
               <a:rPr lang="en-TW" b="1" dirty="0"/>
-              <a:t>T1518_c9b…</a:t>
+              <a:t>Appendix</a:t>
             </a:r>
           </a:p>
         </p:txBody>
@@ -11118,7 +11695,7 @@
     </p:spTree>
     <p:extLst>
       <p:ext uri="{BB962C8B-B14F-4D97-AF65-F5344CB8AC3E}">
-        <p14:creationId xmlns:p14="http://schemas.microsoft.com/office/powerpoint/2010/main" val="1453244362"/>
+        <p14:creationId xmlns:p14="http://schemas.microsoft.com/office/powerpoint/2010/main" val="854643436"/>
       </p:ext>
     </p:extLst>
   </p:cSld>
@@ -11175,7 +11752,7 @@
         </p:nvSpPr>
         <p:spPr>
           <a:xfrm>
-            <a:off x="366079" y="86444"/>
+            <a:off x="432987" y="194991"/>
             <a:ext cx="10515600" cy="1325563"/>
           </a:xfrm>
         </p:spPr>
@@ -11185,7 +11762,7 @@
           <a:p>
             <a:r>
               <a:rPr lang="en-TW" b="1" dirty="0"/>
-              <a:t>Experiment 3</a:t>
+              <a:t>Recap</a:t>
             </a:r>
           </a:p>
         </p:txBody>
@@ -11221,10 +11798,10 @@
       </p:sp>
       <p:sp>
         <p:nvSpPr>
-          <p:cNvPr id="3" name="TextBox 2">
-            <a:extLst>
-              <a:ext uri="{FF2B5EF4-FFF2-40B4-BE49-F238E27FC236}">
-                <a16:creationId xmlns:a16="http://schemas.microsoft.com/office/drawing/2014/main" id="{4BE68797-CB82-0116-07DD-1366D6F7C47E}"/>
+          <p:cNvPr id="10" name="TextBox 9">
+            <a:extLst>
+              <a:ext uri="{FF2B5EF4-FFF2-40B4-BE49-F238E27FC236}">
+                <a16:creationId xmlns:a16="http://schemas.microsoft.com/office/drawing/2014/main" id="{711571ED-9573-706A-BDFA-548120472BE4}"/>
               </a:ext>
             </a:extLst>
           </p:cNvPr>
@@ -11233,8 +11810,8 @@
         </p:nvSpPr>
         <p:spPr>
           <a:xfrm>
-            <a:off x="513227" y="1213008"/>
-            <a:ext cx="11312694" cy="3693319"/>
+            <a:off x="585254" y="1627432"/>
+            <a:ext cx="11268761" cy="3356688"/>
           </a:xfrm>
           <a:prstGeom prst="rect">
             <a:avLst/>
@@ -11247,199 +11824,122 @@
           </a:bodyPr>
           <a:lstStyle/>
           <a:p>
-            <a:pPr lvl="1"/>
-            <a:endParaRPr lang="en-TW" sz="2600" dirty="0"/>
-          </a:p>
-          <a:p>
-            <a:pPr marL="457200" indent="-457200">
+            <a:pPr marL="342900" indent="-342900">
+              <a:lnSpc>
+                <a:spcPct val="150000"/>
+              </a:lnSpc>
               <a:buFont typeface="Arial" panose="020B0604020202020204" pitchFamily="34" charset="0"/>
               <a:buChar char="•"/>
             </a:pPr>
             <a:r>
-              <a:rPr lang="en-TW" sz="2600" b="1" dirty="0"/>
-              <a:t>Experiment 3: </a:t>
-            </a:r>
-          </a:p>
-          <a:p>
-            <a:pPr marL="914400" lvl="1" indent="-457200">
+              <a:rPr lang="en-US" sz="2400" dirty="0"/>
+              <a:t>N</a:t>
+            </a:r>
+            <a:r>
+              <a:rPr lang="en-TW" sz="2400" dirty="0"/>
+              <a:t>oticed that </a:t>
+            </a:r>
+            <a:r>
+              <a:rPr lang="en-US" sz="2400" b="1" dirty="0"/>
+              <a:t>T1518_c9b</a:t>
+            </a:r>
+            <a:r>
+              <a:rPr lang="en-TW" sz="2400" dirty="0"/>
+              <a:t> always got predicted in all t</a:t>
+            </a:r>
+            <a:r>
+              <a:rPr lang="en-US" sz="2400" dirty="0"/>
+              <a:t>he</a:t>
+            </a:r>
+            <a:r>
+              <a:rPr lang="en-TW" sz="2400" dirty="0"/>
+              <a:t> experiments</a:t>
+            </a:r>
+          </a:p>
+          <a:p>
+            <a:pPr marL="800100" lvl="1" indent="-342900">
+              <a:lnSpc>
+                <a:spcPct val="150000"/>
+              </a:lnSpc>
               <a:buFont typeface="Arial" panose="020B0604020202020204" pitchFamily="34" charset="0"/>
               <a:buChar char="•"/>
             </a:pPr>
             <a:r>
-              <a:rPr lang="en-US" sz="2600" dirty="0"/>
-              <a:t>C</a:t>
-            </a:r>
-            <a:r>
-              <a:rPr lang="en-TW" sz="2600" dirty="0"/>
-              <a:t>onsider the </a:t>
-            </a:r>
-            <a:r>
-              <a:rPr lang="en-TW" sz="2600" b="1" dirty="0"/>
-              <a:t>neighbor</a:t>
-            </a:r>
-            <a:r>
-              <a:rPr lang="en-TW" sz="2600" dirty="0"/>
-              <a:t> benign nodes</a:t>
-            </a:r>
-          </a:p>
-          <a:p>
-            <a:pPr marL="914400" lvl="1" indent="-457200">
+              <a:rPr lang="en-TW" sz="2400" dirty="0"/>
+              <a:t>MLP, RNN, GNN</a:t>
+            </a:r>
+          </a:p>
+          <a:p>
+            <a:pPr marL="800100" lvl="1" indent="-342900">
+              <a:lnSpc>
+                <a:spcPct val="150000"/>
+              </a:lnSpc>
               <a:buFont typeface="Arial" panose="020B0604020202020204" pitchFamily="34" charset="0"/>
               <a:buChar char="•"/>
             </a:pPr>
             <a:r>
-              <a:rPr lang="en-TW" sz="2600" dirty="0"/>
-              <a:t>Edge classification</a:t>
-            </a:r>
-          </a:p>
-          <a:p>
-            <a:pPr lvl="1"/>
-            <a:endParaRPr lang="en-US" sz="2600" dirty="0"/>
-          </a:p>
-          <a:p>
-            <a:pPr marL="914400" lvl="1" indent="-457200">
+              <a:rPr lang="en-US" sz="2400" b="1" dirty="0"/>
+              <a:t>Ensemble </a:t>
+            </a:r>
+            <a:r>
+              <a:rPr lang="en-US" sz="2400" dirty="0"/>
+              <a:t>is not useful here</a:t>
+            </a:r>
+          </a:p>
+          <a:p>
+            <a:pPr lvl="1">
+              <a:lnSpc>
+                <a:spcPct val="150000"/>
+              </a:lnSpc>
+            </a:pPr>
+            <a:endParaRPr lang="en-US" sz="2400" dirty="0"/>
+          </a:p>
+          <a:p>
+            <a:pPr marL="342900" indent="-342900">
+              <a:lnSpc>
+                <a:spcPct val="150000"/>
+              </a:lnSpc>
               <a:buFont typeface="Arial" panose="020B0604020202020204" pitchFamily="34" charset="0"/>
               <a:buChar char="•"/>
             </a:pPr>
             <a:r>
-              <a:rPr lang="en-US" sz="2600" dirty="0"/>
-              <a:t>Given a graph </a:t>
-            </a:r>
-            <a:r>
-              <a:rPr lang="en-US" sz="2400" dirty="0">
+              <a:rPr lang="en-US" sz="2400" b="1" dirty="0"/>
+              <a:t>Hidden D</a:t>
+            </a:r>
+            <a:r>
+              <a:rPr lang="en-TW" sz="2400" b="1" dirty="0"/>
+              <a:t>imension</a:t>
+            </a:r>
+            <a:r>
+              <a:rPr lang="en-TW" sz="2400" dirty="0"/>
+              <a:t> do have an effect on the result </a:t>
+            </a:r>
+            <a:r>
+              <a:rPr lang="en-TW" sz="2400" dirty="0">
                 <a:sym typeface="Wingdings" pitchFamily="2" charset="2"/>
               </a:rPr>
-              <a:t></a:t>
-            </a:r>
-            <a:r>
-              <a:rPr lang="en-US" sz="2600" dirty="0">
-                <a:sym typeface="Wingdings" pitchFamily="2" charset="2"/>
-              </a:rPr>
-              <a:t> label the triplets</a:t>
-            </a:r>
-          </a:p>
-          <a:p>
-            <a:pPr lvl="1"/>
-            <a:r>
-              <a:rPr lang="en-US" sz="2600" dirty="0">
-                <a:sym typeface="Wingdings" pitchFamily="2" charset="2"/>
-              </a:rPr>
-              <a:t>	with the benign or the specific AP</a:t>
-            </a:r>
-            <a:endParaRPr lang="en-TW" sz="2600" dirty="0"/>
-          </a:p>
-          <a:p>
-            <a:pPr marL="914400" lvl="1" indent="-457200">
+              <a:t> but it’s all about from 0 to 0.05</a:t>
+            </a:r>
+          </a:p>
+          <a:p>
+            <a:pPr marL="342900" indent="-342900">
+              <a:lnSpc>
+                <a:spcPct val="150000"/>
+              </a:lnSpc>
               <a:buFont typeface="Arial" panose="020B0604020202020204" pitchFamily="34" charset="0"/>
               <a:buChar char="•"/>
             </a:pPr>
-            <a:endParaRPr lang="en-TW" sz="2600" dirty="0"/>
-          </a:p>
-          <a:p>
-            <a:pPr marL="914400" lvl="1" indent="-457200">
-              <a:buFont typeface="Arial" panose="020B0604020202020204" pitchFamily="34" charset="0"/>
-              <a:buChar char="•"/>
-            </a:pPr>
-            <a:endParaRPr lang="en-US" sz="2600" dirty="0"/>
-          </a:p>
-        </p:txBody>
-      </p:sp>
-      <p:pic>
-        <p:nvPicPr>
-          <p:cNvPr id="7" name="Picture 6">
-            <a:extLst>
-              <a:ext uri="{FF2B5EF4-FFF2-40B4-BE49-F238E27FC236}">
-                <a16:creationId xmlns:a16="http://schemas.microsoft.com/office/drawing/2014/main" id="{339AB3FA-BB6B-E4C8-8145-FDEBB61DE75B}"/>
-              </a:ext>
-            </a:extLst>
-          </p:cNvPr>
-          <p:cNvPicPr>
-            <a:picLocks noChangeAspect="1"/>
-          </p:cNvPicPr>
-          <p:nvPr/>
-        </p:nvPicPr>
-        <p:blipFill>
-          <a:blip r:embed="rId3"/>
-          <a:stretch>
-            <a:fillRect/>
-          </a:stretch>
-        </p:blipFill>
-        <p:spPr>
-          <a:xfrm>
-            <a:off x="6969012" y="1930400"/>
-            <a:ext cx="4242867" cy="3312663"/>
-          </a:xfrm>
-          <a:prstGeom prst="rect">
-            <a:avLst/>
-          </a:prstGeom>
-        </p:spPr>
-      </p:pic>
-      <p:sp>
-        <p:nvSpPr>
-          <p:cNvPr id="5" name="TextBox 4">
-            <a:extLst>
-              <a:ext uri="{FF2B5EF4-FFF2-40B4-BE49-F238E27FC236}">
-                <a16:creationId xmlns:a16="http://schemas.microsoft.com/office/drawing/2014/main" id="{858F98B8-0069-83E5-49F9-BF1FDC1B0337}"/>
-              </a:ext>
-            </a:extLst>
-          </p:cNvPr>
-          <p:cNvSpPr txBox="1"/>
-          <p:nvPr/>
-        </p:nvSpPr>
-        <p:spPr>
-          <a:xfrm>
-            <a:off x="7611533" y="3059668"/>
-            <a:ext cx="827471" cy="369332"/>
-          </a:xfrm>
-          <a:prstGeom prst="rect">
-            <a:avLst/>
-          </a:prstGeom>
-          <a:noFill/>
-        </p:spPr>
-        <p:txBody>
-          <a:bodyPr wrap="none" rtlCol="0">
-            <a:spAutoFit/>
-          </a:bodyPr>
-          <a:lstStyle/>
-          <a:p>
-            <a:r>
-              <a:rPr lang="en-TW" dirty="0"/>
-              <a:t>benign</a:t>
-            </a:r>
-          </a:p>
-        </p:txBody>
-      </p:sp>
-      <p:sp>
-        <p:nvSpPr>
-          <p:cNvPr id="8" name="TextBox 7">
-            <a:extLst>
-              <a:ext uri="{FF2B5EF4-FFF2-40B4-BE49-F238E27FC236}">
-                <a16:creationId xmlns:a16="http://schemas.microsoft.com/office/drawing/2014/main" id="{11F8FDF4-AECB-8DDD-5292-1D64EE905306}"/>
-              </a:ext>
-            </a:extLst>
-          </p:cNvPr>
-          <p:cNvSpPr txBox="1"/>
-          <p:nvPr/>
-        </p:nvSpPr>
-        <p:spPr>
-          <a:xfrm>
-            <a:off x="8915400" y="3059668"/>
-            <a:ext cx="1173719" cy="369332"/>
-          </a:xfrm>
-          <a:prstGeom prst="rect">
-            <a:avLst/>
-          </a:prstGeom>
-          <a:noFill/>
-        </p:spPr>
-        <p:txBody>
-          <a:bodyPr wrap="none" rtlCol="0">
-            <a:spAutoFit/>
-          </a:bodyPr>
-          <a:lstStyle/>
-          <a:p>
-            <a:r>
-              <a:rPr lang="en-TW" dirty="0"/>
-              <a:t>T1003.001</a:t>
+            <a:r>
+              <a:rPr lang="en-TW" sz="2400" b="1" dirty="0">
+                <a:sym typeface="Wingdings" pitchFamily="2" charset="2"/>
+              </a:rPr>
+              <a:t>Embedding</a:t>
+            </a:r>
+            <a:r>
+              <a:rPr lang="en-TW" sz="2400" dirty="0">
+                <a:sym typeface="Wingdings" pitchFamily="2" charset="2"/>
+              </a:rPr>
+              <a:t> (transR_50 and tansH_150) seems to have the similar result</a:t>
             </a:r>
           </a:p>
         </p:txBody>
@@ -11447,7 +11947,7 @@
     </p:spTree>
     <p:extLst>
       <p:ext uri="{BB962C8B-B14F-4D97-AF65-F5344CB8AC3E}">
-        <p14:creationId xmlns:p14="http://schemas.microsoft.com/office/powerpoint/2010/main" val="4062315407"/>
+        <p14:creationId xmlns:p14="http://schemas.microsoft.com/office/powerpoint/2010/main" val="2805903375"/>
       </p:ext>
     </p:extLst>
   </p:cSld>
@@ -11504,6 +12004,615 @@
         </p:nvSpPr>
         <p:spPr>
           <a:xfrm>
+            <a:off x="432987" y="194991"/>
+            <a:ext cx="10515600" cy="1325563"/>
+          </a:xfrm>
+        </p:spPr>
+        <p:txBody>
+          <a:bodyPr/>
+          <a:lstStyle/>
+          <a:p>
+            <a:r>
+              <a:rPr lang="en-TW" b="1" dirty="0"/>
+              <a:t>Observation on Different Dimension</a:t>
+            </a:r>
+          </a:p>
+        </p:txBody>
+      </p:sp>
+      <p:sp>
+        <p:nvSpPr>
+          <p:cNvPr id="4" name="Slide Number Placeholder 3">
+            <a:extLst>
+              <a:ext uri="{FF2B5EF4-FFF2-40B4-BE49-F238E27FC236}">
+                <a16:creationId xmlns:a16="http://schemas.microsoft.com/office/drawing/2014/main" id="{5CD44B9F-7DE8-0932-BD70-B0BA453E653B}"/>
+              </a:ext>
+            </a:extLst>
+          </p:cNvPr>
+          <p:cNvSpPr>
+            <a:spLocks noGrp="1"/>
+          </p:cNvSpPr>
+          <p:nvPr>
+            <p:ph type="sldNum" sz="quarter" idx="12"/>
+          </p:nvPr>
+        </p:nvSpPr>
+        <p:spPr/>
+        <p:txBody>
+          <a:bodyPr/>
+          <a:lstStyle/>
+          <a:p>
+            <a:fld id="{DB156E10-B3DB-CB42-894C-E44038C8B0C4}" type="slidenum">
+              <a:rPr lang="en-TW" smtClean="0"/>
+              <a:t>28</a:t>
+            </a:fld>
+            <a:endParaRPr lang="en-TW" dirty="0"/>
+          </a:p>
+        </p:txBody>
+      </p:sp>
+      <p:pic>
+        <p:nvPicPr>
+          <p:cNvPr id="5" name="Picture 4">
+            <a:extLst>
+              <a:ext uri="{FF2B5EF4-FFF2-40B4-BE49-F238E27FC236}">
+                <a16:creationId xmlns:a16="http://schemas.microsoft.com/office/drawing/2014/main" id="{82DCE83B-3312-32DA-F01B-3A4513AC9007}"/>
+              </a:ext>
+            </a:extLst>
+          </p:cNvPr>
+          <p:cNvPicPr>
+            <a:picLocks noChangeAspect="1"/>
+          </p:cNvPicPr>
+          <p:nvPr/>
+        </p:nvPicPr>
+        <p:blipFill>
+          <a:blip r:embed="rId3"/>
+          <a:stretch>
+            <a:fillRect/>
+          </a:stretch>
+        </p:blipFill>
+        <p:spPr>
+          <a:xfrm>
+            <a:off x="637477" y="1285051"/>
+            <a:ext cx="10515599" cy="5146956"/>
+          </a:xfrm>
+          <a:prstGeom prst="rect">
+            <a:avLst/>
+          </a:prstGeom>
+        </p:spPr>
+      </p:pic>
+      <p:sp>
+        <p:nvSpPr>
+          <p:cNvPr id="3" name="TextBox 2">
+            <a:extLst>
+              <a:ext uri="{FF2B5EF4-FFF2-40B4-BE49-F238E27FC236}">
+                <a16:creationId xmlns:a16="http://schemas.microsoft.com/office/drawing/2014/main" id="{7C3D5A27-E373-0B29-D0D8-F53D8BAA0B2B}"/>
+              </a:ext>
+            </a:extLst>
+          </p:cNvPr>
+          <p:cNvSpPr txBox="1"/>
+          <p:nvPr/>
+        </p:nvSpPr>
+        <p:spPr>
+          <a:xfrm>
+            <a:off x="9287138" y="1295956"/>
+            <a:ext cx="1390124" cy="369332"/>
+          </a:xfrm>
+          <a:prstGeom prst="rect">
+            <a:avLst/>
+          </a:prstGeom>
+          <a:noFill/>
+        </p:spPr>
+        <p:txBody>
+          <a:bodyPr wrap="none" rtlCol="0">
+            <a:spAutoFit/>
+          </a:bodyPr>
+          <a:lstStyle/>
+          <a:p>
+            <a:r>
+              <a:rPr lang="en-TW" b="1" dirty="0"/>
+              <a:t>T1518_c9b…</a:t>
+            </a:r>
+          </a:p>
+        </p:txBody>
+      </p:sp>
+    </p:spTree>
+    <p:extLst>
+      <p:ext uri="{BB962C8B-B14F-4D97-AF65-F5344CB8AC3E}">
+        <p14:creationId xmlns:p14="http://schemas.microsoft.com/office/powerpoint/2010/main" val="1453244362"/>
+      </p:ext>
+    </p:extLst>
+  </p:cSld>
+  <p:clrMapOvr>
+    <a:masterClrMapping/>
+  </p:clrMapOvr>
+  <mc:AlternateContent xmlns:mc="http://schemas.openxmlformats.org/markup-compatibility/2006" xmlns:p159="http://schemas.microsoft.com/office/powerpoint/2015/09/main">
+    <mc:Choice Requires="p159">
+      <p:transition xmlns:p14="http://schemas.microsoft.com/office/powerpoint/2010/main" spd="slow" p14:dur="2000">
+        <p159:morph option="byObject"/>
+      </p:transition>
+    </mc:Choice>
+    <mc:Fallback xmlns="">
+      <p:transition spd="slow">
+        <p:fade/>
+      </p:transition>
+    </mc:Fallback>
+  </mc:AlternateContent>
+</p:sld>
+</file>
+
+<file path=ppt/slides/slide29.xml><?xml version="1.0" encoding="utf-8"?>
+<p:sld xmlns:a="http://schemas.openxmlformats.org/drawingml/2006/main" xmlns:r="http://schemas.openxmlformats.org/officeDocument/2006/relationships" xmlns:p="http://schemas.openxmlformats.org/presentationml/2006/main">
+  <p:cSld>
+    <p:spTree>
+      <p:nvGrpSpPr>
+        <p:cNvPr id="1" name=""/>
+        <p:cNvGrpSpPr/>
+        <p:nvPr/>
+      </p:nvGrpSpPr>
+      <p:grpSpPr>
+        <a:xfrm>
+          <a:off x="0" y="0"/>
+          <a:ext cx="0" cy="0"/>
+          <a:chOff x="0" y="0"/>
+          <a:chExt cx="0" cy="0"/>
+        </a:xfrm>
+      </p:grpSpPr>
+      <p:sp>
+        <p:nvSpPr>
+          <p:cNvPr id="2" name="Title 1">
+            <a:extLst>
+              <a:ext uri="{FF2B5EF4-FFF2-40B4-BE49-F238E27FC236}">
+                <a16:creationId xmlns:a16="http://schemas.microsoft.com/office/drawing/2014/main" id="{2B533BED-E48C-5E7F-2273-C55CCE98516B}"/>
+              </a:ext>
+            </a:extLst>
+          </p:cNvPr>
+          <p:cNvSpPr>
+            <a:spLocks noGrp="1"/>
+          </p:cNvSpPr>
+          <p:nvPr>
+            <p:ph type="title"/>
+          </p:nvPr>
+        </p:nvSpPr>
+        <p:spPr>
+          <a:xfrm>
+            <a:off x="366079" y="86444"/>
+            <a:ext cx="10515600" cy="1325563"/>
+          </a:xfrm>
+        </p:spPr>
+        <p:txBody>
+          <a:bodyPr/>
+          <a:lstStyle/>
+          <a:p>
+            <a:r>
+              <a:rPr lang="en-TW" b="1" dirty="0"/>
+              <a:t>Experiment 3</a:t>
+            </a:r>
+          </a:p>
+        </p:txBody>
+      </p:sp>
+      <p:sp>
+        <p:nvSpPr>
+          <p:cNvPr id="4" name="Slide Number Placeholder 3">
+            <a:extLst>
+              <a:ext uri="{FF2B5EF4-FFF2-40B4-BE49-F238E27FC236}">
+                <a16:creationId xmlns:a16="http://schemas.microsoft.com/office/drawing/2014/main" id="{5CD44B9F-7DE8-0932-BD70-B0BA453E653B}"/>
+              </a:ext>
+            </a:extLst>
+          </p:cNvPr>
+          <p:cNvSpPr>
+            <a:spLocks noGrp="1"/>
+          </p:cNvSpPr>
+          <p:nvPr>
+            <p:ph type="sldNum" sz="quarter" idx="12"/>
+          </p:nvPr>
+        </p:nvSpPr>
+        <p:spPr/>
+        <p:txBody>
+          <a:bodyPr/>
+          <a:lstStyle/>
+          <a:p>
+            <a:fld id="{DB156E10-B3DB-CB42-894C-E44038C8B0C4}" type="slidenum">
+              <a:rPr lang="en-TW" smtClean="0"/>
+              <a:t>29</a:t>
+            </a:fld>
+            <a:endParaRPr lang="en-TW" dirty="0"/>
+          </a:p>
+        </p:txBody>
+      </p:sp>
+      <p:sp>
+        <p:nvSpPr>
+          <p:cNvPr id="3" name="TextBox 2">
+            <a:extLst>
+              <a:ext uri="{FF2B5EF4-FFF2-40B4-BE49-F238E27FC236}">
+                <a16:creationId xmlns:a16="http://schemas.microsoft.com/office/drawing/2014/main" id="{4BE68797-CB82-0116-07DD-1366D6F7C47E}"/>
+              </a:ext>
+            </a:extLst>
+          </p:cNvPr>
+          <p:cNvSpPr txBox="1"/>
+          <p:nvPr/>
+        </p:nvSpPr>
+        <p:spPr>
+          <a:xfrm>
+            <a:off x="513227" y="1213008"/>
+            <a:ext cx="11312694" cy="3693319"/>
+          </a:xfrm>
+          <a:prstGeom prst="rect">
+            <a:avLst/>
+          </a:prstGeom>
+          <a:noFill/>
+        </p:spPr>
+        <p:txBody>
+          <a:bodyPr wrap="square" rtlCol="0">
+            <a:spAutoFit/>
+          </a:bodyPr>
+          <a:lstStyle/>
+          <a:p>
+            <a:pPr lvl="1"/>
+            <a:endParaRPr lang="en-TW" sz="2600" dirty="0"/>
+          </a:p>
+          <a:p>
+            <a:pPr marL="457200" indent="-457200">
+              <a:buFont typeface="Arial" panose="020B0604020202020204" pitchFamily="34" charset="0"/>
+              <a:buChar char="•"/>
+            </a:pPr>
+            <a:r>
+              <a:rPr lang="en-TW" sz="2600" b="1" dirty="0"/>
+              <a:t>Experiment 3: </a:t>
+            </a:r>
+          </a:p>
+          <a:p>
+            <a:pPr marL="914400" lvl="1" indent="-457200">
+              <a:buFont typeface="Arial" panose="020B0604020202020204" pitchFamily="34" charset="0"/>
+              <a:buChar char="•"/>
+            </a:pPr>
+            <a:r>
+              <a:rPr lang="en-US" sz="2600" dirty="0"/>
+              <a:t>C</a:t>
+            </a:r>
+            <a:r>
+              <a:rPr lang="en-TW" sz="2600" dirty="0"/>
+              <a:t>onsider the </a:t>
+            </a:r>
+            <a:r>
+              <a:rPr lang="en-TW" sz="2600" b="1" dirty="0"/>
+              <a:t>neighbor</a:t>
+            </a:r>
+            <a:r>
+              <a:rPr lang="en-TW" sz="2600" dirty="0"/>
+              <a:t> benign nodes</a:t>
+            </a:r>
+          </a:p>
+          <a:p>
+            <a:pPr marL="914400" lvl="1" indent="-457200">
+              <a:buFont typeface="Arial" panose="020B0604020202020204" pitchFamily="34" charset="0"/>
+              <a:buChar char="•"/>
+            </a:pPr>
+            <a:r>
+              <a:rPr lang="en-TW" sz="2600" dirty="0"/>
+              <a:t>Edge classification</a:t>
+            </a:r>
+          </a:p>
+          <a:p>
+            <a:pPr lvl="1"/>
+            <a:endParaRPr lang="en-US" sz="2600" dirty="0"/>
+          </a:p>
+          <a:p>
+            <a:pPr marL="914400" lvl="1" indent="-457200">
+              <a:buFont typeface="Arial" panose="020B0604020202020204" pitchFamily="34" charset="0"/>
+              <a:buChar char="•"/>
+            </a:pPr>
+            <a:r>
+              <a:rPr lang="en-US" sz="2600" dirty="0"/>
+              <a:t>Given a graph </a:t>
+            </a:r>
+            <a:r>
+              <a:rPr lang="en-US" sz="2400" dirty="0">
+                <a:sym typeface="Wingdings" pitchFamily="2" charset="2"/>
+              </a:rPr>
+              <a:t></a:t>
+            </a:r>
+            <a:r>
+              <a:rPr lang="en-US" sz="2600" dirty="0">
+                <a:sym typeface="Wingdings" pitchFamily="2" charset="2"/>
+              </a:rPr>
+              <a:t> label the triplets</a:t>
+            </a:r>
+          </a:p>
+          <a:p>
+            <a:pPr lvl="1"/>
+            <a:r>
+              <a:rPr lang="en-US" sz="2600" dirty="0">
+                <a:sym typeface="Wingdings" pitchFamily="2" charset="2"/>
+              </a:rPr>
+              <a:t>	with the benign or the specific AP</a:t>
+            </a:r>
+            <a:endParaRPr lang="en-TW" sz="2600" dirty="0"/>
+          </a:p>
+          <a:p>
+            <a:pPr marL="914400" lvl="1" indent="-457200">
+              <a:buFont typeface="Arial" panose="020B0604020202020204" pitchFamily="34" charset="0"/>
+              <a:buChar char="•"/>
+            </a:pPr>
+            <a:endParaRPr lang="en-TW" sz="2600" dirty="0"/>
+          </a:p>
+          <a:p>
+            <a:pPr marL="914400" lvl="1" indent="-457200">
+              <a:buFont typeface="Arial" panose="020B0604020202020204" pitchFamily="34" charset="0"/>
+              <a:buChar char="•"/>
+            </a:pPr>
+            <a:endParaRPr lang="en-US" sz="2600" dirty="0"/>
+          </a:p>
+        </p:txBody>
+      </p:sp>
+      <p:pic>
+        <p:nvPicPr>
+          <p:cNvPr id="7" name="Picture 6">
+            <a:extLst>
+              <a:ext uri="{FF2B5EF4-FFF2-40B4-BE49-F238E27FC236}">
+                <a16:creationId xmlns:a16="http://schemas.microsoft.com/office/drawing/2014/main" id="{339AB3FA-BB6B-E4C8-8145-FDEBB61DE75B}"/>
+              </a:ext>
+            </a:extLst>
+          </p:cNvPr>
+          <p:cNvPicPr>
+            <a:picLocks noChangeAspect="1"/>
+          </p:cNvPicPr>
+          <p:nvPr/>
+        </p:nvPicPr>
+        <p:blipFill>
+          <a:blip r:embed="rId3"/>
+          <a:stretch>
+            <a:fillRect/>
+          </a:stretch>
+        </p:blipFill>
+        <p:spPr>
+          <a:xfrm>
+            <a:off x="6969012" y="1930400"/>
+            <a:ext cx="4242867" cy="3312663"/>
+          </a:xfrm>
+          <a:prstGeom prst="rect">
+            <a:avLst/>
+          </a:prstGeom>
+        </p:spPr>
+      </p:pic>
+      <p:sp>
+        <p:nvSpPr>
+          <p:cNvPr id="5" name="TextBox 4">
+            <a:extLst>
+              <a:ext uri="{FF2B5EF4-FFF2-40B4-BE49-F238E27FC236}">
+                <a16:creationId xmlns:a16="http://schemas.microsoft.com/office/drawing/2014/main" id="{858F98B8-0069-83E5-49F9-BF1FDC1B0337}"/>
+              </a:ext>
+            </a:extLst>
+          </p:cNvPr>
+          <p:cNvSpPr txBox="1"/>
+          <p:nvPr/>
+        </p:nvSpPr>
+        <p:spPr>
+          <a:xfrm>
+            <a:off x="7611533" y="3059668"/>
+            <a:ext cx="827471" cy="369332"/>
+          </a:xfrm>
+          <a:prstGeom prst="rect">
+            <a:avLst/>
+          </a:prstGeom>
+          <a:noFill/>
+        </p:spPr>
+        <p:txBody>
+          <a:bodyPr wrap="none" rtlCol="0">
+            <a:spAutoFit/>
+          </a:bodyPr>
+          <a:lstStyle/>
+          <a:p>
+            <a:r>
+              <a:rPr lang="en-TW" dirty="0"/>
+              <a:t>benign</a:t>
+            </a:r>
+          </a:p>
+        </p:txBody>
+      </p:sp>
+      <p:sp>
+        <p:nvSpPr>
+          <p:cNvPr id="8" name="TextBox 7">
+            <a:extLst>
+              <a:ext uri="{FF2B5EF4-FFF2-40B4-BE49-F238E27FC236}">
+                <a16:creationId xmlns:a16="http://schemas.microsoft.com/office/drawing/2014/main" id="{11F8FDF4-AECB-8DDD-5292-1D64EE905306}"/>
+              </a:ext>
+            </a:extLst>
+          </p:cNvPr>
+          <p:cNvSpPr txBox="1"/>
+          <p:nvPr/>
+        </p:nvSpPr>
+        <p:spPr>
+          <a:xfrm>
+            <a:off x="8915400" y="3059668"/>
+            <a:ext cx="1173719" cy="369332"/>
+          </a:xfrm>
+          <a:prstGeom prst="rect">
+            <a:avLst/>
+          </a:prstGeom>
+          <a:noFill/>
+        </p:spPr>
+        <p:txBody>
+          <a:bodyPr wrap="none" rtlCol="0">
+            <a:spAutoFit/>
+          </a:bodyPr>
+          <a:lstStyle/>
+          <a:p>
+            <a:r>
+              <a:rPr lang="en-TW" dirty="0"/>
+              <a:t>T1003.001</a:t>
+            </a:r>
+          </a:p>
+        </p:txBody>
+      </p:sp>
+    </p:spTree>
+    <p:extLst>
+      <p:ext uri="{BB962C8B-B14F-4D97-AF65-F5344CB8AC3E}">
+        <p14:creationId xmlns:p14="http://schemas.microsoft.com/office/powerpoint/2010/main" val="4062315407"/>
+      </p:ext>
+    </p:extLst>
+  </p:cSld>
+  <p:clrMapOvr>
+    <a:masterClrMapping/>
+  </p:clrMapOvr>
+  <mc:AlternateContent xmlns:mc="http://schemas.openxmlformats.org/markup-compatibility/2006" xmlns:p159="http://schemas.microsoft.com/office/powerpoint/2015/09/main">
+    <mc:Choice Requires="p159">
+      <p:transition xmlns:p14="http://schemas.microsoft.com/office/powerpoint/2010/main" spd="slow" p14:dur="2000">
+        <p159:morph option="byObject"/>
+      </p:transition>
+    </mc:Choice>
+    <mc:Fallback xmlns="">
+      <p:transition spd="slow">
+        <p:fade/>
+      </p:transition>
+    </mc:Fallback>
+  </mc:AlternateContent>
+</p:sld>
+</file>
+
+<file path=ppt/slides/slide3.xml><?xml version="1.0" encoding="utf-8"?>
+<p:sld xmlns:a="http://schemas.openxmlformats.org/drawingml/2006/main" xmlns:r="http://schemas.openxmlformats.org/officeDocument/2006/relationships" xmlns:p="http://schemas.openxmlformats.org/presentationml/2006/main">
+  <p:cSld>
+    <p:spTree>
+      <p:nvGrpSpPr>
+        <p:cNvPr id="1" name=""/>
+        <p:cNvGrpSpPr/>
+        <p:nvPr/>
+      </p:nvGrpSpPr>
+      <p:grpSpPr>
+        <a:xfrm>
+          <a:off x="0" y="0"/>
+          <a:ext cx="0" cy="0"/>
+          <a:chOff x="0" y="0"/>
+          <a:chExt cx="0" cy="0"/>
+        </a:xfrm>
+      </p:grpSpPr>
+      <p:sp>
+        <p:nvSpPr>
+          <p:cNvPr id="2" name="Title 1">
+            <a:extLst>
+              <a:ext uri="{FF2B5EF4-FFF2-40B4-BE49-F238E27FC236}">
+                <a16:creationId xmlns:a16="http://schemas.microsoft.com/office/drawing/2014/main" id="{2D1F1D5D-BC21-FE6C-199A-114DD8A93B70}"/>
+              </a:ext>
+            </a:extLst>
+          </p:cNvPr>
+          <p:cNvSpPr>
+            <a:spLocks noGrp="1"/>
+          </p:cNvSpPr>
+          <p:nvPr>
+            <p:ph type="ctrTitle"/>
+          </p:nvPr>
+        </p:nvSpPr>
+        <p:spPr>
+          <a:xfrm>
+            <a:off x="1056289" y="1500931"/>
+            <a:ext cx="10079421" cy="2387600"/>
+          </a:xfrm>
+        </p:spPr>
+        <p:txBody>
+          <a:bodyPr>
+            <a:normAutofit/>
+          </a:bodyPr>
+          <a:lstStyle/>
+          <a:p>
+            <a:pPr>
+              <a:lnSpc>
+                <a:spcPct val="110000"/>
+              </a:lnSpc>
+            </a:pPr>
+            <a:r>
+              <a:rPr lang="en-TW" sz="4800" b="1" dirty="0"/>
+              <a:t>Recap</a:t>
+            </a:r>
+          </a:p>
+        </p:txBody>
+      </p:sp>
+      <p:sp>
+        <p:nvSpPr>
+          <p:cNvPr id="4" name="Slide Number Placeholder 3">
+            <a:extLst>
+              <a:ext uri="{FF2B5EF4-FFF2-40B4-BE49-F238E27FC236}">
+                <a16:creationId xmlns:a16="http://schemas.microsoft.com/office/drawing/2014/main" id="{2BC4D631-FD05-0882-9331-7401BF92027E}"/>
+              </a:ext>
+            </a:extLst>
+          </p:cNvPr>
+          <p:cNvSpPr>
+            <a:spLocks noGrp="1"/>
+          </p:cNvSpPr>
+          <p:nvPr>
+            <p:ph type="sldNum" sz="quarter" idx="12"/>
+          </p:nvPr>
+        </p:nvSpPr>
+        <p:spPr/>
+        <p:txBody>
+          <a:bodyPr/>
+          <a:lstStyle/>
+          <a:p>
+            <a:fld id="{DB156E10-B3DB-CB42-894C-E44038C8B0C4}" type="slidenum">
+              <a:rPr lang="en-TW" smtClean="0"/>
+              <a:t>3</a:t>
+            </a:fld>
+            <a:endParaRPr lang="en-TW"/>
+          </a:p>
+        </p:txBody>
+      </p:sp>
+    </p:spTree>
+    <p:extLst>
+      <p:ext uri="{BB962C8B-B14F-4D97-AF65-F5344CB8AC3E}">
+        <p14:creationId xmlns:p14="http://schemas.microsoft.com/office/powerpoint/2010/main" val="1171118595"/>
+      </p:ext>
+    </p:extLst>
+  </p:cSld>
+  <p:clrMapOvr>
+    <a:masterClrMapping/>
+  </p:clrMapOvr>
+  <mc:AlternateContent xmlns:mc="http://schemas.openxmlformats.org/markup-compatibility/2006" xmlns:p159="http://schemas.microsoft.com/office/powerpoint/2015/09/main">
+    <mc:Choice Requires="p159">
+      <p:transition xmlns:p14="http://schemas.microsoft.com/office/powerpoint/2010/main" spd="slow" p14:dur="2000">
+        <p159:morph option="byObject"/>
+      </p:transition>
+    </mc:Choice>
+    <mc:Fallback xmlns="">
+      <p:transition spd="slow">
+        <p:fade/>
+      </p:transition>
+    </mc:Fallback>
+  </mc:AlternateContent>
+</p:sld>
+</file>
+
+<file path=ppt/slides/slide30.xml><?xml version="1.0" encoding="utf-8"?>
+<p:sld xmlns:a="http://schemas.openxmlformats.org/drawingml/2006/main" xmlns:r="http://schemas.openxmlformats.org/officeDocument/2006/relationships" xmlns:p="http://schemas.openxmlformats.org/presentationml/2006/main">
+  <p:cSld>
+    <p:spTree>
+      <p:nvGrpSpPr>
+        <p:cNvPr id="1" name=""/>
+        <p:cNvGrpSpPr/>
+        <p:nvPr/>
+      </p:nvGrpSpPr>
+      <p:grpSpPr>
+        <a:xfrm>
+          <a:off x="0" y="0"/>
+          <a:ext cx="0" cy="0"/>
+          <a:chOff x="0" y="0"/>
+          <a:chExt cx="0" cy="0"/>
+        </a:xfrm>
+      </p:grpSpPr>
+      <p:sp>
+        <p:nvSpPr>
+          <p:cNvPr id="2" name="Title 1">
+            <a:extLst>
+              <a:ext uri="{FF2B5EF4-FFF2-40B4-BE49-F238E27FC236}">
+                <a16:creationId xmlns:a16="http://schemas.microsoft.com/office/drawing/2014/main" id="{2B533BED-E48C-5E7F-2273-C55CCE98516B}"/>
+              </a:ext>
+            </a:extLst>
+          </p:cNvPr>
+          <p:cNvSpPr>
+            <a:spLocks noGrp="1"/>
+          </p:cNvSpPr>
+          <p:nvPr>
+            <p:ph type="title"/>
+          </p:nvPr>
+        </p:nvSpPr>
+        <p:spPr>
+          <a:xfrm>
             <a:off x="366079" y="273051"/>
             <a:ext cx="10515600" cy="1325563"/>
           </a:xfrm>
@@ -11542,7 +12651,7 @@
           <a:p>
             <a:fld id="{DB156E10-B3DB-CB42-894C-E44038C8B0C4}" type="slidenum">
               <a:rPr lang="en-TW" smtClean="0"/>
-              <a:t>28</a:t>
+              <a:t>30</a:t>
             </a:fld>
             <a:endParaRPr lang="en-TW" dirty="0"/>
           </a:p>
@@ -11785,7 +12894,7 @@
 </p:sld>
 </file>
 
-<file path=ppt/slides/slide29.xml><?xml version="1.0" encoding="utf-8"?>
+<file path=ppt/slides/slide31.xml><?xml version="1.0" encoding="utf-8"?>
 <p:sld xmlns:a="http://schemas.openxmlformats.org/drawingml/2006/main" xmlns:r="http://schemas.openxmlformats.org/officeDocument/2006/relationships" xmlns:p="http://schemas.openxmlformats.org/presentationml/2006/main">
   <p:cSld>
     <p:spTree>
@@ -11858,7 +12967,7 @@
           <a:p>
             <a:fld id="{DB156E10-B3DB-CB42-894C-E44038C8B0C4}" type="slidenum">
               <a:rPr lang="en-TW" smtClean="0"/>
-              <a:t>29</a:t>
+              <a:t>31</a:t>
             </a:fld>
             <a:endParaRPr lang="en-TW" dirty="0"/>
           </a:p>
@@ -11979,7 +13088,7 @@
 </p:sld>
 </file>
 
-<file path=ppt/slides/slide3.xml><?xml version="1.0" encoding="utf-8"?>
+<file path=ppt/slides/slide32.xml><?xml version="1.0" encoding="utf-8"?>
 <p:sld xmlns:a="http://schemas.openxmlformats.org/drawingml/2006/main" xmlns:r="http://schemas.openxmlformats.org/officeDocument/2006/relationships" xmlns:p="http://schemas.openxmlformats.org/presentationml/2006/main">
   <p:cSld>
     <p:spTree>
@@ -11998,50 +13107,10 @@
       </p:grpSpPr>
       <p:sp>
         <p:nvSpPr>
-          <p:cNvPr id="2" name="Title 1">
-            <a:extLst>
-              <a:ext uri="{FF2B5EF4-FFF2-40B4-BE49-F238E27FC236}">
-                <a16:creationId xmlns:a16="http://schemas.microsoft.com/office/drawing/2014/main" id="{2D1F1D5D-BC21-FE6C-199A-114DD8A93B70}"/>
-              </a:ext>
-            </a:extLst>
-          </p:cNvPr>
-          <p:cNvSpPr>
-            <a:spLocks noGrp="1"/>
-          </p:cNvSpPr>
-          <p:nvPr>
-            <p:ph type="ctrTitle"/>
-          </p:nvPr>
-        </p:nvSpPr>
-        <p:spPr>
-          <a:xfrm>
-            <a:off x="1056289" y="1500931"/>
-            <a:ext cx="10079421" cy="2387600"/>
-          </a:xfrm>
-        </p:spPr>
-        <p:txBody>
-          <a:bodyPr>
-            <a:normAutofit/>
-          </a:bodyPr>
-          <a:lstStyle/>
-          <a:p>
-            <a:pPr>
-              <a:lnSpc>
-                <a:spcPct val="110000"/>
-              </a:lnSpc>
-            </a:pPr>
-            <a:r>
-              <a:rPr lang="en-TW" sz="4800" b="1" dirty="0"/>
-              <a:t>Recap</a:t>
-            </a:r>
-          </a:p>
-        </p:txBody>
-      </p:sp>
-      <p:sp>
-        <p:nvSpPr>
           <p:cNvPr id="4" name="Slide Number Placeholder 3">
             <a:extLst>
               <a:ext uri="{FF2B5EF4-FFF2-40B4-BE49-F238E27FC236}">
-                <a16:creationId xmlns:a16="http://schemas.microsoft.com/office/drawing/2014/main" id="{2BC4D631-FD05-0882-9331-7401BF92027E}"/>
+                <a16:creationId xmlns:a16="http://schemas.microsoft.com/office/drawing/2014/main" id="{5CD44B9F-7DE8-0932-BD70-B0BA453E653B}"/>
               </a:ext>
             </a:extLst>
           </p:cNvPr>
@@ -12059,78 +13128,7 @@
           <a:p>
             <a:fld id="{DB156E10-B3DB-CB42-894C-E44038C8B0C4}" type="slidenum">
               <a:rPr lang="en-TW" smtClean="0"/>
-              <a:t>3</a:t>
-            </a:fld>
-            <a:endParaRPr lang="en-TW"/>
-          </a:p>
-        </p:txBody>
-      </p:sp>
-    </p:spTree>
-    <p:extLst>
-      <p:ext uri="{BB962C8B-B14F-4D97-AF65-F5344CB8AC3E}">
-        <p14:creationId xmlns:p14="http://schemas.microsoft.com/office/powerpoint/2010/main" val="1171118595"/>
-      </p:ext>
-    </p:extLst>
-  </p:cSld>
-  <p:clrMapOvr>
-    <a:masterClrMapping/>
-  </p:clrMapOvr>
-  <mc:AlternateContent xmlns:mc="http://schemas.openxmlformats.org/markup-compatibility/2006" xmlns:p159="http://schemas.microsoft.com/office/powerpoint/2015/09/main">
-    <mc:Choice Requires="p159">
-      <p:transition xmlns:p14="http://schemas.microsoft.com/office/powerpoint/2010/main" spd="slow" p14:dur="2000">
-        <p159:morph option="byObject"/>
-      </p:transition>
-    </mc:Choice>
-    <mc:Fallback xmlns="">
-      <p:transition spd="slow">
-        <p:fade/>
-      </p:transition>
-    </mc:Fallback>
-  </mc:AlternateContent>
-</p:sld>
-</file>
-
-<file path=ppt/slides/slide30.xml><?xml version="1.0" encoding="utf-8"?>
-<p:sld xmlns:a="http://schemas.openxmlformats.org/drawingml/2006/main" xmlns:r="http://schemas.openxmlformats.org/officeDocument/2006/relationships" xmlns:p="http://schemas.openxmlformats.org/presentationml/2006/main">
-  <p:cSld>
-    <p:spTree>
-      <p:nvGrpSpPr>
-        <p:cNvPr id="1" name=""/>
-        <p:cNvGrpSpPr/>
-        <p:nvPr/>
-      </p:nvGrpSpPr>
-      <p:grpSpPr>
-        <a:xfrm>
-          <a:off x="0" y="0"/>
-          <a:ext cx="0" cy="0"/>
-          <a:chOff x="0" y="0"/>
-          <a:chExt cx="0" cy="0"/>
-        </a:xfrm>
-      </p:grpSpPr>
-      <p:sp>
-        <p:nvSpPr>
-          <p:cNvPr id="4" name="Slide Number Placeholder 3">
-            <a:extLst>
-              <a:ext uri="{FF2B5EF4-FFF2-40B4-BE49-F238E27FC236}">
-                <a16:creationId xmlns:a16="http://schemas.microsoft.com/office/drawing/2014/main" id="{5CD44B9F-7DE8-0932-BD70-B0BA453E653B}"/>
-              </a:ext>
-            </a:extLst>
-          </p:cNvPr>
-          <p:cNvSpPr>
-            <a:spLocks noGrp="1"/>
-          </p:cNvSpPr>
-          <p:nvPr>
-            <p:ph type="sldNum" sz="quarter" idx="12"/>
-          </p:nvPr>
-        </p:nvSpPr>
-        <p:spPr/>
-        <p:txBody>
-          <a:bodyPr/>
-          <a:lstStyle/>
-          <a:p>
-            <a:fld id="{DB156E10-B3DB-CB42-894C-E44038C8B0C4}" type="slidenum">
-              <a:rPr lang="en-TW" smtClean="0"/>
-              <a:t>30</a:t>
+              <a:t>32</a:t>
             </a:fld>
             <a:endParaRPr lang="en-TW" dirty="0"/>
           </a:p>
@@ -12283,7 +13281,7 @@
 </p:sld>
 </file>
 
-<file path=ppt/slides/slide31.xml><?xml version="1.0" encoding="utf-8"?>
+<file path=ppt/slides/slide33.xml><?xml version="1.0" encoding="utf-8"?>
 <p:sld xmlns:a="http://schemas.openxmlformats.org/drawingml/2006/main" xmlns:r="http://schemas.openxmlformats.org/officeDocument/2006/relationships" xmlns:p="http://schemas.openxmlformats.org/presentationml/2006/main">
   <p:cSld>
     <p:spTree>
@@ -12356,7 +13354,7 @@
           <a:p>
             <a:fld id="{DB156E10-B3DB-CB42-894C-E44038C8B0C4}" type="slidenum">
               <a:rPr lang="en-TW" smtClean="0"/>
-              <a:t>31</a:t>
+              <a:t>33</a:t>
             </a:fld>
             <a:endParaRPr lang="en-TW" dirty="0"/>
           </a:p>
@@ -12758,7 +13756,7 @@
 </p:sld>
 </file>
 
-<file path=ppt/slides/slide32.xml><?xml version="1.0" encoding="utf-8"?>
+<file path=ppt/slides/slide34.xml><?xml version="1.0" encoding="utf-8"?>
 <p:sld xmlns:a="http://schemas.openxmlformats.org/drawingml/2006/main" xmlns:r="http://schemas.openxmlformats.org/officeDocument/2006/relationships" xmlns:p="http://schemas.openxmlformats.org/presentationml/2006/main">
   <p:cSld>
     <p:spTree>
@@ -12831,7 +13829,7 @@
           <a:p>
             <a:fld id="{DB156E10-B3DB-CB42-894C-E44038C8B0C4}" type="slidenum">
               <a:rPr lang="en-TW" smtClean="0"/>
-              <a:t>32</a:t>
+              <a:t>34</a:t>
             </a:fld>
             <a:endParaRPr lang="en-TW" dirty="0"/>
           </a:p>
@@ -13280,9 +14278,10 @@
           <a:lstStyle/>
           <a:p>
             <a:r>
-              <a:rPr lang="en-TW" b="1" dirty="0"/>
-              <a:t>Recap</a:t>
-            </a:r>
+              <a:rPr lang="en-US" b="1" dirty="0"/>
+              <a:t>Observation of the Prediction</a:t>
+            </a:r>
+            <a:endParaRPr lang="en-TW" b="1" dirty="0"/>
           </a:p>
         </p:txBody>
       </p:sp>
@@ -13310,259 +14309,6 @@
             <a:fld id="{DB156E10-B3DB-CB42-894C-E44038C8B0C4}" type="slidenum">
               <a:rPr lang="en-TW" smtClean="0"/>
               <a:t>4</a:t>
-            </a:fld>
-            <a:endParaRPr lang="en-TW" dirty="0"/>
-          </a:p>
-        </p:txBody>
-      </p:sp>
-      <p:sp>
-        <p:nvSpPr>
-          <p:cNvPr id="10" name="TextBox 9">
-            <a:extLst>
-              <a:ext uri="{FF2B5EF4-FFF2-40B4-BE49-F238E27FC236}">
-                <a16:creationId xmlns:a16="http://schemas.microsoft.com/office/drawing/2014/main" id="{711571ED-9573-706A-BDFA-548120472BE4}"/>
-              </a:ext>
-            </a:extLst>
-          </p:cNvPr>
-          <p:cNvSpPr txBox="1"/>
-          <p:nvPr/>
-        </p:nvSpPr>
-        <p:spPr>
-          <a:xfrm>
-            <a:off x="585254" y="1627432"/>
-            <a:ext cx="11268761" cy="3356688"/>
-          </a:xfrm>
-          <a:prstGeom prst="rect">
-            <a:avLst/>
-          </a:prstGeom>
-          <a:noFill/>
-        </p:spPr>
-        <p:txBody>
-          <a:bodyPr wrap="square" rtlCol="0">
-            <a:spAutoFit/>
-          </a:bodyPr>
-          <a:lstStyle/>
-          <a:p>
-            <a:pPr marL="342900" indent="-342900">
-              <a:lnSpc>
-                <a:spcPct val="150000"/>
-              </a:lnSpc>
-              <a:buFont typeface="Arial" panose="020B0604020202020204" pitchFamily="34" charset="0"/>
-              <a:buChar char="•"/>
-            </a:pPr>
-            <a:r>
-              <a:rPr lang="en-US" sz="2400" dirty="0"/>
-              <a:t>N</a:t>
-            </a:r>
-            <a:r>
-              <a:rPr lang="en-TW" sz="2400" dirty="0"/>
-              <a:t>oticed that </a:t>
-            </a:r>
-            <a:r>
-              <a:rPr lang="en-US" sz="2400" b="1" dirty="0"/>
-              <a:t>T1518_c9b</a:t>
-            </a:r>
-            <a:r>
-              <a:rPr lang="en-TW" sz="2400" dirty="0"/>
-              <a:t> always got predicted in all t</a:t>
-            </a:r>
-            <a:r>
-              <a:rPr lang="en-US" sz="2400" dirty="0"/>
-              <a:t>he</a:t>
-            </a:r>
-            <a:r>
-              <a:rPr lang="en-TW" sz="2400" dirty="0"/>
-              <a:t> experiments</a:t>
-            </a:r>
-          </a:p>
-          <a:p>
-            <a:pPr marL="800100" lvl="1" indent="-342900">
-              <a:lnSpc>
-                <a:spcPct val="150000"/>
-              </a:lnSpc>
-              <a:buFont typeface="Arial" panose="020B0604020202020204" pitchFamily="34" charset="0"/>
-              <a:buChar char="•"/>
-            </a:pPr>
-            <a:r>
-              <a:rPr lang="en-TW" sz="2400" dirty="0"/>
-              <a:t>MLP, RNN, GNN</a:t>
-            </a:r>
-          </a:p>
-          <a:p>
-            <a:pPr marL="800100" lvl="1" indent="-342900">
-              <a:lnSpc>
-                <a:spcPct val="150000"/>
-              </a:lnSpc>
-              <a:buFont typeface="Arial" panose="020B0604020202020204" pitchFamily="34" charset="0"/>
-              <a:buChar char="•"/>
-            </a:pPr>
-            <a:r>
-              <a:rPr lang="en-US" sz="2400" b="1" dirty="0"/>
-              <a:t>Ensemble </a:t>
-            </a:r>
-            <a:r>
-              <a:rPr lang="en-US" sz="2400" dirty="0"/>
-              <a:t>is not useful here</a:t>
-            </a:r>
-          </a:p>
-          <a:p>
-            <a:pPr lvl="1">
-              <a:lnSpc>
-                <a:spcPct val="150000"/>
-              </a:lnSpc>
-            </a:pPr>
-            <a:endParaRPr lang="en-US" sz="2400" dirty="0"/>
-          </a:p>
-          <a:p>
-            <a:pPr marL="342900" indent="-342900">
-              <a:lnSpc>
-                <a:spcPct val="150000"/>
-              </a:lnSpc>
-              <a:buFont typeface="Arial" panose="020B0604020202020204" pitchFamily="34" charset="0"/>
-              <a:buChar char="•"/>
-            </a:pPr>
-            <a:r>
-              <a:rPr lang="en-US" sz="2400" b="1" dirty="0"/>
-              <a:t>Hidden D</a:t>
-            </a:r>
-            <a:r>
-              <a:rPr lang="en-TW" sz="2400" b="1" dirty="0"/>
-              <a:t>imension</a:t>
-            </a:r>
-            <a:r>
-              <a:rPr lang="en-TW" sz="2400" dirty="0"/>
-              <a:t> do have an effect on the result </a:t>
-            </a:r>
-            <a:r>
-              <a:rPr lang="en-TW" sz="2400" dirty="0">
-                <a:sym typeface="Wingdings" pitchFamily="2" charset="2"/>
-              </a:rPr>
-              <a:t> but it’s all about from 0 to 0.05</a:t>
-            </a:r>
-          </a:p>
-          <a:p>
-            <a:pPr marL="342900" indent="-342900">
-              <a:lnSpc>
-                <a:spcPct val="150000"/>
-              </a:lnSpc>
-              <a:buFont typeface="Arial" panose="020B0604020202020204" pitchFamily="34" charset="0"/>
-              <a:buChar char="•"/>
-            </a:pPr>
-            <a:r>
-              <a:rPr lang="en-TW" sz="2400" b="1" dirty="0">
-                <a:sym typeface="Wingdings" pitchFamily="2" charset="2"/>
-              </a:rPr>
-              <a:t>Embedding</a:t>
-            </a:r>
-            <a:r>
-              <a:rPr lang="en-TW" sz="2400" dirty="0">
-                <a:sym typeface="Wingdings" pitchFamily="2" charset="2"/>
-              </a:rPr>
-              <a:t> (transR_50 and tansH_150) seems to have the similar result</a:t>
-            </a:r>
-          </a:p>
-        </p:txBody>
-      </p:sp>
-    </p:spTree>
-    <p:extLst>
-      <p:ext uri="{BB962C8B-B14F-4D97-AF65-F5344CB8AC3E}">
-        <p14:creationId xmlns:p14="http://schemas.microsoft.com/office/powerpoint/2010/main" val="2524816654"/>
-      </p:ext>
-    </p:extLst>
-  </p:cSld>
-  <p:clrMapOvr>
-    <a:masterClrMapping/>
-  </p:clrMapOvr>
-  <mc:AlternateContent xmlns:mc="http://schemas.openxmlformats.org/markup-compatibility/2006" xmlns:p159="http://schemas.microsoft.com/office/powerpoint/2015/09/main">
-    <mc:Choice Requires="p159">
-      <p:transition xmlns:p14="http://schemas.microsoft.com/office/powerpoint/2010/main" spd="slow" p14:dur="2000">
-        <p159:morph option="byObject"/>
-      </p:transition>
-    </mc:Choice>
-    <mc:Fallback xmlns="">
-      <p:transition spd="slow">
-        <p:fade/>
-      </p:transition>
-    </mc:Fallback>
-  </mc:AlternateContent>
-</p:sld>
-</file>
-
-<file path=ppt/slides/slide5.xml><?xml version="1.0" encoding="utf-8"?>
-<p:sld xmlns:a="http://schemas.openxmlformats.org/drawingml/2006/main" xmlns:r="http://schemas.openxmlformats.org/officeDocument/2006/relationships" xmlns:p="http://schemas.openxmlformats.org/presentationml/2006/main">
-  <p:cSld>
-    <p:spTree>
-      <p:nvGrpSpPr>
-        <p:cNvPr id="1" name=""/>
-        <p:cNvGrpSpPr/>
-        <p:nvPr/>
-      </p:nvGrpSpPr>
-      <p:grpSpPr>
-        <a:xfrm>
-          <a:off x="0" y="0"/>
-          <a:ext cx="0" cy="0"/>
-          <a:chOff x="0" y="0"/>
-          <a:chExt cx="0" cy="0"/>
-        </a:xfrm>
-      </p:grpSpPr>
-      <p:sp>
-        <p:nvSpPr>
-          <p:cNvPr id="2" name="Title 1">
-            <a:extLst>
-              <a:ext uri="{FF2B5EF4-FFF2-40B4-BE49-F238E27FC236}">
-                <a16:creationId xmlns:a16="http://schemas.microsoft.com/office/drawing/2014/main" id="{2B533BED-E48C-5E7F-2273-C55CCE98516B}"/>
-              </a:ext>
-            </a:extLst>
-          </p:cNvPr>
-          <p:cNvSpPr>
-            <a:spLocks noGrp="1"/>
-          </p:cNvSpPr>
-          <p:nvPr>
-            <p:ph type="title"/>
-          </p:nvPr>
-        </p:nvSpPr>
-        <p:spPr>
-          <a:xfrm>
-            <a:off x="432987" y="194991"/>
-            <a:ext cx="10515600" cy="1325563"/>
-          </a:xfrm>
-        </p:spPr>
-        <p:txBody>
-          <a:bodyPr/>
-          <a:lstStyle/>
-          <a:p>
-            <a:r>
-              <a:rPr lang="en-US" b="1" dirty="0"/>
-              <a:t>Observation of the Prediction</a:t>
-            </a:r>
-            <a:endParaRPr lang="en-TW" b="1" dirty="0"/>
-          </a:p>
-        </p:txBody>
-      </p:sp>
-      <p:sp>
-        <p:nvSpPr>
-          <p:cNvPr id="4" name="Slide Number Placeholder 3">
-            <a:extLst>
-              <a:ext uri="{FF2B5EF4-FFF2-40B4-BE49-F238E27FC236}">
-                <a16:creationId xmlns:a16="http://schemas.microsoft.com/office/drawing/2014/main" id="{5CD44B9F-7DE8-0932-BD70-B0BA453E653B}"/>
-              </a:ext>
-            </a:extLst>
-          </p:cNvPr>
-          <p:cNvSpPr>
-            <a:spLocks noGrp="1"/>
-          </p:cNvSpPr>
-          <p:nvPr>
-            <p:ph type="sldNum" sz="quarter" idx="12"/>
-          </p:nvPr>
-        </p:nvSpPr>
-        <p:spPr/>
-        <p:txBody>
-          <a:bodyPr/>
-          <a:lstStyle/>
-          <a:p>
-            <a:fld id="{DB156E10-B3DB-CB42-894C-E44038C8B0C4}" type="slidenum">
-              <a:rPr lang="en-TW" smtClean="0"/>
-              <a:t>5</a:t>
             </a:fld>
             <a:endParaRPr lang="en-TW" dirty="0"/>
           </a:p>
@@ -13778,7 +14524,7 @@
 </p:sld>
 </file>
 
-<file path=ppt/slides/slide6.xml><?xml version="1.0" encoding="utf-8"?>
+<file path=ppt/slides/slide5.xml><?xml version="1.0" encoding="utf-8"?>
 <p:sld xmlns:a="http://schemas.openxmlformats.org/drawingml/2006/main" xmlns:r="http://schemas.openxmlformats.org/officeDocument/2006/relationships" xmlns:p="http://schemas.openxmlformats.org/presentationml/2006/main">
   <p:cSld>
     <p:spTree>
@@ -13852,7 +14598,7 @@
           <a:p>
             <a:fld id="{DB156E10-B3DB-CB42-894C-E44038C8B0C4}" type="slidenum">
               <a:rPr lang="en-TW" smtClean="0"/>
-              <a:t>6</a:t>
+              <a:t>5</a:t>
             </a:fld>
             <a:endParaRPr lang="en-TW" dirty="0"/>
           </a:p>
@@ -14338,7 +15084,7 @@
 </p:sld>
 </file>
 
-<file path=ppt/slides/slide7.xml><?xml version="1.0" encoding="utf-8"?>
+<file path=ppt/slides/slide6.xml><?xml version="1.0" encoding="utf-8"?>
 <p:sld xmlns:a="http://schemas.openxmlformats.org/drawingml/2006/main" xmlns:r="http://schemas.openxmlformats.org/officeDocument/2006/relationships" xmlns:p="http://schemas.openxmlformats.org/presentationml/2006/main">
   <p:cSld>
     <p:spTree>
@@ -14419,7 +15165,7 @@
           <a:p>
             <a:fld id="{DB156E10-B3DB-CB42-894C-E44038C8B0C4}" type="slidenum">
               <a:rPr lang="en-TW" smtClean="0"/>
-              <a:t>7</a:t>
+              <a:t>6</a:t>
             </a:fld>
             <a:endParaRPr lang="en-TW" dirty="0"/>
           </a:p>
@@ -14596,7 +15342,7 @@
 </p:sld>
 </file>
 
-<file path=ppt/slides/slide8.xml><?xml version="1.0" encoding="utf-8"?>
+<file path=ppt/slides/slide7.xml><?xml version="1.0" encoding="utf-8"?>
 <p:sld xmlns:a="http://schemas.openxmlformats.org/drawingml/2006/main" xmlns:r="http://schemas.openxmlformats.org/officeDocument/2006/relationships" xmlns:p="http://schemas.openxmlformats.org/presentationml/2006/main">
   <p:cSld>
     <p:spTree>
@@ -14677,7 +15423,7 @@
           <a:p>
             <a:fld id="{DB156E10-B3DB-CB42-894C-E44038C8B0C4}" type="slidenum">
               <a:rPr lang="en-TW" smtClean="0"/>
-              <a:t>8</a:t>
+              <a:t>7</a:t>
             </a:fld>
             <a:endParaRPr lang="en-TW" dirty="0"/>
           </a:p>
@@ -14794,6 +15540,117 @@
 </p:sld>
 </file>
 
+<file path=ppt/slides/slide8.xml><?xml version="1.0" encoding="utf-8"?>
+<p:sld xmlns:a="http://schemas.openxmlformats.org/drawingml/2006/main" xmlns:r="http://schemas.openxmlformats.org/officeDocument/2006/relationships" xmlns:p="http://schemas.openxmlformats.org/presentationml/2006/main">
+  <p:cSld>
+    <p:spTree>
+      <p:nvGrpSpPr>
+        <p:cNvPr id="1" name=""/>
+        <p:cNvGrpSpPr/>
+        <p:nvPr/>
+      </p:nvGrpSpPr>
+      <p:grpSpPr>
+        <a:xfrm>
+          <a:off x="0" y="0"/>
+          <a:ext cx="0" cy="0"/>
+          <a:chOff x="0" y="0"/>
+          <a:chExt cx="0" cy="0"/>
+        </a:xfrm>
+      </p:grpSpPr>
+      <p:sp>
+        <p:nvSpPr>
+          <p:cNvPr id="2" name="Title 1">
+            <a:extLst>
+              <a:ext uri="{FF2B5EF4-FFF2-40B4-BE49-F238E27FC236}">
+                <a16:creationId xmlns:a16="http://schemas.microsoft.com/office/drawing/2014/main" id="{2D1F1D5D-BC21-FE6C-199A-114DD8A93B70}"/>
+              </a:ext>
+            </a:extLst>
+          </p:cNvPr>
+          <p:cNvSpPr>
+            <a:spLocks noGrp="1"/>
+          </p:cNvSpPr>
+          <p:nvPr>
+            <p:ph type="ctrTitle"/>
+          </p:nvPr>
+        </p:nvSpPr>
+        <p:spPr>
+          <a:xfrm>
+            <a:off x="1056289" y="1500931"/>
+            <a:ext cx="10079421" cy="2387600"/>
+          </a:xfrm>
+        </p:spPr>
+        <p:txBody>
+          <a:bodyPr>
+            <a:normAutofit/>
+          </a:bodyPr>
+          <a:lstStyle/>
+          <a:p>
+            <a:pPr>
+              <a:lnSpc>
+                <a:spcPct val="110000"/>
+              </a:lnSpc>
+            </a:pPr>
+            <a:r>
+              <a:rPr lang="en-TW" sz="4800" b="1" dirty="0"/>
+              <a:t>Experiment – Change the Dataset</a:t>
+            </a:r>
+          </a:p>
+        </p:txBody>
+      </p:sp>
+      <p:sp>
+        <p:nvSpPr>
+          <p:cNvPr id="4" name="Slide Number Placeholder 3">
+            <a:extLst>
+              <a:ext uri="{FF2B5EF4-FFF2-40B4-BE49-F238E27FC236}">
+                <a16:creationId xmlns:a16="http://schemas.microsoft.com/office/drawing/2014/main" id="{2BC4D631-FD05-0882-9331-7401BF92027E}"/>
+              </a:ext>
+            </a:extLst>
+          </p:cNvPr>
+          <p:cNvSpPr>
+            <a:spLocks noGrp="1"/>
+          </p:cNvSpPr>
+          <p:nvPr>
+            <p:ph type="sldNum" sz="quarter" idx="12"/>
+          </p:nvPr>
+        </p:nvSpPr>
+        <p:spPr/>
+        <p:txBody>
+          <a:bodyPr/>
+          <a:lstStyle/>
+          <a:p>
+            <a:fld id="{DB156E10-B3DB-CB42-894C-E44038C8B0C4}" type="slidenum">
+              <a:rPr lang="en-TW" smtClean="0"/>
+              <a:t>8</a:t>
+            </a:fld>
+            <a:endParaRPr lang="en-TW"/>
+          </a:p>
+        </p:txBody>
+      </p:sp>
+    </p:spTree>
+    <p:extLst>
+      <p:ext uri="{BB962C8B-B14F-4D97-AF65-F5344CB8AC3E}">
+        <p14:creationId xmlns:p14="http://schemas.microsoft.com/office/powerpoint/2010/main" val="979208547"/>
+      </p:ext>
+    </p:extLst>
+  </p:cSld>
+  <p:clrMapOvr>
+    <a:masterClrMapping/>
+  </p:clrMapOvr>
+  <mc:AlternateContent xmlns:mc="http://schemas.openxmlformats.org/markup-compatibility/2006" xmlns:p159="http://schemas.microsoft.com/office/powerpoint/2015/09/main">
+    <mc:Choice Requires="p159">
+      <p:transition xmlns:p14="http://schemas.microsoft.com/office/powerpoint/2010/main" spd="slow" p14:dur="2000">
+        <p159:morph option="byObject"/>
+      </p:transition>
+    </mc:Choice>
+    <mc:Fallback xmlns="">
+      <p:transition spd="slow">
+        <p:fade/>
+      </p:transition>
+    </mc:Fallback>
+  </mc:AlternateContent>
+</p:sld>
+</file>
+
 <file path=ppt/slides/slide9.xml><?xml version="1.0" encoding="utf-8"?>
 <p:sld xmlns:a="http://schemas.openxmlformats.org/drawingml/2006/main" xmlns:r="http://schemas.openxmlformats.org/officeDocument/2006/relationships" xmlns:p="http://schemas.openxmlformats.org/presentationml/2006/main">
   <p:cSld>
@@ -14816,38 +15673,32 @@
           <p:cNvPr id="2" name="Title 1">
             <a:extLst>
               <a:ext uri="{FF2B5EF4-FFF2-40B4-BE49-F238E27FC236}">
-                <a16:creationId xmlns:a16="http://schemas.microsoft.com/office/drawing/2014/main" id="{2D1F1D5D-BC21-FE6C-199A-114DD8A93B70}"/>
-              </a:ext>
-            </a:extLst>
-          </p:cNvPr>
-          <p:cNvSpPr>
-            <a:spLocks noGrp="1"/>
-          </p:cNvSpPr>
-          <p:nvPr>
-            <p:ph type="ctrTitle"/>
+                <a16:creationId xmlns:a16="http://schemas.microsoft.com/office/drawing/2014/main" id="{2B533BED-E48C-5E7F-2273-C55CCE98516B}"/>
+              </a:ext>
+            </a:extLst>
+          </p:cNvPr>
+          <p:cNvSpPr>
+            <a:spLocks noGrp="1"/>
+          </p:cNvSpPr>
+          <p:nvPr>
+            <p:ph type="title"/>
           </p:nvPr>
         </p:nvSpPr>
         <p:spPr>
           <a:xfrm>
-            <a:off x="1056289" y="1500931"/>
-            <a:ext cx="10079421" cy="2387600"/>
+            <a:off x="432987" y="194991"/>
+            <a:ext cx="10515600" cy="1325563"/>
           </a:xfrm>
         </p:spPr>
         <p:txBody>
-          <a:bodyPr>
-            <a:normAutofit/>
-          </a:bodyPr>
-          <a:lstStyle/>
-          <a:p>
-            <a:pPr>
-              <a:lnSpc>
-                <a:spcPct val="110000"/>
-              </a:lnSpc>
-            </a:pPr>
-            <a:r>
-              <a:rPr lang="en-TW" sz="4800" b="1" dirty="0"/>
-              <a:t>Experiment – Change the Dataset</a:t>
-            </a:r>
+          <a:bodyPr/>
+          <a:lstStyle/>
+          <a:p>
+            <a:r>
+              <a:rPr lang="en-US" b="1" dirty="0"/>
+              <a:t>Observation of the Prediction</a:t>
+            </a:r>
+            <a:endParaRPr lang="en-TW" b="1" dirty="0"/>
           </a:p>
         </p:txBody>
       </p:sp>
@@ -14856,7 +15707,7 @@
           <p:cNvPr id="4" name="Slide Number Placeholder 3">
             <a:extLst>
               <a:ext uri="{FF2B5EF4-FFF2-40B4-BE49-F238E27FC236}">
-                <a16:creationId xmlns:a16="http://schemas.microsoft.com/office/drawing/2014/main" id="{2BC4D631-FD05-0882-9331-7401BF92027E}"/>
+                <a16:creationId xmlns:a16="http://schemas.microsoft.com/office/drawing/2014/main" id="{5CD44B9F-7DE8-0932-BD70-B0BA453E653B}"/>
               </a:ext>
             </a:extLst>
           </p:cNvPr>
@@ -14876,14 +15727,190 @@
               <a:rPr lang="en-TW" smtClean="0"/>
               <a:t>9</a:t>
             </a:fld>
-            <a:endParaRPr lang="en-TW"/>
-          </a:p>
-        </p:txBody>
-      </p:sp>
+            <a:endParaRPr lang="en-TW" dirty="0"/>
+          </a:p>
+        </p:txBody>
+      </p:sp>
+      <p:sp>
+        <p:nvSpPr>
+          <p:cNvPr id="6" name="TextBox 5">
+            <a:extLst>
+              <a:ext uri="{FF2B5EF4-FFF2-40B4-BE49-F238E27FC236}">
+                <a16:creationId xmlns:a16="http://schemas.microsoft.com/office/drawing/2014/main" id="{E0C82C37-8905-6420-2C9B-A5F50295CDC0}"/>
+              </a:ext>
+            </a:extLst>
+          </p:cNvPr>
+          <p:cNvSpPr txBox="1"/>
+          <p:nvPr/>
+        </p:nvSpPr>
+        <p:spPr>
+          <a:xfrm>
+            <a:off x="602489" y="1409341"/>
+            <a:ext cx="11268761" cy="830997"/>
+          </a:xfrm>
+          <a:prstGeom prst="rect">
+            <a:avLst/>
+          </a:prstGeom>
+          <a:noFill/>
+        </p:spPr>
+        <p:txBody>
+          <a:bodyPr wrap="square" rtlCol="0">
+            <a:spAutoFit/>
+          </a:bodyPr>
+          <a:lstStyle/>
+          <a:p>
+            <a:pPr marL="342900" indent="-342900">
+              <a:buFont typeface="Arial" panose="020B0604020202020204" pitchFamily="34" charset="0"/>
+              <a:buChar char="•"/>
+            </a:pPr>
+            <a:r>
+              <a:rPr lang="en-US" sz="2400" dirty="0"/>
+              <a:t>Remove the </a:t>
+            </a:r>
+            <a:r>
+              <a:rPr lang="en-US" sz="2400" b="1" dirty="0"/>
+              <a:t>TTPs with support &gt; 1000 </a:t>
+            </a:r>
+            <a:r>
+              <a:rPr lang="en-US" sz="2400" dirty="0"/>
+              <a:t>(Removed 32 TTPs)</a:t>
+            </a:r>
+          </a:p>
+          <a:p>
+            <a:pPr marL="800100" lvl="1" indent="-342900">
+              <a:buFont typeface="Arial" panose="020B0604020202020204" pitchFamily="34" charset="0"/>
+              <a:buChar char="•"/>
+            </a:pPr>
+            <a:r>
+              <a:rPr lang="en-US" sz="2400" dirty="0"/>
+              <a:t>The predictions on the single triplet cases are still a mess</a:t>
+            </a:r>
+          </a:p>
+        </p:txBody>
+      </p:sp>
+      <p:pic>
+        <p:nvPicPr>
+          <p:cNvPr id="11" name="Picture 10">
+            <a:extLst>
+              <a:ext uri="{FF2B5EF4-FFF2-40B4-BE49-F238E27FC236}">
+                <a16:creationId xmlns:a16="http://schemas.microsoft.com/office/drawing/2014/main" id="{CB61316A-B2E7-18BE-0E89-9076A184D4DF}"/>
+              </a:ext>
+            </a:extLst>
+          </p:cNvPr>
+          <p:cNvPicPr>
+            <a:picLocks noChangeAspect="1"/>
+          </p:cNvPicPr>
+          <p:nvPr/>
+        </p:nvPicPr>
+        <p:blipFill>
+          <a:blip r:embed="rId3"/>
+          <a:stretch>
+            <a:fillRect/>
+          </a:stretch>
+        </p:blipFill>
+        <p:spPr>
+          <a:xfrm>
+            <a:off x="369745" y="2530118"/>
+            <a:ext cx="11681028" cy="4191357"/>
+          </a:xfrm>
+          <a:prstGeom prst="rect">
+            <a:avLst/>
+          </a:prstGeom>
+        </p:spPr>
+      </p:pic>
+      <p:sp>
+        <p:nvSpPr>
+          <p:cNvPr id="12" name="TextBox 11">
+            <a:extLst>
+              <a:ext uri="{FF2B5EF4-FFF2-40B4-BE49-F238E27FC236}">
+                <a16:creationId xmlns:a16="http://schemas.microsoft.com/office/drawing/2014/main" id="{226AB780-1F90-2988-EF7F-CF98288D4327}"/>
+              </a:ext>
+            </a:extLst>
+          </p:cNvPr>
+          <p:cNvSpPr txBox="1"/>
+          <p:nvPr/>
+        </p:nvSpPr>
+        <p:spPr>
+          <a:xfrm>
+            <a:off x="849836" y="2880570"/>
+            <a:ext cx="2777555" cy="923330"/>
+          </a:xfrm>
+          <a:prstGeom prst="rect">
+            <a:avLst/>
+          </a:prstGeom>
+          <a:noFill/>
+        </p:spPr>
+        <p:txBody>
+          <a:bodyPr wrap="none" rtlCol="0">
+            <a:spAutoFit/>
+          </a:bodyPr>
+          <a:lstStyle/>
+          <a:p>
+            <a:r>
+              <a:rPr lang="en-TW" b="1" dirty="0"/>
+              <a:t>Red</a:t>
+            </a:r>
+            <a:r>
+              <a:rPr lang="en-TW" dirty="0"/>
+              <a:t>: non-single triplet edge</a:t>
+            </a:r>
+          </a:p>
+          <a:p>
+            <a:r>
+              <a:rPr lang="en-TW" b="1" dirty="0"/>
+              <a:t>Blue</a:t>
+            </a:r>
+            <a:r>
+              <a:rPr lang="en-TW" dirty="0"/>
+              <a:t>: single triplet edge</a:t>
+            </a:r>
+          </a:p>
+          <a:p>
+            <a:r>
+              <a:rPr lang="en-TW" b="1" dirty="0"/>
+              <a:t>Green</a:t>
+            </a:r>
+            <a:r>
+              <a:rPr lang="en-TW" dirty="0"/>
+              <a:t>: itself</a:t>
+            </a:r>
+          </a:p>
+        </p:txBody>
+      </p:sp>
+      <p:pic>
+        <p:nvPicPr>
+          <p:cNvPr id="14" name="Picture 13">
+            <a:extLst>
+              <a:ext uri="{FF2B5EF4-FFF2-40B4-BE49-F238E27FC236}">
+                <a16:creationId xmlns:a16="http://schemas.microsoft.com/office/drawing/2014/main" id="{78F19E92-FC4C-A893-F877-1526F69AFA6A}"/>
+              </a:ext>
+            </a:extLst>
+          </p:cNvPr>
+          <p:cNvPicPr>
+            <a:picLocks noChangeAspect="1"/>
+          </p:cNvPicPr>
+          <p:nvPr/>
+        </p:nvPicPr>
+        <p:blipFill>
+          <a:blip r:embed="rId4"/>
+          <a:stretch>
+            <a:fillRect/>
+          </a:stretch>
+        </p:blipFill>
+        <p:spPr>
+          <a:xfrm>
+            <a:off x="849836" y="4064164"/>
+            <a:ext cx="6362700" cy="749300"/>
+          </a:xfrm>
+          <a:prstGeom prst="rect">
+            <a:avLst/>
+          </a:prstGeom>
+        </p:spPr>
+      </p:pic>
     </p:spTree>
     <p:extLst>
       <p:ext uri="{BB962C8B-B14F-4D97-AF65-F5344CB8AC3E}">
-        <p14:creationId xmlns:p14="http://schemas.microsoft.com/office/powerpoint/2010/main" val="979208547"/>
+        <p14:creationId xmlns:p14="http://schemas.microsoft.com/office/powerpoint/2010/main" val="1262439618"/>
       </p:ext>
     </p:extLst>
   </p:cSld>
